--- a/docs/10_implementation/architecture.pptx
+++ b/docs/10_implementation/architecture.pptx
@@ -245,7 +245,7 @@
           <a:p>
             <a:fld id="{CE992262-0062-4EDD-B0C3-8606D6178BEB}" type="datetimeFigureOut">
               <a:rPr lang="ko-KR" altLang="en-US" smtClean="0"/>
-              <a:t>2021-06-13</a:t>
+              <a:t>2021-06-14</a:t>
             </a:fld>
             <a:endParaRPr lang="ko-KR" altLang="en-US"/>
           </a:p>
@@ -415,7 +415,7 @@
           <a:p>
             <a:fld id="{CE992262-0062-4EDD-B0C3-8606D6178BEB}" type="datetimeFigureOut">
               <a:rPr lang="ko-KR" altLang="en-US" smtClean="0"/>
-              <a:t>2021-06-13</a:t>
+              <a:t>2021-06-14</a:t>
             </a:fld>
             <a:endParaRPr lang="ko-KR" altLang="en-US"/>
           </a:p>
@@ -595,7 +595,7 @@
           <a:p>
             <a:fld id="{CE992262-0062-4EDD-B0C3-8606D6178BEB}" type="datetimeFigureOut">
               <a:rPr lang="ko-KR" altLang="en-US" smtClean="0"/>
-              <a:t>2021-06-13</a:t>
+              <a:t>2021-06-14</a:t>
             </a:fld>
             <a:endParaRPr lang="ko-KR" altLang="en-US"/>
           </a:p>
@@ -765,7 +765,7 @@
           <a:p>
             <a:fld id="{CE992262-0062-4EDD-B0C3-8606D6178BEB}" type="datetimeFigureOut">
               <a:rPr lang="ko-KR" altLang="en-US" smtClean="0"/>
-              <a:t>2021-06-13</a:t>
+              <a:t>2021-06-14</a:t>
             </a:fld>
             <a:endParaRPr lang="ko-KR" altLang="en-US"/>
           </a:p>
@@ -1011,7 +1011,7 @@
           <a:p>
             <a:fld id="{CE992262-0062-4EDD-B0C3-8606D6178BEB}" type="datetimeFigureOut">
               <a:rPr lang="ko-KR" altLang="en-US" smtClean="0"/>
-              <a:t>2021-06-13</a:t>
+              <a:t>2021-06-14</a:t>
             </a:fld>
             <a:endParaRPr lang="ko-KR" altLang="en-US"/>
           </a:p>
@@ -1243,7 +1243,7 @@
           <a:p>
             <a:fld id="{CE992262-0062-4EDD-B0C3-8606D6178BEB}" type="datetimeFigureOut">
               <a:rPr lang="ko-KR" altLang="en-US" smtClean="0"/>
-              <a:t>2021-06-13</a:t>
+              <a:t>2021-06-14</a:t>
             </a:fld>
             <a:endParaRPr lang="ko-KR" altLang="en-US"/>
           </a:p>
@@ -1610,7 +1610,7 @@
           <a:p>
             <a:fld id="{CE992262-0062-4EDD-B0C3-8606D6178BEB}" type="datetimeFigureOut">
               <a:rPr lang="ko-KR" altLang="en-US" smtClean="0"/>
-              <a:t>2021-06-13</a:t>
+              <a:t>2021-06-14</a:t>
             </a:fld>
             <a:endParaRPr lang="ko-KR" altLang="en-US"/>
           </a:p>
@@ -1728,7 +1728,7 @@
           <a:p>
             <a:fld id="{CE992262-0062-4EDD-B0C3-8606D6178BEB}" type="datetimeFigureOut">
               <a:rPr lang="ko-KR" altLang="en-US" smtClean="0"/>
-              <a:t>2021-06-13</a:t>
+              <a:t>2021-06-14</a:t>
             </a:fld>
             <a:endParaRPr lang="ko-KR" altLang="en-US"/>
           </a:p>
@@ -1823,7 +1823,7 @@
           <a:p>
             <a:fld id="{CE992262-0062-4EDD-B0C3-8606D6178BEB}" type="datetimeFigureOut">
               <a:rPr lang="ko-KR" altLang="en-US" smtClean="0"/>
-              <a:t>2021-06-13</a:t>
+              <a:t>2021-06-14</a:t>
             </a:fld>
             <a:endParaRPr lang="ko-KR" altLang="en-US"/>
           </a:p>
@@ -2100,7 +2100,7 @@
           <a:p>
             <a:fld id="{CE992262-0062-4EDD-B0C3-8606D6178BEB}" type="datetimeFigureOut">
               <a:rPr lang="ko-KR" altLang="en-US" smtClean="0"/>
-              <a:t>2021-06-13</a:t>
+              <a:t>2021-06-14</a:t>
             </a:fld>
             <a:endParaRPr lang="ko-KR" altLang="en-US"/>
           </a:p>
@@ -2353,7 +2353,7 @@
           <a:p>
             <a:fld id="{CE992262-0062-4EDD-B0C3-8606D6178BEB}" type="datetimeFigureOut">
               <a:rPr lang="ko-KR" altLang="en-US" smtClean="0"/>
-              <a:t>2021-06-13</a:t>
+              <a:t>2021-06-14</a:t>
             </a:fld>
             <a:endParaRPr lang="ko-KR" altLang="en-US"/>
           </a:p>
@@ -2566,7 +2566,7 @@
           <a:p>
             <a:fld id="{CE992262-0062-4EDD-B0C3-8606D6178BEB}" type="datetimeFigureOut">
               <a:rPr lang="ko-KR" altLang="en-US" smtClean="0"/>
-              <a:t>2021-06-13</a:t>
+              <a:t>2021-06-14</a:t>
             </a:fld>
             <a:endParaRPr lang="ko-KR" altLang="en-US"/>
           </a:p>
@@ -5718,11 +5718,7 @@
             </a:pPr>
             <a:r>
               <a:rPr lang="en-US" altLang="ko-KR" sz="1100" dirty="0" smtClean="0"/>
-              <a:t>logout: </a:t>
-            </a:r>
-            <a:r>
-              <a:rPr lang="en-US" altLang="ko-KR" sz="1100" dirty="0" smtClean="0"/>
-              <a:t>sever and client are disconnected. </a:t>
+              <a:t>logout: sever and client are disconnected. </a:t>
             </a:r>
           </a:p>
           <a:p>
@@ -5775,15 +5771,7 @@
             </a:pPr>
             <a:r>
               <a:rPr lang="en-US" altLang="ko-KR" sz="1100" dirty="0" smtClean="0"/>
-              <a:t>secure test run: can </a:t>
-            </a:r>
-            <a:r>
-              <a:rPr lang="en-US" altLang="ko-KR" sz="1100" dirty="0" smtClean="0"/>
-              <a:t>securely </a:t>
-            </a:r>
-            <a:r>
-              <a:rPr lang="en-US" altLang="ko-KR" sz="1100" dirty="0" smtClean="0"/>
-              <a:t>receive the image data</a:t>
+              <a:t>secure test run: can securely receive the image data</a:t>
             </a:r>
           </a:p>
           <a:p>
@@ -5825,11 +5813,7 @@
             </a:pPr>
             <a:r>
               <a:rPr lang="en-US" altLang="ko-KR" sz="1100" dirty="0" smtClean="0"/>
-              <a:t>non </a:t>
-            </a:r>
-            <a:r>
-              <a:rPr lang="en-US" altLang="ko-KR" sz="1100" dirty="0" smtClean="0"/>
-              <a:t>secure test run: can receive the image data</a:t>
+              <a:t>non secure test run: can receive the image data</a:t>
             </a:r>
           </a:p>
           <a:p>

--- a/docs/10_implementation/architecture.pptx
+++ b/docs/10_implementation/architecture.pptx
@@ -6,8 +6,8 @@
   </p:sldMasterIdLst>
   <p:sldIdLst>
     <p:sldId id="256" r:id="rId2"/>
-    <p:sldId id="257" r:id="rId3"/>
-    <p:sldId id="258" r:id="rId4"/>
+    <p:sldId id="259" r:id="rId3"/>
+    <p:sldId id="257" r:id="rId4"/>
   </p:sldIdLst>
   <p:sldSz cx="12192000" cy="6858000"/>
   <p:notesSz cx="6858000" cy="9144000"/>
@@ -245,7 +245,7 @@
           <a:p>
             <a:fld id="{CE992262-0062-4EDD-B0C3-8606D6178BEB}" type="datetimeFigureOut">
               <a:rPr lang="ko-KR" altLang="en-US" smtClean="0"/>
-              <a:t>2021-06-14</a:t>
+              <a:t>2021-06-15</a:t>
             </a:fld>
             <a:endParaRPr lang="ko-KR" altLang="en-US"/>
           </a:p>
@@ -415,7 +415,7 @@
           <a:p>
             <a:fld id="{CE992262-0062-4EDD-B0C3-8606D6178BEB}" type="datetimeFigureOut">
               <a:rPr lang="ko-KR" altLang="en-US" smtClean="0"/>
-              <a:t>2021-06-14</a:t>
+              <a:t>2021-06-15</a:t>
             </a:fld>
             <a:endParaRPr lang="ko-KR" altLang="en-US"/>
           </a:p>
@@ -595,7 +595,7 @@
           <a:p>
             <a:fld id="{CE992262-0062-4EDD-B0C3-8606D6178BEB}" type="datetimeFigureOut">
               <a:rPr lang="ko-KR" altLang="en-US" smtClean="0"/>
-              <a:t>2021-06-14</a:t>
+              <a:t>2021-06-15</a:t>
             </a:fld>
             <a:endParaRPr lang="ko-KR" altLang="en-US"/>
           </a:p>
@@ -765,7 +765,7 @@
           <a:p>
             <a:fld id="{CE992262-0062-4EDD-B0C3-8606D6178BEB}" type="datetimeFigureOut">
               <a:rPr lang="ko-KR" altLang="en-US" smtClean="0"/>
-              <a:t>2021-06-14</a:t>
+              <a:t>2021-06-15</a:t>
             </a:fld>
             <a:endParaRPr lang="ko-KR" altLang="en-US"/>
           </a:p>
@@ -1011,7 +1011,7 @@
           <a:p>
             <a:fld id="{CE992262-0062-4EDD-B0C3-8606D6178BEB}" type="datetimeFigureOut">
               <a:rPr lang="ko-KR" altLang="en-US" smtClean="0"/>
-              <a:t>2021-06-14</a:t>
+              <a:t>2021-06-15</a:t>
             </a:fld>
             <a:endParaRPr lang="ko-KR" altLang="en-US"/>
           </a:p>
@@ -1243,7 +1243,7 @@
           <a:p>
             <a:fld id="{CE992262-0062-4EDD-B0C3-8606D6178BEB}" type="datetimeFigureOut">
               <a:rPr lang="ko-KR" altLang="en-US" smtClean="0"/>
-              <a:t>2021-06-14</a:t>
+              <a:t>2021-06-15</a:t>
             </a:fld>
             <a:endParaRPr lang="ko-KR" altLang="en-US"/>
           </a:p>
@@ -1610,7 +1610,7 @@
           <a:p>
             <a:fld id="{CE992262-0062-4EDD-B0C3-8606D6178BEB}" type="datetimeFigureOut">
               <a:rPr lang="ko-KR" altLang="en-US" smtClean="0"/>
-              <a:t>2021-06-14</a:t>
+              <a:t>2021-06-15</a:t>
             </a:fld>
             <a:endParaRPr lang="ko-KR" altLang="en-US"/>
           </a:p>
@@ -1728,7 +1728,7 @@
           <a:p>
             <a:fld id="{CE992262-0062-4EDD-B0C3-8606D6178BEB}" type="datetimeFigureOut">
               <a:rPr lang="ko-KR" altLang="en-US" smtClean="0"/>
-              <a:t>2021-06-14</a:t>
+              <a:t>2021-06-15</a:t>
             </a:fld>
             <a:endParaRPr lang="ko-KR" altLang="en-US"/>
           </a:p>
@@ -1823,7 +1823,7 @@
           <a:p>
             <a:fld id="{CE992262-0062-4EDD-B0C3-8606D6178BEB}" type="datetimeFigureOut">
               <a:rPr lang="ko-KR" altLang="en-US" smtClean="0"/>
-              <a:t>2021-06-14</a:t>
+              <a:t>2021-06-15</a:t>
             </a:fld>
             <a:endParaRPr lang="ko-KR" altLang="en-US"/>
           </a:p>
@@ -2100,7 +2100,7 @@
           <a:p>
             <a:fld id="{CE992262-0062-4EDD-B0C3-8606D6178BEB}" type="datetimeFigureOut">
               <a:rPr lang="ko-KR" altLang="en-US" smtClean="0"/>
-              <a:t>2021-06-14</a:t>
+              <a:t>2021-06-15</a:t>
             </a:fld>
             <a:endParaRPr lang="ko-KR" altLang="en-US"/>
           </a:p>
@@ -2353,7 +2353,7 @@
           <a:p>
             <a:fld id="{CE992262-0062-4EDD-B0C3-8606D6178BEB}" type="datetimeFigureOut">
               <a:rPr lang="ko-KR" altLang="en-US" smtClean="0"/>
-              <a:t>2021-06-14</a:t>
+              <a:t>2021-06-15</a:t>
             </a:fld>
             <a:endParaRPr lang="ko-KR" altLang="en-US"/>
           </a:p>
@@ -2566,7 +2566,7 @@
           <a:p>
             <a:fld id="{CE992262-0062-4EDD-B0C3-8606D6178BEB}" type="datetimeFigureOut">
               <a:rPr lang="ko-KR" altLang="en-US" smtClean="0"/>
-              <a:t>2021-06-14</a:t>
+              <a:t>2021-06-15</a:t>
             </a:fld>
             <a:endParaRPr lang="ko-KR" altLang="en-US"/>
           </a:p>
@@ -2979,8 +2979,8 @@
         </p:nvSpPr>
         <p:spPr>
           <a:xfrm>
-            <a:off x="7019736" y="782053"/>
-            <a:ext cx="3308685" cy="2731168"/>
+            <a:off x="7019736" y="86627"/>
+            <a:ext cx="3308685" cy="3426594"/>
           </a:xfrm>
           <a:prstGeom prst="rect">
             <a:avLst/>
@@ -3017,7 +3017,7 @@
         </p:nvSpPr>
         <p:spPr>
           <a:xfrm>
-            <a:off x="7231670" y="1333129"/>
+            <a:off x="7231670" y="697264"/>
             <a:ext cx="1842569" cy="1152073"/>
           </a:xfrm>
           <a:prstGeom prst="rect">
@@ -3039,7 +3039,7 @@
           </a:fontRef>
         </p:style>
         <p:txBody>
-          <a:bodyPr rtlCol="0" anchor="ctr"/>
+          <a:bodyPr rtlCol="0" anchor="t"/>
           <a:lstStyle/>
           <a:p>
             <a:pPr algn="ctr"/>
@@ -3059,8 +3059,8 @@
         </p:nvSpPr>
         <p:spPr>
           <a:xfrm>
-            <a:off x="1744578" y="782053"/>
-            <a:ext cx="3308685" cy="2731168"/>
+            <a:off x="1744578" y="86627"/>
+            <a:ext cx="3308685" cy="3426594"/>
           </a:xfrm>
           <a:prstGeom prst="rect">
             <a:avLst/>
@@ -3097,7 +3097,7 @@
         </p:nvSpPr>
         <p:spPr>
           <a:xfrm>
-            <a:off x="2003257" y="1333129"/>
+            <a:off x="2003257" y="697264"/>
             <a:ext cx="2643249" cy="1152073"/>
           </a:xfrm>
           <a:prstGeom prst="rect">
@@ -3119,7 +3119,7 @@
           </a:fontRef>
         </p:style>
         <p:txBody>
-          <a:bodyPr rtlCol="0" anchor="ctr"/>
+          <a:bodyPr rtlCol="0" anchor="t"/>
           <a:lstStyle/>
           <a:p>
             <a:pPr algn="ctr"/>
@@ -3161,7 +3161,7 @@
         </p:blipFill>
         <p:spPr bwMode="auto">
           <a:xfrm>
-            <a:off x="1760785" y="794830"/>
+            <a:off x="1760785" y="158965"/>
             <a:ext cx="668362" cy="517981"/>
           </a:xfrm>
           <a:prstGeom prst="rect">
@@ -3187,8 +3187,8 @@
         </p:nvSpPr>
         <p:spPr>
           <a:xfrm>
-            <a:off x="2003257" y="2554152"/>
-            <a:ext cx="2643249" cy="922720"/>
+            <a:off x="2003257" y="1918286"/>
+            <a:ext cx="2643249" cy="1563807"/>
           </a:xfrm>
           <a:prstGeom prst="flowChartMagneticDisk">
             <a:avLst/>
@@ -3224,7 +3224,7 @@
         </p:nvSpPr>
         <p:spPr>
           <a:xfrm>
-            <a:off x="2953002" y="2537658"/>
+            <a:off x="2923168" y="2056383"/>
             <a:ext cx="803425" cy="349946"/>
           </a:xfrm>
           <a:prstGeom prst="rect">
@@ -3253,7 +3253,7 @@
         </p:nvSpPr>
         <p:spPr>
           <a:xfrm>
-            <a:off x="2255165" y="2887604"/>
+            <a:off x="2255165" y="2517031"/>
             <a:ext cx="288000" cy="234616"/>
           </a:xfrm>
           <a:prstGeom prst="snip2DiagRect">
@@ -3298,7 +3298,7 @@
         </p:nvSpPr>
         <p:spPr>
           <a:xfrm>
-            <a:off x="2609558" y="2898204"/>
+            <a:off x="2609558" y="2527631"/>
             <a:ext cx="288000" cy="234616"/>
           </a:xfrm>
           <a:prstGeom prst="snip2DiagRect">
@@ -3343,7 +3343,7 @@
         </p:nvSpPr>
         <p:spPr>
           <a:xfrm>
-            <a:off x="2990998" y="2898204"/>
+            <a:off x="2990998" y="2527631"/>
             <a:ext cx="485776" cy="234616"/>
           </a:xfrm>
           <a:prstGeom prst="snip2DiagRect">
@@ -3388,7 +3388,7 @@
         </p:nvSpPr>
         <p:spPr>
           <a:xfrm>
-            <a:off x="2576913" y="3183213"/>
+            <a:off x="2074221" y="2812640"/>
             <a:ext cx="720000" cy="234616"/>
           </a:xfrm>
           <a:prstGeom prst="snip2DiagRect">
@@ -3433,7 +3433,7 @@
         </p:nvSpPr>
         <p:spPr>
           <a:xfrm>
-            <a:off x="3585780" y="2918100"/>
+            <a:off x="3585780" y="2547527"/>
             <a:ext cx="864000" cy="234616"/>
           </a:xfrm>
           <a:prstGeom prst="snip2DiagRect">
@@ -3478,7 +3478,7 @@
         </p:nvSpPr>
         <p:spPr>
           <a:xfrm>
-            <a:off x="3407569" y="3196690"/>
+            <a:off x="2904877" y="2826117"/>
             <a:ext cx="612000" cy="234616"/>
           </a:xfrm>
           <a:prstGeom prst="snip2DiagRect">
@@ -3523,7 +3523,7 @@
         </p:nvSpPr>
         <p:spPr>
           <a:xfrm>
-            <a:off x="1353552" y="1696453"/>
+            <a:off x="1353552" y="1060588"/>
             <a:ext cx="782052" cy="282742"/>
           </a:xfrm>
           <a:prstGeom prst="rect">
@@ -3565,10 +3565,10 @@
         </p:nvGrpSpPr>
         <p:grpSpPr>
           <a:xfrm>
-            <a:off x="4376487" y="1156935"/>
-            <a:ext cx="3125202" cy="1213731"/>
-            <a:chOff x="4376487" y="1156935"/>
-            <a:chExt cx="3726782" cy="1213731"/>
+            <a:off x="3765249" y="449394"/>
+            <a:ext cx="3736440" cy="1285407"/>
+            <a:chOff x="3647590" y="1085259"/>
+            <a:chExt cx="4455679" cy="1285407"/>
           </a:xfrm>
         </p:grpSpPr>
         <p:sp>
@@ -3652,7 +3652,11 @@
               <a:pPr algn="ctr"/>
               <a:r>
                 <a:rPr lang="en-US" altLang="ko-KR" sz="1000" dirty="0" smtClean="0"/>
-                <a:t>secure channel for control data</a:t>
+                <a:t>[TLS] secure </a:t>
+              </a:r>
+              <a:r>
+                <a:rPr lang="en-US" altLang="ko-KR" sz="1000" dirty="0" smtClean="0"/>
+                <a:t>channel for control data</a:t>
               </a:r>
               <a:endParaRPr lang="ko-KR" altLang="en-US" sz="1000" dirty="0"/>
             </a:p>
@@ -3696,8 +3700,12 @@
             <a:p>
               <a:pPr algn="ctr"/>
               <a:r>
+                <a:rPr lang="en-US" altLang="ko-KR" sz="1000" dirty="0"/>
+                <a:t>[TLS] secure </a:t>
+              </a:r>
+              <a:r>
                 <a:rPr lang="en-US" altLang="ko-KR" sz="1000" dirty="0" smtClean="0"/>
-                <a:t>secure channel for photo</a:t>
+                <a:t>channel for photo</a:t>
               </a:r>
               <a:endParaRPr lang="ko-KR" altLang="en-US" sz="1000" dirty="0"/>
             </a:p>
@@ -3786,8 +3794,12 @@
             <a:p>
               <a:pPr algn="ctr"/>
               <a:r>
+                <a:rPr lang="en-US" altLang="ko-KR" sz="1000" dirty="0"/>
+                <a:t>[TLS] secure </a:t>
+              </a:r>
+              <a:r>
                 <a:rPr lang="en-US" altLang="ko-KR" sz="1000" dirty="0" smtClean="0"/>
-                <a:t>secure channel for face recognition info</a:t>
+                <a:t>channel for face recognition info</a:t>
               </a:r>
               <a:endParaRPr lang="ko-KR" altLang="en-US" sz="1000" dirty="0"/>
             </a:p>
@@ -3822,6 +3834,36 @@
             </a:p>
           </p:txBody>
         </p:sp>
+        <p:sp>
+          <p:nvSpPr>
+            <p:cNvPr id="60" name="TextBox 59"/>
+            <p:cNvSpPr txBox="1"/>
+            <p:nvPr/>
+          </p:nvSpPr>
+          <p:spPr>
+            <a:xfrm>
+              <a:off x="3647590" y="1085259"/>
+              <a:ext cx="1611836" cy="246221"/>
+            </a:xfrm>
+            <a:prstGeom prst="rect">
+              <a:avLst/>
+            </a:prstGeom>
+            <a:noFill/>
+          </p:spPr>
+          <p:txBody>
+            <a:bodyPr wrap="none" rtlCol="0">
+              <a:spAutoFit/>
+            </a:bodyPr>
+            <a:lstStyle/>
+            <a:p>
+              <a:r>
+                <a:rPr lang="en-US" altLang="ko-KR" sz="1000" b="1" dirty="0" smtClean="0"/>
+                <a:t>192.168.0.228:5000</a:t>
+              </a:r>
+              <a:endParaRPr lang="en-US" altLang="ko-KR" sz="1000" b="1" dirty="0" smtClean="0"/>
+            </a:p>
+          </p:txBody>
+        </p:sp>
       </p:grpSp>
       <p:pic>
         <p:nvPicPr>
@@ -3839,7 +3881,7 @@
         </p:blipFill>
         <p:spPr>
           <a:xfrm>
-            <a:off x="9394726" y="858264"/>
+            <a:off x="9394726" y="222399"/>
             <a:ext cx="613208" cy="543815"/>
           </a:xfrm>
           <a:prstGeom prst="rect">
@@ -3855,7 +3897,7 @@
         </p:nvGrpSpPr>
         <p:grpSpPr>
           <a:xfrm>
-            <a:off x="9286173" y="1455821"/>
+            <a:off x="9286173" y="819956"/>
             <a:ext cx="915836" cy="1975485"/>
             <a:chOff x="10487297" y="795242"/>
             <a:chExt cx="1113313" cy="2401448"/>
@@ -3918,7 +3960,7 @@
         </p:nvSpPr>
         <p:spPr>
           <a:xfrm>
-            <a:off x="7252725" y="2680048"/>
+            <a:off x="7252725" y="2044183"/>
             <a:ext cx="1842569" cy="706406"/>
           </a:xfrm>
           <a:prstGeom prst="flowChartMagneticDisk">
@@ -3955,7 +3997,7 @@
         </p:nvSpPr>
         <p:spPr>
           <a:xfrm>
-            <a:off x="7793396" y="2663554"/>
+            <a:off x="7793396" y="2027689"/>
             <a:ext cx="803425" cy="349946"/>
           </a:xfrm>
           <a:prstGeom prst="rect">
@@ -3984,7 +4026,7 @@
         </p:nvSpPr>
         <p:spPr>
           <a:xfrm>
-            <a:off x="7570806" y="3025276"/>
+            <a:off x="7570806" y="2389411"/>
             <a:ext cx="288000" cy="234616"/>
           </a:xfrm>
           <a:prstGeom prst="snip2DiagRect">
@@ -4029,7 +4071,7 @@
         </p:nvSpPr>
         <p:spPr>
           <a:xfrm>
-            <a:off x="7925199" y="3035876"/>
+            <a:off x="7925199" y="2400011"/>
             <a:ext cx="288000" cy="234616"/>
           </a:xfrm>
           <a:prstGeom prst="snip2DiagRect">
@@ -4074,7 +4116,7 @@
         </p:nvSpPr>
         <p:spPr>
           <a:xfrm>
-            <a:off x="8306639" y="3035876"/>
+            <a:off x="8306639" y="2400011"/>
             <a:ext cx="485776" cy="234616"/>
           </a:xfrm>
           <a:prstGeom prst="snip2DiagRect">
@@ -4127,7 +4169,7 @@
         </p:blipFill>
         <p:spPr>
           <a:xfrm>
-            <a:off x="820391" y="1532561"/>
+            <a:off x="820391" y="896696"/>
             <a:ext cx="480002" cy="577217"/>
           </a:xfrm>
           <a:prstGeom prst="rect">
@@ -4143,8 +4185,8 @@
         </p:nvSpPr>
         <p:spPr>
           <a:xfrm>
-            <a:off x="3460953" y="3956925"/>
-            <a:ext cx="2065023" cy="2505494"/>
+            <a:off x="1060393" y="3740392"/>
+            <a:ext cx="8131734" cy="2913618"/>
           </a:xfrm>
           <a:prstGeom prst="rect">
             <a:avLst/>
@@ -4162,8 +4204,8 @@
               </a:lnSpc>
             </a:pPr>
             <a:r>
-              <a:rPr lang="ko-KR" altLang="en-US" sz="1100" dirty="0" smtClean="0"/>
-              <a:t>.</a:t>
+              <a:rPr lang="en-US" altLang="ko-KR" sz="1100" dirty="0" smtClean="0"/>
+              <a:t>source repo</a:t>
             </a:r>
           </a:p>
           <a:p>
@@ -4172,10 +4214,7 @@
                 <a:spcPts val="1100"/>
               </a:lnSpc>
             </a:pPr>
-            <a:r>
-              <a:rPr lang="ko-KR" altLang="en-US" sz="1100" dirty="0" smtClean="0"/>
-              <a:t>├── client</a:t>
-            </a:r>
+            <a:endParaRPr lang="en-US" altLang="ko-KR" sz="1100" dirty="0"/>
           </a:p>
           <a:p>
             <a:pPr>
@@ -4184,9 +4223,10 @@
               </a:lnSpc>
             </a:pPr>
             <a:r>
-              <a:rPr lang="ko-KR" altLang="en-US" sz="1100" dirty="0" smtClean="0"/>
-              <a:t>│   └── src</a:t>
-            </a:r>
+              <a:rPr lang="en-US" altLang="ko-KR" sz="1100" dirty="0" smtClean="0"/>
+              <a:t>.</a:t>
+            </a:r>
+            <a:endParaRPr lang="en-US" altLang="ko-KR" sz="1100" dirty="0"/>
           </a:p>
           <a:p>
             <a:pPr>
@@ -4195,9 +4235,14 @@
               </a:lnSpc>
             </a:pPr>
             <a:r>
-              <a:rPr lang="ko-KR" altLang="en-US" sz="1100" dirty="0" smtClean="0"/>
-              <a:t>├── common</a:t>
-            </a:r>
+              <a:rPr lang="en-US" altLang="ko-KR" sz="1100" dirty="0"/>
+              <a:t>└── </a:t>
+            </a:r>
+            <a:r>
+              <a:rPr lang="en-US" altLang="ko-KR" sz="1100" dirty="0" smtClean="0"/>
+              <a:t>source</a:t>
+            </a:r>
+            <a:endParaRPr lang="en-US" altLang="ko-KR" sz="1100" dirty="0"/>
           </a:p>
           <a:p>
             <a:pPr>
@@ -4206,8 +4251,8 @@
               </a:lnSpc>
             </a:pPr>
             <a:r>
-              <a:rPr lang="ko-KR" altLang="en-US" sz="1100" dirty="0" smtClean="0"/>
-              <a:t>├── custom</a:t>
+              <a:rPr lang="en-US" altLang="ko-KR" sz="1100" dirty="0"/>
+              <a:t>    ├── client</a:t>
             </a:r>
           </a:p>
           <a:p>
@@ -4217,9 +4262,18 @@
               </a:lnSpc>
             </a:pPr>
             <a:r>
-              <a:rPr lang="ko-KR" altLang="en-US" sz="1100" dirty="0" smtClean="0"/>
-              <a:t>│   └── keys</a:t>
-            </a:r>
+              <a:rPr lang="en-US" altLang="ko-KR" sz="1100" dirty="0"/>
+              <a:t>    │   └── </a:t>
+            </a:r>
+            <a:r>
+              <a:rPr lang="en-US" altLang="ko-KR" sz="1100" dirty="0" err="1" smtClean="0"/>
+              <a:t>src</a:t>
+            </a:r>
+            <a:r>
+              <a:rPr lang="en-US" altLang="ko-KR" sz="1100" dirty="0" smtClean="0"/>
+              <a:t>                    // client source codes</a:t>
+            </a:r>
+            <a:endParaRPr lang="en-US" altLang="ko-KR" sz="1100" dirty="0"/>
           </a:p>
           <a:p>
             <a:pPr>
@@ -4228,8 +4282,8 @@
               </a:lnSpc>
             </a:pPr>
             <a:r>
-              <a:rPr lang="ko-KR" altLang="en-US" sz="1100" dirty="0" smtClean="0"/>
-              <a:t>│       ├── ca</a:t>
+              <a:rPr lang="en-US" altLang="ko-KR" sz="1100" dirty="0"/>
+              <a:t>    ├── common</a:t>
             </a:r>
           </a:p>
           <a:p>
@@ -4239,9 +4293,14 @@
               </a:lnSpc>
             </a:pPr>
             <a:r>
-              <a:rPr lang="ko-KR" altLang="en-US" sz="1100" dirty="0" smtClean="0"/>
-              <a:t>│       ├── client</a:t>
-            </a:r>
+              <a:rPr lang="en-US" altLang="ko-KR" sz="1100" dirty="0"/>
+              <a:t>    │   ├── </a:t>
+            </a:r>
+            <a:r>
+              <a:rPr lang="en-US" altLang="ko-KR" sz="1100" dirty="0" smtClean="0"/>
+              <a:t>keys</a:t>
+            </a:r>
+            <a:endParaRPr lang="en-US" altLang="ko-KR" sz="1100" dirty="0"/>
           </a:p>
           <a:p>
             <a:pPr>
@@ -4250,9 +4309,14 @@
               </a:lnSpc>
             </a:pPr>
             <a:r>
-              <a:rPr lang="ko-KR" altLang="en-US" sz="1100" dirty="0" smtClean="0"/>
-              <a:t>│       └── server</a:t>
-            </a:r>
+              <a:rPr lang="en-US" altLang="ko-KR" sz="1100" dirty="0"/>
+              <a:t>    │   │   ├── </a:t>
+            </a:r>
+            <a:r>
+              <a:rPr lang="en-US" altLang="ko-KR" sz="1100" dirty="0" smtClean="0"/>
+              <a:t>ca               // self signed root certificate</a:t>
+            </a:r>
+            <a:endParaRPr lang="en-US" altLang="ko-KR" sz="1100" dirty="0"/>
           </a:p>
           <a:p>
             <a:pPr>
@@ -4261,9 +4325,14 @@
               </a:lnSpc>
             </a:pPr>
             <a:r>
-              <a:rPr lang="ko-KR" altLang="en-US" sz="1100" dirty="0" smtClean="0"/>
-              <a:t>└── server</a:t>
-            </a:r>
+              <a:rPr lang="en-US" altLang="ko-KR" sz="1100" dirty="0"/>
+              <a:t>    │   │   ├── </a:t>
+            </a:r>
+            <a:r>
+              <a:rPr lang="en-US" altLang="ko-KR" sz="1100" dirty="0" smtClean="0"/>
+              <a:t>client           // CA signed certificate &amp; Private key for client</a:t>
+            </a:r>
+            <a:endParaRPr lang="en-US" altLang="ko-KR" sz="1100" dirty="0"/>
           </a:p>
           <a:p>
             <a:pPr>
@@ -4272,9 +4341,22 @@
               </a:lnSpc>
             </a:pPr>
             <a:r>
-              <a:rPr lang="ko-KR" altLang="en-US" sz="1100" dirty="0" smtClean="0"/>
-              <a:t>    ├── facenetModels</a:t>
-            </a:r>
+              <a:rPr lang="en-US" altLang="ko-KR" sz="1100" dirty="0"/>
+              <a:t>    │   │   └── </a:t>
+            </a:r>
+            <a:r>
+              <a:rPr lang="en-US" altLang="ko-KR" sz="1100" dirty="0" smtClean="0"/>
+              <a:t>server          // </a:t>
+            </a:r>
+            <a:r>
+              <a:rPr lang="en-US" altLang="ko-KR" sz="1100" dirty="0"/>
+              <a:t>CA signed certificate &amp; Private </a:t>
+            </a:r>
+            <a:r>
+              <a:rPr lang="en-US" altLang="ko-KR" sz="1100" dirty="0" smtClean="0"/>
+              <a:t>key for server</a:t>
+            </a:r>
+            <a:endParaRPr lang="en-US" altLang="ko-KR" sz="1100" dirty="0"/>
           </a:p>
           <a:p>
             <a:pPr>
@@ -4283,8 +4365,8 @@
               </a:lnSpc>
             </a:pPr>
             <a:r>
-              <a:rPr lang="ko-KR" altLang="en-US" sz="1100" dirty="0" smtClean="0"/>
-              <a:t>    ├── imgs</a:t>
+              <a:rPr lang="en-US" altLang="ko-KR" sz="1100" dirty="0"/>
+              <a:t>    │   └── libs</a:t>
             </a:r>
           </a:p>
           <a:p>
@@ -4294,8 +4376,16 @@
               </a:lnSpc>
             </a:pPr>
             <a:r>
-              <a:rPr lang="ko-KR" altLang="en-US" sz="1100" dirty="0" smtClean="0"/>
-              <a:t>    ├── libs</a:t>
+              <a:rPr lang="en-US" altLang="ko-KR" sz="1100" dirty="0"/>
+              <a:t>    │       └── </a:t>
+            </a:r>
+            <a:r>
+              <a:rPr lang="en-US" altLang="ko-KR" sz="1100" dirty="0" err="1" smtClean="0"/>
+              <a:t>libcertcheck</a:t>
+            </a:r>
+            <a:r>
+              <a:rPr lang="en-US" altLang="ko-KR" sz="1100" dirty="0" smtClean="0"/>
+              <a:t>     // crypto library to support crypto API and to verify the integrity of keys. </a:t>
             </a:r>
           </a:p>
           <a:p>
@@ -4305,9 +4395,18 @@
               </a:lnSpc>
             </a:pPr>
             <a:r>
-              <a:rPr lang="ko-KR" altLang="en-US" sz="1100" dirty="0" smtClean="0"/>
-              <a:t>    │   └── libsslcrypto</a:t>
-            </a:r>
+              <a:rPr lang="en-US" altLang="ko-KR" sz="1100" dirty="0" smtClean="0"/>
+              <a:t>    </a:t>
+            </a:r>
+            <a:r>
+              <a:rPr lang="en-US" altLang="ko-KR" sz="1100" dirty="0"/>
+              <a:t>│ </a:t>
+            </a:r>
+            <a:r>
+              <a:rPr lang="en-US" altLang="ko-KR" sz="1100" dirty="0" smtClean="0"/>
+              <a:t>                                    // the root key for the crypto API are included as a string with obfuscated.</a:t>
+            </a:r>
+            <a:endParaRPr lang="en-US" altLang="ko-KR" sz="1100" dirty="0"/>
           </a:p>
           <a:p>
             <a:pPr>
@@ -4316,8 +4415,8 @@
               </a:lnSpc>
             </a:pPr>
             <a:r>
-              <a:rPr lang="ko-KR" altLang="en-US" sz="1100" dirty="0" smtClean="0"/>
-              <a:t>    ├── mtCNNModels</a:t>
+              <a:rPr lang="en-US" altLang="ko-KR" sz="1100" dirty="0"/>
+              <a:t>    └── server</a:t>
             </a:r>
           </a:p>
           <a:p>
@@ -4327,9 +4426,30 @@
               </a:lnSpc>
             </a:pPr>
             <a:r>
-              <a:rPr lang="ko-KR" altLang="en-US" sz="1100" dirty="0" smtClean="0"/>
-              <a:t>    ├── src</a:t>
-            </a:r>
+              <a:rPr lang="en-US" altLang="ko-KR" sz="1100" dirty="0"/>
+              <a:t>        ├── </a:t>
+            </a:r>
+            <a:r>
+              <a:rPr lang="en-US" altLang="ko-KR" sz="1100" dirty="0" err="1" smtClean="0"/>
+              <a:t>facenetModels</a:t>
+            </a:r>
+            <a:r>
+              <a:rPr lang="en-US" altLang="ko-KR" sz="1100" dirty="0"/>
+              <a:t>       // </a:t>
+            </a:r>
+            <a:r>
+              <a:rPr lang="en-US" altLang="ko-KR" sz="1100" dirty="0" smtClean="0"/>
+              <a:t>the path of </a:t>
+            </a:r>
+            <a:r>
+              <a:rPr lang="en-US" altLang="ko-KR" sz="1100" dirty="0" err="1" smtClean="0"/>
+              <a:t>faceNet</a:t>
+            </a:r>
+            <a:r>
+              <a:rPr lang="en-US" altLang="ko-KR" sz="1100" dirty="0" smtClean="0"/>
+              <a:t> models</a:t>
+            </a:r>
+            <a:endParaRPr lang="en-US" altLang="ko-KR" sz="1100" dirty="0"/>
           </a:p>
           <a:p>
             <a:pPr>
@@ -4338,10 +4458,577 @@
               </a:lnSpc>
             </a:pPr>
             <a:r>
-              <a:rPr lang="ko-KR" altLang="en-US" sz="1100" dirty="0" smtClean="0"/>
-              <a:t>    └── trt_l2norm_helper</a:t>
+              <a:rPr lang="en-US" altLang="ko-KR" sz="1100" dirty="0"/>
+              <a:t>        ├── </a:t>
+            </a:r>
+            <a:r>
+              <a:rPr lang="en-US" altLang="ko-KR" sz="1100" dirty="0" err="1" smtClean="0"/>
+              <a:t>imgs</a:t>
+            </a:r>
+            <a:r>
+              <a:rPr lang="en-US" altLang="ko-KR" sz="1100" dirty="0" smtClean="0"/>
+              <a:t>                    // the path of the photo registered with name. the filename and contents are encrypted</a:t>
+            </a:r>
+            <a:endParaRPr lang="en-US" altLang="ko-KR" sz="1100" dirty="0"/>
+          </a:p>
+          <a:p>
+            <a:pPr>
+              <a:lnSpc>
+                <a:spcPts val="1100"/>
+              </a:lnSpc>
+            </a:pPr>
+            <a:r>
+              <a:rPr lang="en-US" altLang="ko-KR" sz="1100" dirty="0"/>
+              <a:t>        ├── </a:t>
+            </a:r>
+            <a:r>
+              <a:rPr lang="en-US" altLang="ko-KR" sz="1100" dirty="0" err="1" smtClean="0"/>
+              <a:t>mtCNNModels</a:t>
+            </a:r>
+            <a:r>
+              <a:rPr lang="en-US" altLang="ko-KR" sz="1100" dirty="0" smtClean="0"/>
+              <a:t>       // the path of </a:t>
+            </a:r>
+            <a:r>
+              <a:rPr lang="en-US" altLang="ko-KR" sz="1100" dirty="0"/>
+              <a:t>machine learning </a:t>
+            </a:r>
+            <a:r>
+              <a:rPr lang="en-US" altLang="ko-KR" sz="1100" dirty="0" smtClean="0"/>
+              <a:t>model </a:t>
+            </a:r>
+            <a:r>
+              <a:rPr lang="en-US" altLang="ko-KR" sz="1100" dirty="0"/>
+              <a:t>in </a:t>
+            </a:r>
+            <a:r>
+              <a:rPr lang="en-US" altLang="ko-KR" sz="1100" dirty="0" err="1"/>
+              <a:t>MTCNN_FaceDetection_TensorRT</a:t>
+            </a:r>
+            <a:endParaRPr lang="en-US" altLang="ko-KR" sz="1100" dirty="0"/>
+          </a:p>
+          <a:p>
+            <a:pPr>
+              <a:lnSpc>
+                <a:spcPts val="1100"/>
+              </a:lnSpc>
+            </a:pPr>
+            <a:r>
+              <a:rPr lang="en-US" altLang="ko-KR" sz="1100" dirty="0"/>
+              <a:t>        ├── </a:t>
+            </a:r>
+            <a:r>
+              <a:rPr lang="en-US" altLang="ko-KR" sz="1100" dirty="0" err="1" smtClean="0"/>
+              <a:t>src</a:t>
+            </a:r>
+            <a:r>
+              <a:rPr lang="en-US" altLang="ko-KR" sz="1100" dirty="0" smtClean="0"/>
+              <a:t>                       // server source codes</a:t>
+            </a:r>
+            <a:endParaRPr lang="en-US" altLang="ko-KR" sz="1100" dirty="0"/>
+          </a:p>
+          <a:p>
+            <a:pPr>
+              <a:lnSpc>
+                <a:spcPts val="1100"/>
+              </a:lnSpc>
+            </a:pPr>
+            <a:r>
+              <a:rPr lang="en-US" altLang="ko-KR" sz="1100" dirty="0"/>
+              <a:t>        └── trt_l2norm_helper    // </a:t>
+            </a:r>
+            <a:r>
+              <a:rPr lang="en-US" altLang="ko-KR" sz="1100" dirty="0" err="1"/>
+              <a:t>TensorRT</a:t>
+            </a:r>
+            <a:r>
+              <a:rPr lang="en-US" altLang="ko-KR" sz="1100" dirty="0"/>
+              <a:t> L2-Norm Helper</a:t>
             </a:r>
             <a:endParaRPr lang="ko-KR" altLang="en-US" sz="1100" dirty="0"/>
+          </a:p>
+        </p:txBody>
+      </p:sp>
+      <p:grpSp>
+        <p:nvGrpSpPr>
+          <p:cNvPr id="13" name="그룹 12"/>
+          <p:cNvGrpSpPr/>
+          <p:nvPr/>
+        </p:nvGrpSpPr>
+        <p:grpSpPr>
+          <a:xfrm>
+            <a:off x="6487537" y="3842901"/>
+            <a:ext cx="5597271" cy="1486400"/>
+            <a:chOff x="6463184" y="3924816"/>
+            <a:chExt cx="5597271" cy="1486400"/>
+          </a:xfrm>
+        </p:grpSpPr>
+        <p:sp>
+          <p:nvSpPr>
+            <p:cNvPr id="12" name="TextBox 11"/>
+            <p:cNvSpPr txBox="1"/>
+            <p:nvPr/>
+          </p:nvSpPr>
+          <p:spPr>
+            <a:xfrm>
+              <a:off x="6463184" y="3924816"/>
+              <a:ext cx="5597271" cy="1486400"/>
+            </a:xfrm>
+            <a:prstGeom prst="rect">
+              <a:avLst/>
+            </a:prstGeom>
+          </p:spPr>
+          <p:style>
+            <a:lnRef idx="2">
+              <a:schemeClr val="accent2"/>
+            </a:lnRef>
+            <a:fillRef idx="1">
+              <a:schemeClr val="lt1"/>
+            </a:fillRef>
+            <a:effectRef idx="0">
+              <a:schemeClr val="accent2"/>
+            </a:effectRef>
+            <a:fontRef idx="minor">
+              <a:schemeClr val="dk1"/>
+            </a:fontRef>
+          </p:style>
+          <p:txBody>
+            <a:bodyPr wrap="none" rtlCol="0">
+              <a:noAutofit/>
+            </a:bodyPr>
+            <a:lstStyle/>
+            <a:p>
+              <a:pPr algn="ctr"/>
+              <a:r>
+                <a:rPr lang="en-US" altLang="ko-KR" sz="1100" dirty="0"/>
+                <a:t>If the library is not obfuscated, the credentials are </a:t>
+              </a:r>
+              <a:r>
+                <a:rPr lang="en-US" altLang="ko-KR" sz="1100" dirty="0" smtClean="0"/>
+                <a:t>disclosed</a:t>
+              </a:r>
+            </a:p>
+            <a:p>
+              <a:pPr algn="ctr"/>
+              <a:r>
+                <a:rPr lang="en-US" altLang="ko-KR" sz="1100" dirty="0" smtClean="0"/>
+                <a:t>libcertcheck_x64.a doesn’t display the key include ‘</a:t>
+              </a:r>
+              <a:r>
+                <a:rPr lang="en-US" altLang="ko-KR" sz="1100" dirty="0" err="1" smtClean="0"/>
+                <a:t>cmu</a:t>
+              </a:r>
+              <a:r>
+                <a:rPr lang="en-US" altLang="ko-KR" sz="1100" dirty="0" smtClean="0"/>
+                <a:t>’ string.</a:t>
+              </a:r>
+            </a:p>
+            <a:p>
+              <a:pPr algn="ctr"/>
+              <a:r>
+                <a:rPr lang="en-US" altLang="ko-KR" sz="1100" dirty="0" smtClean="0"/>
+                <a:t>but libcertcheck_x64_no_obfus.a displays the key.</a:t>
+              </a:r>
+              <a:endParaRPr lang="ko-KR" altLang="en-US" sz="1100" dirty="0"/>
+            </a:p>
+          </p:txBody>
+        </p:sp>
+        <p:pic>
+          <p:nvPicPr>
+            <p:cNvPr id="9" name="그림 8"/>
+            <p:cNvPicPr>
+              <a:picLocks noChangeAspect="1"/>
+            </p:cNvPicPr>
+            <p:nvPr/>
+          </p:nvPicPr>
+          <p:blipFill>
+            <a:blip r:embed="rId7"/>
+            <a:stretch>
+              <a:fillRect/>
+            </a:stretch>
+          </p:blipFill>
+          <p:spPr>
+            <a:xfrm>
+              <a:off x="6642616" y="5041260"/>
+              <a:ext cx="5287113" cy="285790"/>
+            </a:xfrm>
+            <a:prstGeom prst="rect">
+              <a:avLst/>
+            </a:prstGeom>
+          </p:spPr>
+        </p:pic>
+        <p:pic>
+          <p:nvPicPr>
+            <p:cNvPr id="4" name="그림 3"/>
+            <p:cNvPicPr>
+              <a:picLocks noChangeAspect="1"/>
+            </p:cNvPicPr>
+            <p:nvPr/>
+          </p:nvPicPr>
+          <p:blipFill>
+            <a:blip r:embed="rId8"/>
+            <a:stretch>
+              <a:fillRect/>
+            </a:stretch>
+          </p:blipFill>
+          <p:spPr>
+            <a:xfrm>
+              <a:off x="6645528" y="4629618"/>
+              <a:ext cx="4620270" cy="314369"/>
+            </a:xfrm>
+            <a:prstGeom prst="rect">
+              <a:avLst/>
+            </a:prstGeom>
+          </p:spPr>
+        </p:pic>
+        <p:sp>
+          <p:nvSpPr>
+            <p:cNvPr id="3" name="직사각형 2"/>
+            <p:cNvSpPr/>
+            <p:nvPr/>
+          </p:nvSpPr>
+          <p:spPr>
+            <a:xfrm>
+              <a:off x="8989996" y="4995512"/>
+              <a:ext cx="2079058" cy="216241"/>
+            </a:xfrm>
+            <a:prstGeom prst="rect">
+              <a:avLst/>
+            </a:prstGeom>
+            <a:noFill/>
+            <a:ln w="19050">
+              <a:solidFill>
+                <a:srgbClr val="FF0000"/>
+              </a:solidFill>
+            </a:ln>
+          </p:spPr>
+          <p:style>
+            <a:lnRef idx="2">
+              <a:schemeClr val="accent5"/>
+            </a:lnRef>
+            <a:fillRef idx="1">
+              <a:schemeClr val="lt1"/>
+            </a:fillRef>
+            <a:effectRef idx="0">
+              <a:schemeClr val="accent5"/>
+            </a:effectRef>
+            <a:fontRef idx="minor">
+              <a:schemeClr val="dk1"/>
+            </a:fontRef>
+          </p:style>
+          <p:txBody>
+            <a:bodyPr rtlCol="0" anchor="ctr"/>
+            <a:lstStyle/>
+            <a:p>
+              <a:pPr algn="ctr"/>
+              <a:endParaRPr lang="ko-KR" altLang="en-US"/>
+            </a:p>
+          </p:txBody>
+        </p:sp>
+        <p:sp>
+          <p:nvSpPr>
+            <p:cNvPr id="45" name="직사각형 44"/>
+            <p:cNvSpPr/>
+            <p:nvPr/>
+          </p:nvSpPr>
+          <p:spPr>
+            <a:xfrm>
+              <a:off x="8989996" y="4603070"/>
+              <a:ext cx="1424539" cy="214617"/>
+            </a:xfrm>
+            <a:prstGeom prst="rect">
+              <a:avLst/>
+            </a:prstGeom>
+            <a:noFill/>
+            <a:ln w="19050">
+              <a:solidFill>
+                <a:srgbClr val="FF0000"/>
+              </a:solidFill>
+            </a:ln>
+          </p:spPr>
+          <p:style>
+            <a:lnRef idx="2">
+              <a:schemeClr val="accent5"/>
+            </a:lnRef>
+            <a:fillRef idx="1">
+              <a:schemeClr val="lt1"/>
+            </a:fillRef>
+            <a:effectRef idx="0">
+              <a:schemeClr val="accent5"/>
+            </a:effectRef>
+            <a:fontRef idx="minor">
+              <a:schemeClr val="dk1"/>
+            </a:fontRef>
+          </p:style>
+          <p:txBody>
+            <a:bodyPr rtlCol="0" anchor="ctr"/>
+            <a:lstStyle/>
+            <a:p>
+              <a:pPr algn="ctr"/>
+              <a:endParaRPr lang="ko-KR" altLang="en-US"/>
+            </a:p>
+          </p:txBody>
+        </p:sp>
+      </p:grpSp>
+      <p:sp>
+        <p:nvSpPr>
+          <p:cNvPr id="50" name="직사각형 49"/>
+          <p:cNvSpPr/>
+          <p:nvPr/>
+        </p:nvSpPr>
+        <p:spPr>
+          <a:xfrm>
+            <a:off x="7790611" y="1551389"/>
+            <a:ext cx="1217286" cy="231984"/>
+          </a:xfrm>
+          <a:prstGeom prst="rect">
+            <a:avLst/>
+          </a:prstGeom>
+        </p:spPr>
+        <p:style>
+          <a:lnRef idx="2">
+            <a:schemeClr val="accent6"/>
+          </a:lnRef>
+          <a:fillRef idx="1">
+            <a:schemeClr val="lt1"/>
+          </a:fillRef>
+          <a:effectRef idx="0">
+            <a:schemeClr val="accent6"/>
+          </a:effectRef>
+          <a:fontRef idx="minor">
+            <a:schemeClr val="dk1"/>
+          </a:fontRef>
+        </p:style>
+        <p:txBody>
+          <a:bodyPr rtlCol="0" anchor="t"/>
+          <a:lstStyle/>
+          <a:p>
+            <a:pPr algn="ctr"/>
+            <a:r>
+              <a:rPr lang="en-US" altLang="ko-KR" sz="1000" dirty="0" smtClean="0"/>
+              <a:t>libcertcheck_x64.a</a:t>
+            </a:r>
+            <a:endParaRPr lang="ko-KR" altLang="en-US" sz="1000" dirty="0"/>
+          </a:p>
+        </p:txBody>
+      </p:sp>
+      <p:sp>
+        <p:nvSpPr>
+          <p:cNvPr id="54" name="직사각형 53"/>
+          <p:cNvSpPr/>
+          <p:nvPr/>
+        </p:nvSpPr>
+        <p:spPr>
+          <a:xfrm>
+            <a:off x="3241824" y="1355797"/>
+            <a:ext cx="990202" cy="236232"/>
+          </a:xfrm>
+          <a:prstGeom prst="rect">
+            <a:avLst/>
+          </a:prstGeom>
+        </p:spPr>
+        <p:style>
+          <a:lnRef idx="2">
+            <a:schemeClr val="accent6"/>
+          </a:lnRef>
+          <a:fillRef idx="1">
+            <a:schemeClr val="lt1"/>
+          </a:fillRef>
+          <a:effectRef idx="0">
+            <a:schemeClr val="accent6"/>
+          </a:effectRef>
+          <a:fontRef idx="minor">
+            <a:schemeClr val="dk1"/>
+          </a:fontRef>
+        </p:style>
+        <p:txBody>
+          <a:bodyPr rtlCol="0" anchor="t"/>
+          <a:lstStyle/>
+          <a:p>
+            <a:pPr algn="ctr"/>
+            <a:r>
+              <a:rPr lang="en-US" altLang="ko-KR" sz="1000" dirty="0" err="1" smtClean="0"/>
+              <a:t>libcertcheck.a</a:t>
+            </a:r>
+            <a:endParaRPr lang="ko-KR" altLang="en-US" sz="1000" dirty="0"/>
+          </a:p>
+        </p:txBody>
+      </p:sp>
+      <p:sp>
+        <p:nvSpPr>
+          <p:cNvPr id="55" name="대각선 방향의 모서리가 잘린 사각형 54"/>
+          <p:cNvSpPr/>
+          <p:nvPr/>
+        </p:nvSpPr>
+        <p:spPr>
+          <a:xfrm>
+            <a:off x="3569429" y="2826117"/>
+            <a:ext cx="1008000" cy="234616"/>
+          </a:xfrm>
+          <a:prstGeom prst="snip2DiagRect">
+            <a:avLst>
+              <a:gd name="adj1" fmla="val 0"/>
+              <a:gd name="adj2" fmla="val 26316"/>
+            </a:avLst>
+          </a:prstGeom>
+        </p:spPr>
+        <p:style>
+          <a:lnRef idx="2">
+            <a:schemeClr val="accent3"/>
+          </a:lnRef>
+          <a:fillRef idx="1">
+            <a:schemeClr val="lt1"/>
+          </a:fillRef>
+          <a:effectRef idx="0">
+            <a:schemeClr val="accent3"/>
+          </a:effectRef>
+          <a:fontRef idx="minor">
+            <a:schemeClr val="dk1"/>
+          </a:fontRef>
+        </p:style>
+        <p:txBody>
+          <a:bodyPr wrap="none" rtlCol="0" anchor="ctr"/>
+          <a:lstStyle/>
+          <a:p>
+            <a:pPr algn="ctr"/>
+            <a:r>
+              <a:rPr lang="en-US" altLang="ko-KR" sz="1000" dirty="0" err="1" smtClean="0"/>
+              <a:t>faceNet</a:t>
+            </a:r>
+            <a:r>
+              <a:rPr lang="en-US" altLang="ko-KR" sz="1000" dirty="0" smtClean="0"/>
+              <a:t> model</a:t>
+            </a:r>
+            <a:endParaRPr lang="ko-KR" altLang="en-US" sz="1000" dirty="0"/>
+          </a:p>
+        </p:txBody>
+      </p:sp>
+      <p:sp>
+        <p:nvSpPr>
+          <p:cNvPr id="56" name="대각선 방향의 모서리가 잘린 사각형 55"/>
+          <p:cNvSpPr/>
+          <p:nvPr/>
+        </p:nvSpPr>
+        <p:spPr>
+          <a:xfrm>
+            <a:off x="2609558" y="3117410"/>
+            <a:ext cx="1476000" cy="234616"/>
+          </a:xfrm>
+          <a:prstGeom prst="snip2DiagRect">
+            <a:avLst>
+              <a:gd name="adj1" fmla="val 0"/>
+              <a:gd name="adj2" fmla="val 26316"/>
+            </a:avLst>
+          </a:prstGeom>
+        </p:spPr>
+        <p:style>
+          <a:lnRef idx="2">
+            <a:schemeClr val="accent3"/>
+          </a:lnRef>
+          <a:fillRef idx="1">
+            <a:schemeClr val="lt1"/>
+          </a:fillRef>
+          <a:effectRef idx="0">
+            <a:schemeClr val="accent3"/>
+          </a:effectRef>
+          <a:fontRef idx="minor">
+            <a:schemeClr val="dk1"/>
+          </a:fontRef>
+        </p:style>
+        <p:txBody>
+          <a:bodyPr wrap="none" rtlCol="0" anchor="ctr"/>
+          <a:lstStyle/>
+          <a:p>
+            <a:pPr algn="ctr"/>
+            <a:r>
+              <a:rPr lang="en-US" altLang="ko-KR" sz="1000" dirty="0" smtClean="0"/>
+              <a:t>machine learning model</a:t>
+            </a:r>
+            <a:endParaRPr lang="ko-KR" altLang="en-US" sz="1000" dirty="0"/>
+          </a:p>
+        </p:txBody>
+      </p:sp>
+      <p:sp>
+        <p:nvSpPr>
+          <p:cNvPr id="57" name="직사각형 56"/>
+          <p:cNvSpPr/>
+          <p:nvPr/>
+        </p:nvSpPr>
+        <p:spPr>
+          <a:xfrm>
+            <a:off x="2356885" y="1231009"/>
+            <a:ext cx="792000" cy="236232"/>
+          </a:xfrm>
+          <a:prstGeom prst="rect">
+            <a:avLst/>
+          </a:prstGeom>
+        </p:spPr>
+        <p:style>
+          <a:lnRef idx="2">
+            <a:schemeClr val="accent6"/>
+          </a:lnRef>
+          <a:fillRef idx="1">
+            <a:schemeClr val="lt1"/>
+          </a:fillRef>
+          <a:effectRef idx="0">
+            <a:schemeClr val="accent6"/>
+          </a:effectRef>
+          <a:fontRef idx="minor">
+            <a:schemeClr val="dk1"/>
+          </a:fontRef>
+        </p:style>
+        <p:txBody>
+          <a:bodyPr rtlCol="0" anchor="t"/>
+          <a:lstStyle/>
+          <a:p>
+            <a:pPr algn="ctr"/>
+            <a:r>
+              <a:rPr lang="en-US" altLang="ko-KR" sz="1000" dirty="0" err="1" smtClean="0"/>
+              <a:t>TensorRT</a:t>
+            </a:r>
+            <a:endParaRPr lang="ko-KR" altLang="en-US" sz="1000" dirty="0"/>
+          </a:p>
+        </p:txBody>
+      </p:sp>
+      <p:sp>
+        <p:nvSpPr>
+          <p:cNvPr id="59" name="직사각형 58"/>
+          <p:cNvSpPr/>
+          <p:nvPr/>
+        </p:nvSpPr>
+        <p:spPr>
+          <a:xfrm>
+            <a:off x="2356885" y="1533442"/>
+            <a:ext cx="792000" cy="236232"/>
+          </a:xfrm>
+          <a:prstGeom prst="rect">
+            <a:avLst/>
+          </a:prstGeom>
+        </p:spPr>
+        <p:style>
+          <a:lnRef idx="2">
+            <a:schemeClr val="accent6"/>
+          </a:lnRef>
+          <a:fillRef idx="1">
+            <a:schemeClr val="lt1"/>
+          </a:fillRef>
+          <a:effectRef idx="0">
+            <a:schemeClr val="accent6"/>
+          </a:effectRef>
+          <a:fontRef idx="minor">
+            <a:schemeClr val="dk1"/>
+          </a:fontRef>
+        </p:style>
+        <p:txBody>
+          <a:bodyPr rtlCol="0" anchor="t"/>
+          <a:lstStyle/>
+          <a:p>
+            <a:pPr algn="ctr"/>
+            <a:r>
+              <a:rPr lang="en-US" altLang="ko-KR" sz="1000" dirty="0" err="1" smtClean="0"/>
+              <a:t>faceNet</a:t>
+            </a:r>
+            <a:endParaRPr lang="ko-KR" altLang="en-US" sz="1000" dirty="0"/>
           </a:p>
         </p:txBody>
       </p:sp>
@@ -4375,412 +5062,40 @@
           <a:chExt cx="0" cy="0"/>
         </a:xfrm>
       </p:grpSpPr>
-      <p:sp>
-        <p:nvSpPr>
-          <p:cNvPr id="4" name="타원 3"/>
-          <p:cNvSpPr/>
+      <p:pic>
+        <p:nvPicPr>
+          <p:cNvPr id="2" name="그림 1"/>
+          <p:cNvPicPr>
+            <a:picLocks noChangeAspect="1"/>
+          </p:cNvPicPr>
           <p:nvPr/>
-        </p:nvSpPr>
-        <p:spPr>
-          <a:xfrm>
-            <a:off x="206433" y="2719260"/>
-            <a:ext cx="914400" cy="914400"/>
-          </a:xfrm>
-          <a:prstGeom prst="ellipse">
+        </p:nvPicPr>
+        <p:blipFill>
+          <a:blip r:embed="rId2"/>
+          <a:stretch>
+            <a:fillRect/>
+          </a:stretch>
+        </p:blipFill>
+        <p:spPr>
+          <a:xfrm>
+            <a:off x="1254167" y="196370"/>
+            <a:ext cx="4352235" cy="2618932"/>
+          </a:xfrm>
+          <a:prstGeom prst="rect">
             <a:avLst/>
           </a:prstGeom>
         </p:spPr>
-        <p:style>
-          <a:lnRef idx="2">
-            <a:schemeClr val="accent5"/>
-          </a:lnRef>
-          <a:fillRef idx="1">
-            <a:schemeClr val="lt1"/>
-          </a:fillRef>
-          <a:effectRef idx="0">
-            <a:schemeClr val="accent5"/>
-          </a:effectRef>
-          <a:fontRef idx="minor">
-            <a:schemeClr val="dk1"/>
-          </a:fontRef>
-        </p:style>
-        <p:txBody>
-          <a:bodyPr wrap="none" rtlCol="0" anchor="ctr"/>
-          <a:lstStyle/>
-          <a:p>
-            <a:pPr algn="ctr"/>
-            <a:r>
-              <a:rPr lang="en-US" altLang="ko-KR" dirty="0" err="1" smtClean="0"/>
-              <a:t>init</a:t>
-            </a:r>
-            <a:endParaRPr lang="ko-KR" altLang="en-US" dirty="0"/>
-          </a:p>
-        </p:txBody>
-      </p:sp>
-      <p:sp>
-        <p:nvSpPr>
-          <p:cNvPr id="5" name="타원 4"/>
-          <p:cNvSpPr/>
-          <p:nvPr/>
-        </p:nvSpPr>
-        <p:spPr>
-          <a:xfrm>
-            <a:off x="1397870" y="2719260"/>
-            <a:ext cx="914400" cy="914400"/>
-          </a:xfrm>
-          <a:prstGeom prst="ellipse">
-            <a:avLst/>
-          </a:prstGeom>
-        </p:spPr>
-        <p:style>
-          <a:lnRef idx="2">
-            <a:schemeClr val="accent5"/>
-          </a:lnRef>
-          <a:fillRef idx="1">
-            <a:schemeClr val="lt1"/>
-          </a:fillRef>
-          <a:effectRef idx="0">
-            <a:schemeClr val="accent5"/>
-          </a:effectRef>
-          <a:fontRef idx="minor">
-            <a:schemeClr val="dk1"/>
-          </a:fontRef>
-        </p:style>
-        <p:txBody>
-          <a:bodyPr wrap="none" rtlCol="0" anchor="ctr"/>
-          <a:lstStyle/>
-          <a:p>
-            <a:pPr algn="ctr"/>
-            <a:r>
-              <a:rPr lang="en-US" altLang="ko-KR" dirty="0" smtClean="0"/>
-              <a:t>logout</a:t>
-            </a:r>
-          </a:p>
-        </p:txBody>
-      </p:sp>
-      <p:sp>
-        <p:nvSpPr>
-          <p:cNvPr id="6" name="타원 5"/>
-          <p:cNvSpPr/>
-          <p:nvPr/>
-        </p:nvSpPr>
-        <p:spPr>
-          <a:xfrm>
-            <a:off x="220649" y="5527111"/>
-            <a:ext cx="914400" cy="914400"/>
-          </a:xfrm>
-          <a:prstGeom prst="ellipse">
-            <a:avLst/>
-          </a:prstGeom>
-        </p:spPr>
-        <p:style>
-          <a:lnRef idx="2">
-            <a:schemeClr val="accent5"/>
-          </a:lnRef>
-          <a:fillRef idx="1">
-            <a:schemeClr val="lt1"/>
-          </a:fillRef>
-          <a:effectRef idx="0">
-            <a:schemeClr val="accent5"/>
-          </a:effectRef>
-          <a:fontRef idx="minor">
-            <a:schemeClr val="dk1"/>
-          </a:fontRef>
-        </p:style>
-        <p:txBody>
-          <a:bodyPr wrap="none" rtlCol="0" anchor="ctr"/>
-          <a:lstStyle/>
-          <a:p>
-            <a:pPr algn="ctr"/>
-            <a:r>
-              <a:rPr lang="en-US" altLang="ko-KR" dirty="0" smtClean="0"/>
-              <a:t>end</a:t>
-            </a:r>
-            <a:endParaRPr lang="ko-KR" altLang="en-US" dirty="0"/>
-          </a:p>
-        </p:txBody>
-      </p:sp>
-      <p:sp>
-        <p:nvSpPr>
-          <p:cNvPr id="8" name="타원 7"/>
-          <p:cNvSpPr/>
-          <p:nvPr/>
-        </p:nvSpPr>
-        <p:spPr>
-          <a:xfrm>
-            <a:off x="3496067" y="1261182"/>
-            <a:ext cx="914400" cy="914400"/>
-          </a:xfrm>
-          <a:prstGeom prst="ellipse">
-            <a:avLst/>
-          </a:prstGeom>
-        </p:spPr>
-        <p:style>
-          <a:lnRef idx="2">
-            <a:schemeClr val="accent5"/>
-          </a:lnRef>
-          <a:fillRef idx="1">
-            <a:schemeClr val="lt1"/>
-          </a:fillRef>
-          <a:effectRef idx="0">
-            <a:schemeClr val="accent5"/>
-          </a:effectRef>
-          <a:fontRef idx="minor">
-            <a:schemeClr val="dk1"/>
-          </a:fontRef>
-        </p:style>
-        <p:txBody>
-          <a:bodyPr wrap="none" rtlCol="0" anchor="ctr"/>
-          <a:lstStyle/>
-          <a:p>
-            <a:pPr algn="ctr"/>
-            <a:r>
-              <a:rPr lang="en-US" altLang="ko-KR" dirty="0" smtClean="0"/>
-              <a:t>secure</a:t>
-            </a:r>
-          </a:p>
-          <a:p>
-            <a:pPr algn="ctr"/>
-            <a:r>
-              <a:rPr lang="en-US" altLang="ko-KR" dirty="0" smtClean="0"/>
-              <a:t>run</a:t>
-            </a:r>
-          </a:p>
-        </p:txBody>
-      </p:sp>
-      <p:sp>
-        <p:nvSpPr>
-          <p:cNvPr id="9" name="타원 8"/>
-          <p:cNvSpPr/>
-          <p:nvPr/>
-        </p:nvSpPr>
-        <p:spPr>
-          <a:xfrm>
-            <a:off x="3496067" y="3919760"/>
-            <a:ext cx="914400" cy="914400"/>
-          </a:xfrm>
-          <a:prstGeom prst="ellipse">
-            <a:avLst/>
-          </a:prstGeom>
-        </p:spPr>
-        <p:style>
-          <a:lnRef idx="2">
-            <a:schemeClr val="accent5"/>
-          </a:lnRef>
-          <a:fillRef idx="1">
-            <a:schemeClr val="lt1"/>
-          </a:fillRef>
-          <a:effectRef idx="0">
-            <a:schemeClr val="accent5"/>
-          </a:effectRef>
-          <a:fontRef idx="minor">
-            <a:schemeClr val="dk1"/>
-          </a:fontRef>
-        </p:style>
-        <p:txBody>
-          <a:bodyPr wrap="none" rtlCol="0" anchor="ctr"/>
-          <a:lstStyle/>
-          <a:p>
-            <a:pPr algn="ctr"/>
-            <a:r>
-              <a:rPr lang="en-US" altLang="ko-KR" dirty="0" smtClean="0"/>
-              <a:t>non secure</a:t>
-            </a:r>
-          </a:p>
-          <a:p>
-            <a:pPr algn="ctr"/>
-            <a:r>
-              <a:rPr lang="en-US" altLang="ko-KR" dirty="0" smtClean="0"/>
-              <a:t>run</a:t>
-            </a:r>
-          </a:p>
-        </p:txBody>
-      </p:sp>
-      <p:sp>
-        <p:nvSpPr>
-          <p:cNvPr id="12" name="타원 11"/>
-          <p:cNvSpPr/>
-          <p:nvPr/>
-        </p:nvSpPr>
-        <p:spPr>
-          <a:xfrm>
-            <a:off x="5061894" y="2643857"/>
-            <a:ext cx="914400" cy="914400"/>
-          </a:xfrm>
-          <a:prstGeom prst="ellipse">
-            <a:avLst/>
-          </a:prstGeom>
-        </p:spPr>
-        <p:style>
-          <a:lnRef idx="2">
-            <a:schemeClr val="accent5"/>
-          </a:lnRef>
-          <a:fillRef idx="1">
-            <a:schemeClr val="lt1"/>
-          </a:fillRef>
-          <a:effectRef idx="0">
-            <a:schemeClr val="accent5"/>
-          </a:effectRef>
-          <a:fontRef idx="minor">
-            <a:schemeClr val="dk1"/>
-          </a:fontRef>
-        </p:style>
-        <p:txBody>
-          <a:bodyPr wrap="none" rtlCol="0" anchor="ctr"/>
-          <a:lstStyle/>
-          <a:p>
-            <a:pPr algn="ctr"/>
-            <a:r>
-              <a:rPr lang="en-US" altLang="ko-KR" dirty="0" smtClean="0"/>
-              <a:t>learn</a:t>
-            </a:r>
-          </a:p>
-        </p:txBody>
-      </p:sp>
-      <p:sp>
-        <p:nvSpPr>
-          <p:cNvPr id="14" name="타원 13"/>
-          <p:cNvSpPr/>
-          <p:nvPr/>
-        </p:nvSpPr>
-        <p:spPr>
-          <a:xfrm>
-            <a:off x="6624074" y="1261182"/>
-            <a:ext cx="914400" cy="914400"/>
-          </a:xfrm>
-          <a:prstGeom prst="ellipse">
-            <a:avLst/>
-          </a:prstGeom>
-        </p:spPr>
-        <p:style>
-          <a:lnRef idx="2">
-            <a:schemeClr val="accent5"/>
-          </a:lnRef>
-          <a:fillRef idx="1">
-            <a:schemeClr val="lt1"/>
-          </a:fillRef>
-          <a:effectRef idx="0">
-            <a:schemeClr val="accent5"/>
-          </a:effectRef>
-          <a:fontRef idx="minor">
-            <a:schemeClr val="dk1"/>
-          </a:fontRef>
-        </p:style>
-        <p:txBody>
-          <a:bodyPr wrap="none" rtlCol="0" anchor="ctr"/>
-          <a:lstStyle/>
-          <a:p>
-            <a:pPr algn="ctr"/>
-            <a:r>
-              <a:rPr lang="en-US" altLang="ko-KR" dirty="0" smtClean="0"/>
-              <a:t>secure</a:t>
-            </a:r>
-          </a:p>
-          <a:p>
-            <a:pPr algn="ctr"/>
-            <a:r>
-              <a:rPr lang="en-US" altLang="ko-KR" dirty="0" smtClean="0"/>
-              <a:t>test run</a:t>
-            </a:r>
-          </a:p>
-        </p:txBody>
-      </p:sp>
-      <p:sp>
-        <p:nvSpPr>
-          <p:cNvPr id="15" name="타원 14"/>
-          <p:cNvSpPr/>
-          <p:nvPr/>
-        </p:nvSpPr>
-        <p:spPr>
-          <a:xfrm>
-            <a:off x="6624074" y="3918751"/>
-            <a:ext cx="914400" cy="914400"/>
-          </a:xfrm>
-          <a:prstGeom prst="ellipse">
-            <a:avLst/>
-          </a:prstGeom>
-        </p:spPr>
-        <p:style>
-          <a:lnRef idx="2">
-            <a:schemeClr val="accent5"/>
-          </a:lnRef>
-          <a:fillRef idx="1">
-            <a:schemeClr val="lt1"/>
-          </a:fillRef>
-          <a:effectRef idx="0">
-            <a:schemeClr val="accent5"/>
-          </a:effectRef>
-          <a:fontRef idx="minor">
-            <a:schemeClr val="dk1"/>
-          </a:fontRef>
-        </p:style>
-        <p:txBody>
-          <a:bodyPr wrap="none" rtlCol="0" anchor="ctr"/>
-          <a:lstStyle/>
-          <a:p>
-            <a:pPr algn="ctr"/>
-            <a:r>
-              <a:rPr lang="en-US" altLang="ko-KR" dirty="0" smtClean="0"/>
-              <a:t>non secure</a:t>
-            </a:r>
-          </a:p>
-          <a:p>
-            <a:pPr algn="ctr"/>
-            <a:r>
-              <a:rPr lang="en-US" altLang="ko-KR" dirty="0" smtClean="0"/>
-              <a:t>test run</a:t>
-            </a:r>
-          </a:p>
-        </p:txBody>
-      </p:sp>
-      <p:cxnSp>
-        <p:nvCxnSpPr>
-          <p:cNvPr id="17" name="구부러진 연결선 16"/>
-          <p:cNvCxnSpPr>
-            <a:stCxn id="4" idx="7"/>
-            <a:endCxn id="5" idx="1"/>
-          </p:cNvCxnSpPr>
-          <p:nvPr/>
-        </p:nvCxnSpPr>
-        <p:spPr>
-          <a:xfrm rot="5400000" flipH="1" flipV="1">
-            <a:off x="1259351" y="2580742"/>
-            <a:ext cx="12700" cy="544859"/>
-          </a:xfrm>
-          <a:prstGeom prst="curvedConnector3">
-            <a:avLst>
-              <a:gd name="adj1" fmla="val 2854417"/>
-            </a:avLst>
-          </a:prstGeom>
-          <a:ln>
-            <a:tailEnd type="triangle"/>
-          </a:ln>
-        </p:spPr>
-        <p:style>
-          <a:lnRef idx="1">
-            <a:schemeClr val="accent1"/>
-          </a:lnRef>
-          <a:fillRef idx="0">
-            <a:schemeClr val="accent1"/>
-          </a:fillRef>
-          <a:effectRef idx="0">
-            <a:schemeClr val="accent1"/>
-          </a:effectRef>
-          <a:fontRef idx="minor">
-            <a:schemeClr val="tx1"/>
-          </a:fontRef>
-        </p:style>
-      </p:cxnSp>
-      <p:sp>
-        <p:nvSpPr>
-          <p:cNvPr id="18" name="TextBox 17"/>
+      </p:pic>
+      <p:sp>
+        <p:nvSpPr>
+          <p:cNvPr id="81" name="TextBox 80"/>
           <p:cNvSpPr txBox="1"/>
           <p:nvPr/>
         </p:nvSpPr>
         <p:spPr>
           <a:xfrm>
-            <a:off x="748647" y="2285777"/>
-            <a:ext cx="1066318" cy="261610"/>
+            <a:off x="1626787" y="2945391"/>
+            <a:ext cx="7959230" cy="2123658"/>
           </a:xfrm>
           <a:prstGeom prst="rect">
             <a:avLst/>
@@ -4793,953 +5108,24 @@
           </a:bodyPr>
           <a:lstStyle/>
           <a:p>
-            <a:pPr algn="ctr"/>
-            <a:r>
-              <a:rPr lang="en-US" altLang="ko-KR" sz="1100" dirty="0" smtClean="0"/>
-              <a:t>start program</a:t>
-            </a:r>
-            <a:endParaRPr lang="ko-KR" altLang="en-US" sz="1100" dirty="0"/>
-          </a:p>
-        </p:txBody>
-      </p:sp>
-      <p:cxnSp>
-        <p:nvCxnSpPr>
-          <p:cNvPr id="19" name="구부러진 연결선 18"/>
-          <p:cNvCxnSpPr>
-            <a:stCxn id="5" idx="7"/>
-            <a:endCxn id="8" idx="2"/>
-          </p:cNvCxnSpPr>
-          <p:nvPr/>
-        </p:nvCxnSpPr>
-        <p:spPr>
-          <a:xfrm rot="5400000" flipH="1" flipV="1">
-            <a:off x="2269819" y="1626923"/>
-            <a:ext cx="1134789" cy="1317708"/>
-          </a:xfrm>
-          <a:prstGeom prst="curvedConnector2">
-            <a:avLst/>
-          </a:prstGeom>
-          <a:ln>
-            <a:tailEnd type="triangle"/>
-          </a:ln>
-        </p:spPr>
-        <p:style>
-          <a:lnRef idx="1">
-            <a:schemeClr val="accent1"/>
-          </a:lnRef>
-          <a:fillRef idx="0">
-            <a:schemeClr val="accent1"/>
-          </a:fillRef>
-          <a:effectRef idx="0">
-            <a:schemeClr val="accent1"/>
-          </a:effectRef>
-          <a:fontRef idx="minor">
-            <a:schemeClr val="tx1"/>
-          </a:fontRef>
-        </p:style>
-      </p:cxnSp>
-      <p:sp>
-        <p:nvSpPr>
-          <p:cNvPr id="20" name="TextBox 19"/>
-          <p:cNvSpPr txBox="1"/>
-          <p:nvPr/>
-        </p:nvSpPr>
-        <p:spPr>
-          <a:xfrm>
-            <a:off x="2138253" y="1839943"/>
-            <a:ext cx="1031051" cy="600164"/>
-          </a:xfrm>
-          <a:prstGeom prst="rect">
-            <a:avLst/>
-          </a:prstGeom>
-          <a:noFill/>
-        </p:spPr>
-        <p:txBody>
-          <a:bodyPr wrap="none" rtlCol="0">
-            <a:spAutoFit/>
-          </a:bodyPr>
-          <a:lstStyle/>
-          <a:p>
-            <a:pPr algn="ctr"/>
-            <a:r>
-              <a:rPr lang="en-US" altLang="ko-KR" sz="1100" dirty="0" smtClean="0"/>
-              <a:t>connect and </a:t>
-            </a:r>
-          </a:p>
-          <a:p>
-            <a:pPr algn="ctr"/>
-            <a:r>
-              <a:rPr lang="en-US" altLang="ko-KR" sz="1100" dirty="0" smtClean="0"/>
-              <a:t>login success</a:t>
-            </a:r>
-          </a:p>
-          <a:p>
-            <a:pPr algn="ctr"/>
-            <a:r>
-              <a:rPr lang="en-US" altLang="ko-KR" sz="1100" dirty="0" smtClean="0"/>
-              <a:t>with server</a:t>
-            </a:r>
-            <a:endParaRPr lang="ko-KR" altLang="en-US" sz="1100" dirty="0"/>
-          </a:p>
-        </p:txBody>
-      </p:sp>
-      <p:cxnSp>
-        <p:nvCxnSpPr>
-          <p:cNvPr id="31" name="구부러진 연결선 30"/>
-          <p:cNvCxnSpPr>
-            <a:stCxn id="8" idx="0"/>
-            <a:endCxn id="5" idx="0"/>
-          </p:cNvCxnSpPr>
-          <p:nvPr/>
-        </p:nvCxnSpPr>
-        <p:spPr>
-          <a:xfrm rot="16200000" flipH="1" flipV="1">
-            <a:off x="2175130" y="941122"/>
-            <a:ext cx="1458078" cy="2098197"/>
-          </a:xfrm>
-          <a:prstGeom prst="curvedConnector3">
-            <a:avLst>
-              <a:gd name="adj1" fmla="val -456"/>
-            </a:avLst>
-          </a:prstGeom>
-          <a:ln>
-            <a:tailEnd type="triangle"/>
-          </a:ln>
-        </p:spPr>
-        <p:style>
-          <a:lnRef idx="1">
-            <a:schemeClr val="accent1"/>
-          </a:lnRef>
-          <a:fillRef idx="0">
-            <a:schemeClr val="accent1"/>
-          </a:fillRef>
-          <a:effectRef idx="0">
-            <a:schemeClr val="accent1"/>
-          </a:effectRef>
-          <a:fontRef idx="minor">
-            <a:schemeClr val="tx1"/>
-          </a:fontRef>
-        </p:style>
-      </p:cxnSp>
-      <p:cxnSp>
-        <p:nvCxnSpPr>
-          <p:cNvPr id="35" name="구부러진 연결선 34"/>
-          <p:cNvCxnSpPr>
-            <a:stCxn id="14" idx="0"/>
-            <a:endCxn id="5" idx="0"/>
-          </p:cNvCxnSpPr>
-          <p:nvPr/>
-        </p:nvCxnSpPr>
-        <p:spPr>
-          <a:xfrm rot="16200000" flipH="1" flipV="1">
-            <a:off x="3739133" y="-622881"/>
-            <a:ext cx="1458078" cy="5226204"/>
-          </a:xfrm>
-          <a:prstGeom prst="curvedConnector3">
-            <a:avLst>
-              <a:gd name="adj1" fmla="val -53427"/>
-            </a:avLst>
-          </a:prstGeom>
-          <a:ln>
-            <a:tailEnd type="triangle"/>
-          </a:ln>
-        </p:spPr>
-        <p:style>
-          <a:lnRef idx="1">
-            <a:schemeClr val="accent1"/>
-          </a:lnRef>
-          <a:fillRef idx="0">
-            <a:schemeClr val="accent1"/>
-          </a:fillRef>
-          <a:effectRef idx="0">
-            <a:schemeClr val="accent1"/>
-          </a:effectRef>
-          <a:fontRef idx="minor">
-            <a:schemeClr val="tx1"/>
-          </a:fontRef>
-        </p:style>
-      </p:cxnSp>
-      <p:sp>
-        <p:nvSpPr>
-          <p:cNvPr id="38" name="TextBox 37"/>
-          <p:cNvSpPr txBox="1"/>
-          <p:nvPr/>
-        </p:nvSpPr>
-        <p:spPr>
-          <a:xfrm>
-            <a:off x="2837213" y="961870"/>
-            <a:ext cx="604654" cy="261610"/>
-          </a:xfrm>
-          <a:prstGeom prst="rect">
-            <a:avLst/>
-          </a:prstGeom>
-          <a:noFill/>
-        </p:spPr>
-        <p:txBody>
-          <a:bodyPr wrap="none" rtlCol="0">
-            <a:spAutoFit/>
-          </a:bodyPr>
-          <a:lstStyle/>
-          <a:p>
-            <a:pPr algn="ctr"/>
-            <a:r>
-              <a:rPr lang="en-US" altLang="ko-KR" sz="1100" dirty="0" smtClean="0"/>
-              <a:t>logout</a:t>
-            </a:r>
-            <a:endParaRPr lang="ko-KR" altLang="en-US" sz="1100" dirty="0"/>
-          </a:p>
-        </p:txBody>
-      </p:sp>
-      <p:cxnSp>
-        <p:nvCxnSpPr>
-          <p:cNvPr id="42" name="구부러진 연결선 41"/>
-          <p:cNvCxnSpPr>
-            <a:stCxn id="9" idx="4"/>
-            <a:endCxn id="5" idx="4"/>
-          </p:cNvCxnSpPr>
-          <p:nvPr/>
-        </p:nvCxnSpPr>
-        <p:spPr>
-          <a:xfrm rot="5400000" flipH="1">
-            <a:off x="2303919" y="3184812"/>
-            <a:ext cx="1200500" cy="2098197"/>
-          </a:xfrm>
-          <a:prstGeom prst="curvedConnector3">
-            <a:avLst>
-              <a:gd name="adj1" fmla="val -1294"/>
-            </a:avLst>
-          </a:prstGeom>
-          <a:ln>
-            <a:tailEnd type="triangle"/>
-          </a:ln>
-        </p:spPr>
-        <p:style>
-          <a:lnRef idx="1">
-            <a:schemeClr val="accent1"/>
-          </a:lnRef>
-          <a:fillRef idx="0">
-            <a:schemeClr val="accent1"/>
-          </a:fillRef>
-          <a:effectRef idx="0">
-            <a:schemeClr val="accent1"/>
-          </a:effectRef>
-          <a:fontRef idx="minor">
-            <a:schemeClr val="tx1"/>
-          </a:fontRef>
-        </p:style>
-      </p:cxnSp>
-      <p:cxnSp>
-        <p:nvCxnSpPr>
-          <p:cNvPr id="43" name="구부러진 연결선 42"/>
-          <p:cNvCxnSpPr>
-            <a:stCxn id="15" idx="4"/>
-            <a:endCxn id="5" idx="4"/>
-          </p:cNvCxnSpPr>
-          <p:nvPr/>
-        </p:nvCxnSpPr>
-        <p:spPr>
-          <a:xfrm rot="5400000" flipH="1">
-            <a:off x="3868426" y="1620304"/>
-            <a:ext cx="1199491" cy="5226204"/>
-          </a:xfrm>
-          <a:prstGeom prst="curvedConnector3">
-            <a:avLst>
-              <a:gd name="adj1" fmla="val -55324"/>
-            </a:avLst>
-          </a:prstGeom>
-          <a:ln>
-            <a:tailEnd type="triangle"/>
-          </a:ln>
-        </p:spPr>
-        <p:style>
-          <a:lnRef idx="1">
-            <a:schemeClr val="accent1"/>
-          </a:lnRef>
-          <a:fillRef idx="0">
-            <a:schemeClr val="accent1"/>
-          </a:fillRef>
-          <a:effectRef idx="0">
-            <a:schemeClr val="accent1"/>
-          </a:effectRef>
-          <a:fontRef idx="minor">
-            <a:schemeClr val="tx1"/>
-          </a:fontRef>
-        </p:style>
-      </p:cxnSp>
-      <p:sp>
-        <p:nvSpPr>
-          <p:cNvPr id="48" name="TextBox 47"/>
-          <p:cNvSpPr txBox="1"/>
-          <p:nvPr/>
-        </p:nvSpPr>
-        <p:spPr>
-          <a:xfrm>
-            <a:off x="2753726" y="4833151"/>
-            <a:ext cx="604654" cy="261610"/>
-          </a:xfrm>
-          <a:prstGeom prst="rect">
-            <a:avLst/>
-          </a:prstGeom>
-          <a:noFill/>
-        </p:spPr>
-        <p:txBody>
-          <a:bodyPr wrap="none" rtlCol="0">
-            <a:spAutoFit/>
-          </a:bodyPr>
-          <a:lstStyle/>
-          <a:p>
-            <a:pPr algn="ctr"/>
-            <a:r>
-              <a:rPr lang="en-US" altLang="ko-KR" sz="1100" dirty="0" smtClean="0"/>
-              <a:t>logout</a:t>
-            </a:r>
-            <a:endParaRPr lang="ko-KR" altLang="en-US" sz="1100" dirty="0"/>
-          </a:p>
-        </p:txBody>
-      </p:sp>
-      <p:sp>
-        <p:nvSpPr>
-          <p:cNvPr id="50" name="TextBox 49"/>
-          <p:cNvSpPr txBox="1"/>
-          <p:nvPr/>
-        </p:nvSpPr>
-        <p:spPr>
-          <a:xfrm>
-            <a:off x="3321304" y="2679296"/>
-            <a:ext cx="1311578" cy="600164"/>
-          </a:xfrm>
-          <a:prstGeom prst="rect">
-            <a:avLst/>
-          </a:prstGeom>
-          <a:noFill/>
-        </p:spPr>
-        <p:txBody>
-          <a:bodyPr wrap="none" rtlCol="0">
-            <a:spAutoFit/>
-          </a:bodyPr>
-          <a:lstStyle/>
-          <a:p>
-            <a:pPr algn="ctr"/>
-            <a:r>
-              <a:rPr lang="en-US" altLang="ko-KR" sz="1100" dirty="0" smtClean="0"/>
-              <a:t>change</a:t>
-            </a:r>
-          </a:p>
-          <a:p>
-            <a:pPr algn="ctr"/>
-            <a:r>
-              <a:rPr lang="en-US" altLang="ko-KR" sz="1100" dirty="0" smtClean="0"/>
-              <a:t>secure &lt;&gt;</a:t>
-            </a:r>
-          </a:p>
-          <a:p>
-            <a:pPr algn="ctr"/>
-            <a:r>
-              <a:rPr lang="en-US" altLang="ko-KR" sz="1100" dirty="0" smtClean="0"/>
-              <a:t>non secure mode</a:t>
-            </a:r>
-            <a:endParaRPr lang="ko-KR" altLang="en-US" sz="1100" dirty="0"/>
-          </a:p>
-        </p:txBody>
-      </p:sp>
-      <p:cxnSp>
-        <p:nvCxnSpPr>
-          <p:cNvPr id="76" name="직선 화살표 연결선 75"/>
-          <p:cNvCxnSpPr>
-            <a:stCxn id="8" idx="4"/>
-            <a:endCxn id="9" idx="0"/>
-          </p:cNvCxnSpPr>
-          <p:nvPr/>
-        </p:nvCxnSpPr>
-        <p:spPr>
-          <a:xfrm>
-            <a:off x="3953267" y="2175582"/>
-            <a:ext cx="0" cy="1744178"/>
-          </a:xfrm>
-          <a:prstGeom prst="straightConnector1">
-            <a:avLst/>
-          </a:prstGeom>
-          <a:ln>
-            <a:headEnd type="triangle"/>
-            <a:tailEnd type="triangle"/>
-          </a:ln>
-        </p:spPr>
-        <p:style>
-          <a:lnRef idx="1">
-            <a:schemeClr val="accent1"/>
-          </a:lnRef>
-          <a:fillRef idx="0">
-            <a:schemeClr val="accent1"/>
-          </a:fillRef>
-          <a:effectRef idx="0">
-            <a:schemeClr val="accent1"/>
-          </a:effectRef>
-          <a:fontRef idx="minor">
-            <a:schemeClr val="tx1"/>
-          </a:fontRef>
-        </p:style>
-      </p:cxnSp>
-      <p:cxnSp>
-        <p:nvCxnSpPr>
-          <p:cNvPr id="78" name="직선 화살표 연결선 77"/>
-          <p:cNvCxnSpPr>
-            <a:stCxn id="14" idx="4"/>
-            <a:endCxn id="15" idx="0"/>
-          </p:cNvCxnSpPr>
-          <p:nvPr/>
-        </p:nvCxnSpPr>
-        <p:spPr>
-          <a:xfrm>
-            <a:off x="7081274" y="2175582"/>
-            <a:ext cx="0" cy="1743169"/>
-          </a:xfrm>
-          <a:prstGeom prst="straightConnector1">
-            <a:avLst/>
-          </a:prstGeom>
-          <a:ln>
-            <a:headEnd type="triangle"/>
-            <a:tailEnd type="triangle"/>
-          </a:ln>
-        </p:spPr>
-        <p:style>
-          <a:lnRef idx="1">
-            <a:schemeClr val="accent1"/>
-          </a:lnRef>
-          <a:fillRef idx="0">
-            <a:schemeClr val="accent1"/>
-          </a:fillRef>
-          <a:effectRef idx="0">
-            <a:schemeClr val="accent1"/>
-          </a:effectRef>
-          <a:fontRef idx="minor">
-            <a:schemeClr val="tx1"/>
-          </a:fontRef>
-        </p:style>
-      </p:cxnSp>
-      <p:sp>
-        <p:nvSpPr>
-          <p:cNvPr id="82" name="TextBox 81"/>
-          <p:cNvSpPr txBox="1"/>
-          <p:nvPr/>
-        </p:nvSpPr>
-        <p:spPr>
-          <a:xfrm>
-            <a:off x="6465590" y="2679296"/>
-            <a:ext cx="1311578" cy="600164"/>
-          </a:xfrm>
-          <a:prstGeom prst="rect">
-            <a:avLst/>
-          </a:prstGeom>
-          <a:noFill/>
-        </p:spPr>
-        <p:txBody>
-          <a:bodyPr wrap="none" rtlCol="0">
-            <a:spAutoFit/>
-          </a:bodyPr>
-          <a:lstStyle/>
-          <a:p>
-            <a:pPr algn="ctr"/>
-            <a:r>
-              <a:rPr lang="en-US" altLang="ko-KR" sz="1100" dirty="0" smtClean="0"/>
-              <a:t>change</a:t>
-            </a:r>
-          </a:p>
-          <a:p>
-            <a:r>
-              <a:rPr lang="en-US" altLang="ko-KR" sz="1100" dirty="0" smtClean="0"/>
-              <a:t>secure &lt;&gt;</a:t>
-            </a:r>
-          </a:p>
-          <a:p>
-            <a:r>
-              <a:rPr lang="en-US" altLang="ko-KR" sz="1100" dirty="0" smtClean="0"/>
-              <a:t>non secure mode</a:t>
-            </a:r>
-            <a:endParaRPr lang="ko-KR" altLang="en-US" sz="1100" dirty="0"/>
-          </a:p>
-        </p:txBody>
-      </p:sp>
-      <p:sp>
-        <p:nvSpPr>
-          <p:cNvPr id="83" name="TextBox 82"/>
-          <p:cNvSpPr txBox="1"/>
-          <p:nvPr/>
-        </p:nvSpPr>
-        <p:spPr>
-          <a:xfrm>
-            <a:off x="4921594" y="1345156"/>
-            <a:ext cx="1191352" cy="600164"/>
-          </a:xfrm>
-          <a:prstGeom prst="rect">
-            <a:avLst/>
-          </a:prstGeom>
-          <a:noFill/>
-        </p:spPr>
-        <p:txBody>
-          <a:bodyPr wrap="none" rtlCol="0">
-            <a:spAutoFit/>
-          </a:bodyPr>
-          <a:lstStyle/>
-          <a:p>
-            <a:pPr algn="ctr"/>
-            <a:r>
-              <a:rPr lang="en-US" altLang="ko-KR" sz="1100" dirty="0" smtClean="0"/>
-              <a:t>change</a:t>
-            </a:r>
-          </a:p>
-          <a:p>
-            <a:pPr algn="ctr"/>
-            <a:r>
-              <a:rPr lang="en-US" altLang="ko-KR" sz="1100" dirty="0" smtClean="0"/>
-              <a:t>run &lt;&gt; test run</a:t>
-            </a:r>
-          </a:p>
-          <a:p>
-            <a:pPr algn="ctr"/>
-            <a:r>
-              <a:rPr lang="en-US" altLang="ko-KR" sz="1100" dirty="0" smtClean="0"/>
-              <a:t>mode</a:t>
-            </a:r>
-            <a:endParaRPr lang="ko-KR" altLang="en-US" sz="1100" dirty="0"/>
-          </a:p>
-        </p:txBody>
-      </p:sp>
-      <p:sp>
-        <p:nvSpPr>
-          <p:cNvPr id="84" name="TextBox 83"/>
-          <p:cNvSpPr txBox="1"/>
-          <p:nvPr/>
-        </p:nvSpPr>
-        <p:spPr>
-          <a:xfrm>
-            <a:off x="4975522" y="4143329"/>
-            <a:ext cx="1191352" cy="600164"/>
-          </a:xfrm>
-          <a:prstGeom prst="rect">
-            <a:avLst/>
-          </a:prstGeom>
-          <a:noFill/>
-        </p:spPr>
-        <p:txBody>
-          <a:bodyPr wrap="none" rtlCol="0">
-            <a:spAutoFit/>
-          </a:bodyPr>
-          <a:lstStyle/>
-          <a:p>
-            <a:pPr algn="ctr"/>
-            <a:r>
-              <a:rPr lang="en-US" altLang="ko-KR" sz="1100" dirty="0" smtClean="0"/>
-              <a:t>change</a:t>
-            </a:r>
-          </a:p>
-          <a:p>
-            <a:pPr algn="ctr"/>
-            <a:r>
-              <a:rPr lang="en-US" altLang="ko-KR" sz="1100" dirty="0" smtClean="0"/>
-              <a:t>run &lt;&gt; test run</a:t>
-            </a:r>
-          </a:p>
-          <a:p>
-            <a:pPr algn="ctr"/>
-            <a:r>
-              <a:rPr lang="en-US" altLang="ko-KR" sz="1100" dirty="0" smtClean="0"/>
-              <a:t>mode</a:t>
-            </a:r>
-            <a:endParaRPr lang="ko-KR" altLang="en-US" sz="1100" dirty="0"/>
-          </a:p>
-        </p:txBody>
-      </p:sp>
-      <p:cxnSp>
-        <p:nvCxnSpPr>
-          <p:cNvPr id="85" name="직선 화살표 연결선 84"/>
-          <p:cNvCxnSpPr>
-            <a:stCxn id="8" idx="6"/>
-            <a:endCxn id="14" idx="2"/>
-          </p:cNvCxnSpPr>
-          <p:nvPr/>
-        </p:nvCxnSpPr>
-        <p:spPr>
-          <a:xfrm>
-            <a:off x="4410467" y="1718382"/>
-            <a:ext cx="2213607" cy="0"/>
-          </a:xfrm>
-          <a:prstGeom prst="straightConnector1">
-            <a:avLst/>
-          </a:prstGeom>
-          <a:ln>
-            <a:headEnd type="triangle"/>
-            <a:tailEnd type="triangle"/>
-          </a:ln>
-        </p:spPr>
-        <p:style>
-          <a:lnRef idx="1">
-            <a:schemeClr val="accent1"/>
-          </a:lnRef>
-          <a:fillRef idx="0">
-            <a:schemeClr val="accent1"/>
-          </a:fillRef>
-          <a:effectRef idx="0">
-            <a:schemeClr val="accent1"/>
-          </a:effectRef>
-          <a:fontRef idx="minor">
-            <a:schemeClr val="tx1"/>
-          </a:fontRef>
-        </p:style>
-      </p:cxnSp>
-      <p:cxnSp>
-        <p:nvCxnSpPr>
-          <p:cNvPr id="88" name="직선 화살표 연결선 87"/>
-          <p:cNvCxnSpPr>
-            <a:stCxn id="9" idx="6"/>
-            <a:endCxn id="15" idx="2"/>
-          </p:cNvCxnSpPr>
-          <p:nvPr/>
-        </p:nvCxnSpPr>
-        <p:spPr>
-          <a:xfrm flipV="1">
-            <a:off x="4410467" y="4375951"/>
-            <a:ext cx="2213607" cy="1009"/>
-          </a:xfrm>
-          <a:prstGeom prst="straightConnector1">
-            <a:avLst/>
-          </a:prstGeom>
-          <a:ln>
-            <a:headEnd type="triangle"/>
-            <a:tailEnd type="triangle"/>
-          </a:ln>
-        </p:spPr>
-        <p:style>
-          <a:lnRef idx="1">
-            <a:schemeClr val="accent1"/>
-          </a:lnRef>
-          <a:fillRef idx="0">
-            <a:schemeClr val="accent1"/>
-          </a:fillRef>
-          <a:effectRef idx="0">
-            <a:schemeClr val="accent1"/>
-          </a:effectRef>
-          <a:fontRef idx="minor">
-            <a:schemeClr val="tx1"/>
-          </a:fontRef>
-        </p:style>
-      </p:cxnSp>
-      <p:cxnSp>
-        <p:nvCxnSpPr>
-          <p:cNvPr id="116" name="직선 화살표 연결선 115"/>
-          <p:cNvCxnSpPr>
-            <a:stCxn id="117" idx="1"/>
-            <a:endCxn id="6" idx="6"/>
-          </p:cNvCxnSpPr>
-          <p:nvPr/>
-        </p:nvCxnSpPr>
-        <p:spPr>
-          <a:xfrm flipH="1">
-            <a:off x="1135049" y="5984311"/>
-            <a:ext cx="323290" cy="0"/>
-          </a:xfrm>
-          <a:prstGeom prst="straightConnector1">
-            <a:avLst/>
-          </a:prstGeom>
-          <a:ln>
-            <a:tailEnd type="triangle"/>
-          </a:ln>
-        </p:spPr>
-        <p:style>
-          <a:lnRef idx="1">
-            <a:schemeClr val="accent1"/>
-          </a:lnRef>
-          <a:fillRef idx="0">
-            <a:schemeClr val="accent1"/>
-          </a:fillRef>
-          <a:effectRef idx="0">
-            <a:schemeClr val="accent1"/>
-          </a:effectRef>
-          <a:fontRef idx="minor">
-            <a:schemeClr val="tx1"/>
-          </a:fontRef>
-        </p:style>
-      </p:cxnSp>
-      <p:sp>
-        <p:nvSpPr>
-          <p:cNvPr id="117" name="TextBox 116"/>
-          <p:cNvSpPr txBox="1"/>
-          <p:nvPr/>
-        </p:nvSpPr>
-        <p:spPr>
-          <a:xfrm>
-            <a:off x="1458339" y="5768867"/>
-            <a:ext cx="2326279" cy="430887"/>
-          </a:xfrm>
-          <a:prstGeom prst="rect">
-            <a:avLst/>
-          </a:prstGeom>
-          <a:noFill/>
-        </p:spPr>
-        <p:txBody>
-          <a:bodyPr wrap="none" rtlCol="0">
-            <a:spAutoFit/>
-          </a:bodyPr>
-          <a:lstStyle/>
-          <a:p>
-            <a:pPr algn="ctr"/>
-            <a:r>
-              <a:rPr lang="en-US" altLang="ko-KR" sz="1100" dirty="0" smtClean="0"/>
-              <a:t>The end state can be transmitted</a:t>
-            </a:r>
-          </a:p>
-          <a:p>
-            <a:pPr algn="ctr"/>
-            <a:r>
-              <a:rPr lang="en-US" altLang="ko-KR" sz="1100" dirty="0" smtClean="0"/>
-              <a:t>from any state</a:t>
-            </a:r>
-            <a:endParaRPr lang="ko-KR" altLang="en-US" sz="1100" dirty="0"/>
-          </a:p>
-        </p:txBody>
-      </p:sp>
-      <p:cxnSp>
-        <p:nvCxnSpPr>
-          <p:cNvPr id="119" name="직선 화살표 연결선 118"/>
-          <p:cNvCxnSpPr>
-            <a:stCxn id="8" idx="5"/>
-            <a:endCxn id="12" idx="1"/>
-          </p:cNvCxnSpPr>
-          <p:nvPr/>
-        </p:nvCxnSpPr>
-        <p:spPr>
-          <a:xfrm>
-            <a:off x="4276556" y="2041671"/>
-            <a:ext cx="919249" cy="736097"/>
-          </a:xfrm>
-          <a:prstGeom prst="straightConnector1">
-            <a:avLst/>
-          </a:prstGeom>
-          <a:ln>
-            <a:headEnd type="triangle"/>
-            <a:tailEnd type="triangle"/>
-          </a:ln>
-        </p:spPr>
-        <p:style>
-          <a:lnRef idx="1">
-            <a:schemeClr val="accent1"/>
-          </a:lnRef>
-          <a:fillRef idx="0">
-            <a:schemeClr val="accent1"/>
-          </a:fillRef>
-          <a:effectRef idx="0">
-            <a:schemeClr val="accent1"/>
-          </a:effectRef>
-          <a:fontRef idx="minor">
-            <a:schemeClr val="tx1"/>
-          </a:fontRef>
-        </p:style>
-      </p:cxnSp>
-      <p:cxnSp>
-        <p:nvCxnSpPr>
-          <p:cNvPr id="122" name="직선 화살표 연결선 121"/>
-          <p:cNvCxnSpPr>
-            <a:stCxn id="9" idx="7"/>
-            <a:endCxn id="12" idx="3"/>
-          </p:cNvCxnSpPr>
-          <p:nvPr/>
-        </p:nvCxnSpPr>
-        <p:spPr>
-          <a:xfrm flipV="1">
-            <a:off x="4276556" y="3424346"/>
-            <a:ext cx="919249" cy="629325"/>
-          </a:xfrm>
-          <a:prstGeom prst="straightConnector1">
-            <a:avLst/>
-          </a:prstGeom>
-          <a:ln>
-            <a:headEnd type="triangle"/>
-            <a:tailEnd type="triangle"/>
-          </a:ln>
-        </p:spPr>
-        <p:style>
-          <a:lnRef idx="1">
-            <a:schemeClr val="accent1"/>
-          </a:lnRef>
-          <a:fillRef idx="0">
-            <a:schemeClr val="accent1"/>
-          </a:fillRef>
-          <a:effectRef idx="0">
-            <a:schemeClr val="accent1"/>
-          </a:effectRef>
-          <a:fontRef idx="minor">
-            <a:schemeClr val="tx1"/>
-          </a:fontRef>
-        </p:style>
-      </p:cxnSp>
-      <p:cxnSp>
-        <p:nvCxnSpPr>
-          <p:cNvPr id="125" name="직선 화살표 연결선 124"/>
-          <p:cNvCxnSpPr>
-            <a:stCxn id="15" idx="1"/>
-            <a:endCxn id="12" idx="5"/>
-          </p:cNvCxnSpPr>
-          <p:nvPr/>
-        </p:nvCxnSpPr>
-        <p:spPr>
-          <a:xfrm flipH="1" flipV="1">
-            <a:off x="5842383" y="3424346"/>
-            <a:ext cx="915602" cy="628316"/>
-          </a:xfrm>
-          <a:prstGeom prst="straightConnector1">
-            <a:avLst/>
-          </a:prstGeom>
-          <a:ln>
-            <a:headEnd type="triangle"/>
-            <a:tailEnd type="triangle"/>
-          </a:ln>
-        </p:spPr>
-        <p:style>
-          <a:lnRef idx="1">
-            <a:schemeClr val="accent1"/>
-          </a:lnRef>
-          <a:fillRef idx="0">
-            <a:schemeClr val="accent1"/>
-          </a:fillRef>
-          <a:effectRef idx="0">
-            <a:schemeClr val="accent1"/>
-          </a:effectRef>
-          <a:fontRef idx="minor">
-            <a:schemeClr val="tx1"/>
-          </a:fontRef>
-        </p:style>
-      </p:cxnSp>
-      <p:cxnSp>
-        <p:nvCxnSpPr>
-          <p:cNvPr id="128" name="직선 화살표 연결선 127"/>
-          <p:cNvCxnSpPr>
-            <a:stCxn id="14" idx="3"/>
-            <a:endCxn id="12" idx="7"/>
-          </p:cNvCxnSpPr>
-          <p:nvPr/>
-        </p:nvCxnSpPr>
-        <p:spPr>
-          <a:xfrm flipH="1">
-            <a:off x="5842383" y="2041671"/>
-            <a:ext cx="915602" cy="736097"/>
-          </a:xfrm>
-          <a:prstGeom prst="straightConnector1">
-            <a:avLst/>
-          </a:prstGeom>
-          <a:ln>
-            <a:headEnd type="triangle"/>
-            <a:tailEnd type="triangle"/>
-          </a:ln>
-        </p:spPr>
-        <p:style>
-          <a:lnRef idx="1">
-            <a:schemeClr val="accent1"/>
-          </a:lnRef>
-          <a:fillRef idx="0">
-            <a:schemeClr val="accent1"/>
-          </a:fillRef>
-          <a:effectRef idx="0">
-            <a:schemeClr val="accent1"/>
-          </a:effectRef>
-          <a:fontRef idx="minor">
-            <a:schemeClr val="tx1"/>
-          </a:fontRef>
-        </p:style>
-      </p:cxnSp>
-      <p:sp>
-        <p:nvSpPr>
-          <p:cNvPr id="142" name="TextBox 141"/>
-          <p:cNvSpPr txBox="1"/>
-          <p:nvPr/>
-        </p:nvSpPr>
-        <p:spPr>
-          <a:xfrm>
-            <a:off x="4697173" y="2285777"/>
-            <a:ext cx="1640193" cy="600164"/>
-          </a:xfrm>
-          <a:prstGeom prst="rect">
-            <a:avLst/>
-          </a:prstGeom>
-          <a:noFill/>
-        </p:spPr>
-        <p:txBody>
-          <a:bodyPr wrap="none" rtlCol="0">
-            <a:spAutoFit/>
-          </a:bodyPr>
-          <a:lstStyle/>
-          <a:p>
-            <a:pPr algn="ctr"/>
-            <a:r>
-              <a:rPr lang="en-US" altLang="ko-KR" sz="1100" dirty="0" smtClean="0"/>
-              <a:t>change</a:t>
-            </a:r>
-          </a:p>
-          <a:p>
-            <a:pPr algn="ctr"/>
-            <a:r>
-              <a:rPr lang="en-US" altLang="ko-KR" sz="1100" dirty="0" smtClean="0"/>
-              <a:t>learn &lt;&gt; *run *secure </a:t>
-            </a:r>
-          </a:p>
-          <a:p>
-            <a:pPr algn="ctr"/>
-            <a:r>
-              <a:rPr lang="en-US" altLang="ko-KR" sz="1100" dirty="0" smtClean="0"/>
-              <a:t>mode</a:t>
-            </a:r>
-            <a:endParaRPr lang="ko-KR" altLang="en-US" sz="1100" dirty="0"/>
-          </a:p>
-        </p:txBody>
-      </p:sp>
-      <p:sp>
-        <p:nvSpPr>
-          <p:cNvPr id="144" name="TextBox 143"/>
-          <p:cNvSpPr txBox="1"/>
-          <p:nvPr/>
-        </p:nvSpPr>
-        <p:spPr>
-          <a:xfrm>
-            <a:off x="8049602" y="1718382"/>
-            <a:ext cx="3969356" cy="3139321"/>
-          </a:xfrm>
-          <a:prstGeom prst="rect">
-            <a:avLst/>
-          </a:prstGeom>
-          <a:noFill/>
-        </p:spPr>
-        <p:txBody>
-          <a:bodyPr wrap="none" rtlCol="0">
-            <a:spAutoFit/>
-          </a:bodyPr>
-          <a:lstStyle/>
+            <a:r>
+              <a:rPr lang="en-US" altLang="ko-KR" sz="1100" b="1" dirty="0" smtClean="0"/>
+              <a:t>[Client Program Guide]</a:t>
+            </a:r>
+          </a:p>
           <a:p>
             <a:pPr marL="171450" indent="-171450">
               <a:buFont typeface="Arial" panose="020B0604020202020204" pitchFamily="34" charset="0"/>
               <a:buChar char="•"/>
             </a:pPr>
             <a:r>
+              <a:rPr lang="en-US" altLang="ko-KR" sz="1100" b="1" dirty="0" smtClean="0"/>
+              <a:t>ID Input</a:t>
+            </a:r>
+            <a:r>
               <a:rPr lang="en-US" altLang="ko-KR" sz="1100" dirty="0" smtClean="0"/>
-              <a:t>logout: sever and client are disconnected. </a:t>
-            </a:r>
-          </a:p>
-          <a:p>
-            <a:r>
-              <a:rPr lang="en-US" altLang="ko-KR" sz="1100" dirty="0"/>
-              <a:t>	</a:t>
-            </a:r>
-            <a:r>
-              <a:rPr lang="en-US" altLang="ko-KR" sz="1100" dirty="0" smtClean="0"/>
-              <a:t>client can try to connect to server, </a:t>
-            </a:r>
-            <a:br>
-              <a:rPr lang="en-US" altLang="ko-KR" sz="1100" dirty="0" smtClean="0"/>
-            </a:br>
-            <a:r>
-              <a:rPr lang="en-US" altLang="ko-KR" sz="1100" dirty="0" smtClean="0"/>
-              <a:t>	and to send login request</a:t>
-            </a:r>
-          </a:p>
-          <a:p>
-            <a:endParaRPr lang="en-US" altLang="ko-KR" sz="1100" dirty="0" smtClean="0"/>
+              <a:t>: Input ID (Alphabet and number are accepted only)</a:t>
+            </a:r>
           </a:p>
           <a:p>
             <a:pPr marL="171450" indent="-171450">
@@ -5747,22 +5133,38 @@
               <a:buChar char="•"/>
             </a:pPr>
             <a:r>
+              <a:rPr lang="en-US" altLang="ko-KR" sz="1100" b="1" dirty="0" smtClean="0"/>
+              <a:t>Pass</a:t>
+            </a:r>
+            <a:r>
+              <a:rPr lang="en-US" altLang="ko-KR" sz="1100" b="1" dirty="0"/>
+              <a:t> </a:t>
+            </a:r>
+            <a:r>
+              <a:rPr lang="en-US" altLang="ko-KR" sz="1100" b="1" dirty="0" smtClean="0"/>
+              <a:t>Input</a:t>
+            </a:r>
+            <a:r>
               <a:rPr lang="en-US" altLang="ko-KR" sz="1100" dirty="0" smtClean="0"/>
-              <a:t>secure run: can securely receive the image data </a:t>
-            </a:r>
-          </a:p>
-          <a:p>
+              <a:t>: </a:t>
+            </a:r>
             <a:r>
               <a:rPr lang="en-US" altLang="ko-KR" sz="1100" dirty="0"/>
-              <a:t>	</a:t>
+              <a:t>Input Password (Minimum eight characters, at least one </a:t>
             </a:r>
             <a:r>
               <a:rPr lang="en-US" altLang="ko-KR" sz="1100" dirty="0" smtClean="0"/>
-              <a:t>generated from server camera</a:t>
-            </a:r>
-          </a:p>
-          <a:p>
-            <a:endParaRPr lang="en-US" altLang="ko-KR" sz="1100" dirty="0" smtClean="0"/>
+              <a:t>alphabet, </a:t>
+            </a:r>
+            <a:r>
+              <a:rPr lang="en-US" altLang="ko-KR" sz="1100" dirty="0"/>
+              <a:t>one number and one special </a:t>
+            </a:r>
+            <a:r>
+              <a:rPr lang="en-US" altLang="ko-KR" sz="1100" dirty="0" smtClean="0"/>
+              <a:t>character)</a:t>
+            </a:r>
+            <a:endParaRPr lang="en-US" altLang="ko-KR" sz="1100" dirty="0"/>
           </a:p>
           <a:p>
             <a:pPr marL="171450" indent="-171450">
@@ -5770,22 +5172,13 @@
               <a:buChar char="•"/>
             </a:pPr>
             <a:r>
+              <a:rPr lang="en-US" altLang="ko-KR" sz="1100" b="1" dirty="0" smtClean="0"/>
+              <a:t>Login Button</a:t>
+            </a:r>
+            <a:r>
               <a:rPr lang="en-US" altLang="ko-KR" sz="1100" dirty="0" smtClean="0"/>
-              <a:t>secure test run: can securely receive the image data</a:t>
-            </a:r>
-          </a:p>
-          <a:p>
-            <a:r>
-              <a:rPr lang="en-US" altLang="ko-KR" sz="1100" dirty="0"/>
-              <a:t>	</a:t>
-            </a:r>
-            <a:r>
-              <a:rPr lang="en-US" altLang="ko-KR" sz="1100" dirty="0" smtClean="0"/>
-              <a:t>generated from server media file</a:t>
-            </a:r>
-          </a:p>
-          <a:p>
-            <a:endParaRPr lang="en-US" altLang="ko-KR" sz="1100" dirty="0" smtClean="0"/>
+              <a:t>: Login with ID/PASS. connect with server</a:t>
+            </a:r>
           </a:p>
           <a:p>
             <a:pPr marL="171450" indent="-171450">
@@ -5793,18 +5186,13 @@
               <a:buChar char="•"/>
             </a:pPr>
             <a:r>
+              <a:rPr lang="en-US" altLang="ko-KR" sz="1100" b="1" dirty="0" smtClean="0"/>
+              <a:t>Logout Button</a:t>
+            </a:r>
+            <a:r>
               <a:rPr lang="en-US" altLang="ko-KR" sz="1100" dirty="0" smtClean="0"/>
-              <a:t>non secure run: can receive the image data </a:t>
-            </a:r>
-          </a:p>
-          <a:p>
-            <a:r>
-              <a:rPr lang="en-US" altLang="ko-KR" sz="1100" dirty="0" smtClean="0"/>
-              <a:t>	generated from server camera</a:t>
-            </a:r>
-          </a:p>
-          <a:p>
-            <a:endParaRPr lang="en-US" altLang="ko-KR" sz="1100" dirty="0" smtClean="0"/>
+              <a:t>: Logout. disconnect with server</a:t>
+            </a:r>
           </a:p>
           <a:p>
             <a:pPr marL="171450" indent="-171450">
@@ -5812,18 +5200,25 @@
               <a:buChar char="•"/>
             </a:pPr>
             <a:r>
+              <a:rPr lang="en-US" altLang="ko-KR" sz="1100" b="1" dirty="0" smtClean="0"/>
+              <a:t>Secure Mode Checkbox</a:t>
+            </a:r>
+            <a:r>
+              <a:rPr lang="en-US" altLang="ko-KR" sz="1100" dirty="0"/>
+              <a:t>: </a:t>
+            </a:r>
+            <a:r>
               <a:rPr lang="en-US" altLang="ko-KR" sz="1100" dirty="0" smtClean="0"/>
-              <a:t>non secure test run: can receive the image data</a:t>
-            </a:r>
-          </a:p>
-          <a:p>
+              <a:t>Represented </a:t>
+            </a:r>
+            <a:r>
+              <a:rPr lang="en-US" altLang="ko-KR" sz="1100" dirty="0"/>
+              <a:t>whether the photo is being transferred securely through TLS or not</a:t>
+            </a:r>
             <a:r>
               <a:rPr lang="en-US" altLang="ko-KR" sz="1100" dirty="0" smtClean="0"/>
-              <a:t>	generated from server media file</a:t>
-            </a:r>
-          </a:p>
-          <a:p>
-            <a:endParaRPr lang="en-US" altLang="ko-KR" sz="1100" dirty="0" smtClean="0"/>
+              <a:t>.</a:t>
+            </a:r>
           </a:p>
           <a:p>
             <a:pPr marL="171450" indent="-171450">
@@ -5831,8 +5226,48 @@
               <a:buChar char="•"/>
             </a:pPr>
             <a:r>
+              <a:rPr lang="en-US" altLang="ko-KR" sz="1100" b="1" dirty="0" smtClean="0"/>
+              <a:t>Test </a:t>
+            </a:r>
+            <a:r>
+              <a:rPr lang="en-US" altLang="ko-KR" sz="1100" b="1" dirty="0"/>
+              <a:t>Mode Checkbox</a:t>
+            </a:r>
+            <a:r>
+              <a:rPr lang="en-US" altLang="ko-KR" sz="1100" dirty="0"/>
+              <a:t>: </a:t>
+            </a:r>
+            <a:r>
               <a:rPr lang="en-US" altLang="ko-KR" sz="1100" dirty="0" smtClean="0"/>
-              <a:t>learn: can request for saving the current received image</a:t>
+              <a:t>Represented </a:t>
+            </a:r>
+            <a:r>
+              <a:rPr lang="en-US" altLang="ko-KR" sz="1100" dirty="0"/>
+              <a:t>the point where is generated of </a:t>
+            </a:r>
+            <a:r>
+              <a:rPr lang="en-US" altLang="ko-KR" sz="1100" dirty="0" smtClean="0"/>
+              <a:t>photo. checked – camera, unchecked – file</a:t>
+            </a:r>
+          </a:p>
+          <a:p>
+            <a:pPr marL="171450" indent="-171450">
+              <a:buFont typeface="Arial" panose="020B0604020202020204" pitchFamily="34" charset="0"/>
+              <a:buChar char="•"/>
+            </a:pPr>
+            <a:r>
+              <a:rPr lang="en-US" altLang="ko-KR" sz="1100" b="1" dirty="0" smtClean="0"/>
+              <a:t>Pause Button</a:t>
+            </a:r>
+            <a:r>
+              <a:rPr lang="en-US" altLang="ko-KR" sz="1100" dirty="0" smtClean="0"/>
+              <a:t>: The photo is stopped to register new person into the server. </a:t>
+            </a:r>
+          </a:p>
+          <a:p>
+            <a:r>
+              <a:rPr lang="en-US" altLang="ko-KR" sz="1100" dirty="0" smtClean="0"/>
+              <a:t>	Name Input would be enabled only when it’s pushed and the person exists with valid recognized face.</a:t>
             </a:r>
           </a:p>
           <a:p>
@@ -5842,15 +5277,77 @@
             </a:r>
             <a:r>
               <a:rPr lang="en-US" altLang="ko-KR" sz="1100" dirty="0" smtClean="0"/>
-              <a:t>with name to the server</a:t>
-            </a:r>
-          </a:p>
-        </p:txBody>
-      </p:sp>
+              <a:t>If you cannot get the </a:t>
+            </a:r>
+            <a:r>
+              <a:rPr lang="en-US" altLang="ko-KR" sz="1100" dirty="0"/>
+              <a:t>face recognized </a:t>
+            </a:r>
+            <a:r>
+              <a:rPr lang="en-US" altLang="ko-KR" sz="1100" dirty="0" smtClean="0"/>
+              <a:t>photo, resume and pause again.</a:t>
+            </a:r>
+            <a:endParaRPr lang="en-US" altLang="ko-KR" sz="1100" dirty="0" smtClean="0"/>
+          </a:p>
+          <a:p>
+            <a:pPr marL="171450" indent="-171450">
+              <a:buFont typeface="Arial" panose="020B0604020202020204" pitchFamily="34" charset="0"/>
+              <a:buChar char="•"/>
+            </a:pPr>
+            <a:r>
+              <a:rPr lang="en-US" altLang="ko-KR" sz="1100" b="1" dirty="0" smtClean="0"/>
+              <a:t>Name Input</a:t>
+            </a:r>
+            <a:r>
+              <a:rPr lang="en-US" altLang="ko-KR" sz="1100" dirty="0" smtClean="0"/>
+              <a:t>: The name of the person</a:t>
+            </a:r>
+          </a:p>
+          <a:p>
+            <a:pPr marL="171450" indent="-171450">
+              <a:buFont typeface="Arial" panose="020B0604020202020204" pitchFamily="34" charset="0"/>
+              <a:buChar char="•"/>
+            </a:pPr>
+            <a:r>
+              <a:rPr lang="en-US" altLang="ko-KR" sz="1100" b="1" dirty="0" smtClean="0"/>
+              <a:t>Learn Mode – Save Button</a:t>
+            </a:r>
+            <a:r>
+              <a:rPr lang="en-US" altLang="ko-KR" sz="1100" dirty="0" smtClean="0"/>
+              <a:t>: Request the saving of photo to the server</a:t>
+            </a:r>
+            <a:endParaRPr lang="en-US" altLang="ko-KR" sz="1100" dirty="0" smtClean="0"/>
+          </a:p>
+        </p:txBody>
+      </p:sp>
+      <p:pic>
+        <p:nvPicPr>
+          <p:cNvPr id="82" name="그림 81"/>
+          <p:cNvPicPr>
+            <a:picLocks noChangeAspect="1"/>
+          </p:cNvPicPr>
+          <p:nvPr/>
+        </p:nvPicPr>
+        <p:blipFill>
+          <a:blip r:embed="rId3"/>
+          <a:stretch>
+            <a:fillRect/>
+          </a:stretch>
+        </p:blipFill>
+        <p:spPr>
+          <a:xfrm>
+            <a:off x="5891147" y="196370"/>
+            <a:ext cx="4352235" cy="2618932"/>
+          </a:xfrm>
+          <a:prstGeom prst="rect">
+            <a:avLst/>
+          </a:prstGeom>
+        </p:spPr>
+      </p:pic>
     </p:spTree>
     <p:extLst>
       <p:ext uri="{BB962C8B-B14F-4D97-AF65-F5344CB8AC3E}">
-        <p14:creationId xmlns:p14="http://schemas.microsoft.com/office/powerpoint/2010/main" val="4226745596"/>
+        <p14:creationId xmlns:p14="http://schemas.microsoft.com/office/powerpoint/2010/main" val="2994346583"/>
       </p:ext>
     </p:extLst>
   </p:cSld>
@@ -5879,28 +5376,28 @@
       </p:grpSpPr>
       <p:sp>
         <p:nvSpPr>
-          <p:cNvPr id="15" name="순서도: 수행의 시작/종료 14"/>
+          <p:cNvPr id="4" name="타원 3"/>
           <p:cNvSpPr/>
           <p:nvPr/>
         </p:nvSpPr>
         <p:spPr>
           <a:xfrm>
-            <a:off x="7216362" y="306851"/>
-            <a:ext cx="1171852" cy="301752"/>
-          </a:xfrm>
-          <a:prstGeom prst="flowChartTerminator">
+            <a:off x="206433" y="2719260"/>
+            <a:ext cx="914400" cy="914400"/>
+          </a:xfrm>
+          <a:prstGeom prst="ellipse">
             <a:avLst/>
           </a:prstGeom>
         </p:spPr>
         <p:style>
           <a:lnRef idx="2">
-            <a:schemeClr val="accent1"/>
+            <a:schemeClr val="accent5"/>
           </a:lnRef>
           <a:fillRef idx="1">
             <a:schemeClr val="lt1"/>
           </a:fillRef>
           <a:effectRef idx="0">
-            <a:schemeClr val="accent1"/>
+            <a:schemeClr val="accent5"/>
           </a:effectRef>
           <a:fontRef idx="minor">
             <a:schemeClr val="dk1"/>
@@ -5912,37 +5409,37 @@
           <a:p>
             <a:pPr algn="ctr"/>
             <a:r>
-              <a:rPr lang="en-US" altLang="ko-KR" sz="1100" dirty="0" smtClean="0"/>
-              <a:t>Login button</a:t>
-            </a:r>
-            <a:endParaRPr lang="ko-KR" altLang="en-US" sz="1100" dirty="0"/>
-          </a:p>
-        </p:txBody>
-      </p:sp>
-      <p:sp>
-        <p:nvSpPr>
-          <p:cNvPr id="17" name="순서도: 처리 16"/>
+              <a:rPr lang="en-US" altLang="ko-KR" dirty="0" err="1" smtClean="0"/>
+              <a:t>init</a:t>
+            </a:r>
+            <a:endParaRPr lang="ko-KR" altLang="en-US" dirty="0"/>
+          </a:p>
+        </p:txBody>
+      </p:sp>
+      <p:sp>
+        <p:nvSpPr>
+          <p:cNvPr id="5" name="타원 4"/>
           <p:cNvSpPr/>
           <p:nvPr/>
         </p:nvSpPr>
         <p:spPr>
           <a:xfrm>
-            <a:off x="7216362" y="770128"/>
-            <a:ext cx="1171852" cy="443970"/>
-          </a:xfrm>
-          <a:prstGeom prst="flowChartProcess">
+            <a:off x="1397870" y="2719260"/>
+            <a:ext cx="914400" cy="914400"/>
+          </a:xfrm>
+          <a:prstGeom prst="ellipse">
             <a:avLst/>
           </a:prstGeom>
         </p:spPr>
         <p:style>
           <a:lnRef idx="2">
-            <a:schemeClr val="accent1"/>
+            <a:schemeClr val="accent5"/>
           </a:lnRef>
           <a:fillRef idx="1">
             <a:schemeClr val="lt1"/>
           </a:fillRef>
           <a:effectRef idx="0">
-            <a:schemeClr val="accent1"/>
+            <a:schemeClr val="accent5"/>
           </a:effectRef>
           <a:fontRef idx="minor">
             <a:schemeClr val="dk1"/>
@@ -5954,35 +5451,305 @@
           <a:p>
             <a:pPr algn="ctr"/>
             <a:r>
-              <a:rPr lang="en-US" altLang="ko-KR" sz="1100" dirty="0" smtClean="0"/>
-              <a:t>activated by</a:t>
-            </a:r>
-          </a:p>
+              <a:rPr lang="en-US" altLang="ko-KR" dirty="0" smtClean="0"/>
+              <a:t>logout</a:t>
+            </a:r>
+          </a:p>
+        </p:txBody>
+      </p:sp>
+      <p:sp>
+        <p:nvSpPr>
+          <p:cNvPr id="6" name="타원 5"/>
+          <p:cNvSpPr/>
+          <p:nvPr/>
+        </p:nvSpPr>
+        <p:spPr>
+          <a:xfrm>
+            <a:off x="220649" y="5527111"/>
+            <a:ext cx="914400" cy="914400"/>
+          </a:xfrm>
+          <a:prstGeom prst="ellipse">
+            <a:avLst/>
+          </a:prstGeom>
+        </p:spPr>
+        <p:style>
+          <a:lnRef idx="2">
+            <a:schemeClr val="accent5"/>
+          </a:lnRef>
+          <a:fillRef idx="1">
+            <a:schemeClr val="lt1"/>
+          </a:fillRef>
+          <a:effectRef idx="0">
+            <a:schemeClr val="accent5"/>
+          </a:effectRef>
+          <a:fontRef idx="minor">
+            <a:schemeClr val="dk1"/>
+          </a:fontRef>
+        </p:style>
+        <p:txBody>
+          <a:bodyPr wrap="none" rtlCol="0" anchor="ctr"/>
+          <a:lstStyle/>
           <a:p>
             <a:pPr algn="ctr"/>
             <a:r>
-              <a:rPr lang="en-US" altLang="ko-KR" sz="1100" dirty="0" smtClean="0"/>
-              <a:t>ID, PASS input</a:t>
+              <a:rPr lang="en-US" altLang="ko-KR" dirty="0" smtClean="0"/>
+              <a:t>end</a:t>
+            </a:r>
+            <a:endParaRPr lang="ko-KR" altLang="en-US" dirty="0"/>
+          </a:p>
+        </p:txBody>
+      </p:sp>
+      <p:sp>
+        <p:nvSpPr>
+          <p:cNvPr id="8" name="타원 7"/>
+          <p:cNvSpPr/>
+          <p:nvPr/>
+        </p:nvSpPr>
+        <p:spPr>
+          <a:xfrm>
+            <a:off x="3496067" y="1261182"/>
+            <a:ext cx="914400" cy="914400"/>
+          </a:xfrm>
+          <a:prstGeom prst="ellipse">
+            <a:avLst/>
+          </a:prstGeom>
+        </p:spPr>
+        <p:style>
+          <a:lnRef idx="2">
+            <a:schemeClr val="accent5"/>
+          </a:lnRef>
+          <a:fillRef idx="1">
+            <a:schemeClr val="lt1"/>
+          </a:fillRef>
+          <a:effectRef idx="0">
+            <a:schemeClr val="accent5"/>
+          </a:effectRef>
+          <a:fontRef idx="minor">
+            <a:schemeClr val="dk1"/>
+          </a:fontRef>
+        </p:style>
+        <p:txBody>
+          <a:bodyPr wrap="none" rtlCol="0" anchor="ctr"/>
+          <a:lstStyle/>
+          <a:p>
+            <a:pPr algn="ctr"/>
+            <a:r>
+              <a:rPr lang="en-US" altLang="ko-KR" dirty="0" smtClean="0"/>
+              <a:t>secure</a:t>
+            </a:r>
+          </a:p>
+          <a:p>
+            <a:pPr algn="ctr"/>
+            <a:r>
+              <a:rPr lang="en-US" altLang="ko-KR" dirty="0" smtClean="0"/>
+              <a:t>run</a:t>
+            </a:r>
+          </a:p>
+        </p:txBody>
+      </p:sp>
+      <p:sp>
+        <p:nvSpPr>
+          <p:cNvPr id="9" name="타원 8"/>
+          <p:cNvSpPr/>
+          <p:nvPr/>
+        </p:nvSpPr>
+        <p:spPr>
+          <a:xfrm>
+            <a:off x="3496067" y="3919760"/>
+            <a:ext cx="914400" cy="914400"/>
+          </a:xfrm>
+          <a:prstGeom prst="ellipse">
+            <a:avLst/>
+          </a:prstGeom>
+        </p:spPr>
+        <p:style>
+          <a:lnRef idx="2">
+            <a:schemeClr val="accent5"/>
+          </a:lnRef>
+          <a:fillRef idx="1">
+            <a:schemeClr val="lt1"/>
+          </a:fillRef>
+          <a:effectRef idx="0">
+            <a:schemeClr val="accent5"/>
+          </a:effectRef>
+          <a:fontRef idx="minor">
+            <a:schemeClr val="dk1"/>
+          </a:fontRef>
+        </p:style>
+        <p:txBody>
+          <a:bodyPr wrap="none" rtlCol="0" anchor="ctr"/>
+          <a:lstStyle/>
+          <a:p>
+            <a:pPr algn="ctr"/>
+            <a:r>
+              <a:rPr lang="en-US" altLang="ko-KR" dirty="0" smtClean="0"/>
+              <a:t>non secure</a:t>
+            </a:r>
+          </a:p>
+          <a:p>
+            <a:pPr algn="ctr"/>
+            <a:r>
+              <a:rPr lang="en-US" altLang="ko-KR" dirty="0" smtClean="0"/>
+              <a:t>run</a:t>
+            </a:r>
+          </a:p>
+        </p:txBody>
+      </p:sp>
+      <p:sp>
+        <p:nvSpPr>
+          <p:cNvPr id="12" name="타원 11"/>
+          <p:cNvSpPr/>
+          <p:nvPr/>
+        </p:nvSpPr>
+        <p:spPr>
+          <a:xfrm>
+            <a:off x="5061894" y="2643857"/>
+            <a:ext cx="914400" cy="914400"/>
+          </a:xfrm>
+          <a:prstGeom prst="ellipse">
+            <a:avLst/>
+          </a:prstGeom>
+        </p:spPr>
+        <p:style>
+          <a:lnRef idx="2">
+            <a:schemeClr val="accent5"/>
+          </a:lnRef>
+          <a:fillRef idx="1">
+            <a:schemeClr val="lt1"/>
+          </a:fillRef>
+          <a:effectRef idx="0">
+            <a:schemeClr val="accent5"/>
+          </a:effectRef>
+          <a:fontRef idx="minor">
+            <a:schemeClr val="dk1"/>
+          </a:fontRef>
+        </p:style>
+        <p:txBody>
+          <a:bodyPr wrap="none" rtlCol="0" anchor="ctr"/>
+          <a:lstStyle/>
+          <a:p>
+            <a:pPr algn="ctr"/>
+            <a:r>
+              <a:rPr lang="en-US" altLang="ko-KR" dirty="0" smtClean="0"/>
+              <a:t>learn</a:t>
+            </a:r>
+          </a:p>
+        </p:txBody>
+      </p:sp>
+      <p:sp>
+        <p:nvSpPr>
+          <p:cNvPr id="14" name="타원 13"/>
+          <p:cNvSpPr/>
+          <p:nvPr/>
+        </p:nvSpPr>
+        <p:spPr>
+          <a:xfrm>
+            <a:off x="6624074" y="1261182"/>
+            <a:ext cx="914400" cy="914400"/>
+          </a:xfrm>
+          <a:prstGeom prst="ellipse">
+            <a:avLst/>
+          </a:prstGeom>
+        </p:spPr>
+        <p:style>
+          <a:lnRef idx="2">
+            <a:schemeClr val="accent5"/>
+          </a:lnRef>
+          <a:fillRef idx="1">
+            <a:schemeClr val="lt1"/>
+          </a:fillRef>
+          <a:effectRef idx="0">
+            <a:schemeClr val="accent5"/>
+          </a:effectRef>
+          <a:fontRef idx="minor">
+            <a:schemeClr val="dk1"/>
+          </a:fontRef>
+        </p:style>
+        <p:txBody>
+          <a:bodyPr wrap="none" rtlCol="0" anchor="ctr"/>
+          <a:lstStyle/>
+          <a:p>
+            <a:pPr algn="ctr"/>
+            <a:r>
+              <a:rPr lang="en-US" altLang="ko-KR" dirty="0" smtClean="0"/>
+              <a:t>secure</a:t>
+            </a:r>
+          </a:p>
+          <a:p>
+            <a:pPr algn="ctr"/>
+            <a:r>
+              <a:rPr lang="en-US" altLang="ko-KR" dirty="0" smtClean="0"/>
+              <a:t>test run</a:t>
+            </a:r>
+          </a:p>
+        </p:txBody>
+      </p:sp>
+      <p:sp>
+        <p:nvSpPr>
+          <p:cNvPr id="15" name="타원 14"/>
+          <p:cNvSpPr/>
+          <p:nvPr/>
+        </p:nvSpPr>
+        <p:spPr>
+          <a:xfrm>
+            <a:off x="6624074" y="3918751"/>
+            <a:ext cx="914400" cy="914400"/>
+          </a:xfrm>
+          <a:prstGeom prst="ellipse">
+            <a:avLst/>
+          </a:prstGeom>
+        </p:spPr>
+        <p:style>
+          <a:lnRef idx="2">
+            <a:schemeClr val="accent5"/>
+          </a:lnRef>
+          <a:fillRef idx="1">
+            <a:schemeClr val="lt1"/>
+          </a:fillRef>
+          <a:effectRef idx="0">
+            <a:schemeClr val="accent5"/>
+          </a:effectRef>
+          <a:fontRef idx="minor">
+            <a:schemeClr val="dk1"/>
+          </a:fontRef>
+        </p:style>
+        <p:txBody>
+          <a:bodyPr wrap="none" rtlCol="0" anchor="ctr"/>
+          <a:lstStyle/>
+          <a:p>
+            <a:pPr algn="ctr"/>
+            <a:r>
+              <a:rPr lang="en-US" altLang="ko-KR" dirty="0" smtClean="0"/>
+              <a:t>non secure</a:t>
+            </a:r>
+          </a:p>
+          <a:p>
+            <a:pPr algn="ctr"/>
+            <a:r>
+              <a:rPr lang="en-US" altLang="ko-KR" dirty="0" smtClean="0"/>
+              <a:t>test run</a:t>
             </a:r>
           </a:p>
         </p:txBody>
       </p:sp>
       <p:cxnSp>
         <p:nvCxnSpPr>
-          <p:cNvPr id="46" name="직선 화살표 연결선 45"/>
+          <p:cNvPr id="17" name="구부러진 연결선 16"/>
           <p:cNvCxnSpPr>
-            <a:stCxn id="17" idx="2"/>
-            <a:endCxn id="54" idx="0"/>
+            <a:stCxn id="4" idx="7"/>
+            <a:endCxn id="5" idx="1"/>
           </p:cNvCxnSpPr>
           <p:nvPr/>
         </p:nvCxnSpPr>
         <p:spPr>
-          <a:xfrm>
-            <a:off x="7802288" y="1214098"/>
-            <a:ext cx="0" cy="204971"/>
-          </a:xfrm>
-          <a:prstGeom prst="straightConnector1">
-            <a:avLst/>
+          <a:xfrm rot="5400000" flipH="1" flipV="1">
+            <a:off x="1259351" y="2580742"/>
+            <a:ext cx="12700" cy="544859"/>
+          </a:xfrm>
+          <a:prstGeom prst="curvedConnector3">
+            <a:avLst>
+              <a:gd name="adj1" fmla="val 2854417"/>
+            </a:avLst>
           </a:prstGeom>
           <a:ln>
             <a:tailEnd type="triangle"/>
@@ -6005,222 +5772,111 @@
       </p:cxnSp>
       <p:sp>
         <p:nvSpPr>
-          <p:cNvPr id="54" name="순서도: 판단 53"/>
-          <p:cNvSpPr/>
+          <p:cNvPr id="18" name="TextBox 17"/>
+          <p:cNvSpPr txBox="1"/>
           <p:nvPr/>
         </p:nvSpPr>
         <p:spPr>
           <a:xfrm>
-            <a:off x="7345088" y="1419069"/>
-            <a:ext cx="914400" cy="485686"/>
-          </a:xfrm>
-          <a:prstGeom prst="flowChartDecision">
+            <a:off x="748647" y="2285777"/>
+            <a:ext cx="1066318" cy="261610"/>
+          </a:xfrm>
+          <a:prstGeom prst="rect">
             <a:avLst/>
           </a:prstGeom>
+          <a:noFill/>
+        </p:spPr>
+        <p:txBody>
+          <a:bodyPr wrap="none" rtlCol="0">
+            <a:spAutoFit/>
+          </a:bodyPr>
+          <a:lstStyle/>
+          <a:p>
+            <a:pPr algn="ctr"/>
+            <a:r>
+              <a:rPr lang="en-US" altLang="ko-KR" sz="1100" dirty="0" smtClean="0"/>
+              <a:t>start program</a:t>
+            </a:r>
+            <a:endParaRPr lang="ko-KR" altLang="en-US" sz="1100" dirty="0"/>
+          </a:p>
+        </p:txBody>
+      </p:sp>
+      <p:cxnSp>
+        <p:nvCxnSpPr>
+          <p:cNvPr id="19" name="구부러진 연결선 18"/>
+          <p:cNvCxnSpPr>
+            <a:stCxn id="5" idx="7"/>
+            <a:endCxn id="8" idx="2"/>
+          </p:cNvCxnSpPr>
+          <p:nvPr/>
+        </p:nvCxnSpPr>
+        <p:spPr>
+          <a:xfrm rot="5400000" flipH="1" flipV="1">
+            <a:off x="2269819" y="1626923"/>
+            <a:ext cx="1134789" cy="1317708"/>
+          </a:xfrm>
+          <a:prstGeom prst="curvedConnector2">
+            <a:avLst/>
+          </a:prstGeom>
+          <a:ln>
+            <a:tailEnd type="triangle"/>
+          </a:ln>
         </p:spPr>
         <p:style>
-          <a:lnRef idx="2">
+          <a:lnRef idx="1">
             <a:schemeClr val="accent1"/>
           </a:lnRef>
-          <a:fillRef idx="1">
-            <a:schemeClr val="lt1"/>
+          <a:fillRef idx="0">
+            <a:schemeClr val="accent1"/>
           </a:fillRef>
           <a:effectRef idx="0">
             <a:schemeClr val="accent1"/>
           </a:effectRef>
           <a:fontRef idx="minor">
-            <a:schemeClr val="dk1"/>
+            <a:schemeClr val="tx1"/>
           </a:fontRef>
         </p:style>
-        <p:txBody>
-          <a:bodyPr wrap="none" rtlCol="0" anchor="ctr"/>
-          <a:lstStyle/>
-          <a:p>
-            <a:pPr algn="ctr"/>
-            <a:r>
-              <a:rPr lang="en-US" altLang="ko-KR" sz="1100" dirty="0" smtClean="0"/>
-              <a:t>Pushed </a:t>
-            </a:r>
-          </a:p>
-          <a:p>
-            <a:pPr algn="ctr"/>
-            <a:r>
-              <a:rPr lang="en-US" altLang="ko-KR" sz="1100" dirty="0" smtClean="0"/>
-              <a:t>Login Button?</a:t>
-            </a:r>
-            <a:endParaRPr lang="ko-KR" altLang="en-US" sz="1100" dirty="0"/>
-          </a:p>
-        </p:txBody>
-      </p:sp>
-      <p:sp>
-        <p:nvSpPr>
-          <p:cNvPr id="57" name="순서도: 수행의 시작/종료 56"/>
-          <p:cNvSpPr/>
+      </p:cxnSp>
+      <p:sp>
+        <p:nvSpPr>
+          <p:cNvPr id="20" name="TextBox 19"/>
+          <p:cNvSpPr txBox="1"/>
           <p:nvPr/>
         </p:nvSpPr>
         <p:spPr>
           <a:xfrm>
-            <a:off x="3811279" y="1419069"/>
-            <a:ext cx="1171852" cy="301752"/>
-          </a:xfrm>
-          <a:prstGeom prst="flowChartTerminator">
+            <a:off x="2138253" y="1839943"/>
+            <a:ext cx="1031051" cy="600164"/>
+          </a:xfrm>
+          <a:prstGeom prst="rect">
             <a:avLst/>
           </a:prstGeom>
-        </p:spPr>
-        <p:style>
-          <a:lnRef idx="2">
-            <a:schemeClr val="accent1"/>
-          </a:lnRef>
-          <a:fillRef idx="1">
-            <a:schemeClr val="lt1"/>
-          </a:fillRef>
-          <a:effectRef idx="0">
-            <a:schemeClr val="accent1"/>
-          </a:effectRef>
-          <a:fontRef idx="minor">
-            <a:schemeClr val="dk1"/>
-          </a:fontRef>
-        </p:style>
-        <p:txBody>
-          <a:bodyPr wrap="none" rtlCol="0" anchor="ctr"/>
+          <a:noFill/>
+        </p:spPr>
+        <p:txBody>
+          <a:bodyPr wrap="none" rtlCol="0">
+            <a:spAutoFit/>
+          </a:bodyPr>
           <a:lstStyle/>
           <a:p>
             <a:pPr algn="ctr"/>
             <a:r>
               <a:rPr lang="en-US" altLang="ko-KR" sz="1100" dirty="0" smtClean="0"/>
-              <a:t>ID, PASS	 Input</a:t>
-            </a:r>
-            <a:endParaRPr lang="ko-KR" altLang="en-US" sz="1100" dirty="0"/>
-          </a:p>
-        </p:txBody>
-      </p:sp>
-      <p:sp>
-        <p:nvSpPr>
-          <p:cNvPr id="58" name="순서도: 처리 57"/>
-          <p:cNvSpPr/>
-          <p:nvPr/>
-        </p:nvSpPr>
-        <p:spPr>
-          <a:xfrm>
-            <a:off x="3940005" y="1882346"/>
-            <a:ext cx="914400" cy="260778"/>
-          </a:xfrm>
-          <a:prstGeom prst="flowChartProcess">
-            <a:avLst/>
-          </a:prstGeom>
-        </p:spPr>
-        <p:style>
-          <a:lnRef idx="2">
-            <a:schemeClr val="accent1"/>
-          </a:lnRef>
-          <a:fillRef idx="1">
-            <a:schemeClr val="lt1"/>
-          </a:fillRef>
-          <a:effectRef idx="0">
-            <a:schemeClr val="accent1"/>
-          </a:effectRef>
-          <a:fontRef idx="minor">
-            <a:schemeClr val="dk1"/>
-          </a:fontRef>
-        </p:style>
-        <p:txBody>
-          <a:bodyPr wrap="none" rtlCol="0" anchor="ctr"/>
-          <a:lstStyle/>
+              <a:t>connect and </a:t>
+            </a:r>
+          </a:p>
           <a:p>
             <a:pPr algn="ctr"/>
             <a:r>
               <a:rPr lang="en-US" altLang="ko-KR" sz="1100" dirty="0" smtClean="0"/>
-              <a:t>show it</a:t>
-            </a:r>
-          </a:p>
-        </p:txBody>
-      </p:sp>
-      <p:sp>
-        <p:nvSpPr>
-          <p:cNvPr id="59" name="순서도: 판단 58"/>
-          <p:cNvSpPr/>
-          <p:nvPr/>
-        </p:nvSpPr>
-        <p:spPr>
-          <a:xfrm>
-            <a:off x="3940005" y="2394071"/>
-            <a:ext cx="914400" cy="485686"/>
-          </a:xfrm>
-          <a:prstGeom prst="flowChartDecision">
-            <a:avLst/>
-          </a:prstGeom>
-        </p:spPr>
-        <p:style>
-          <a:lnRef idx="2">
-            <a:schemeClr val="accent1"/>
-          </a:lnRef>
-          <a:fillRef idx="1">
-            <a:schemeClr val="lt1"/>
-          </a:fillRef>
-          <a:effectRef idx="0">
-            <a:schemeClr val="accent1"/>
-          </a:effectRef>
-          <a:fontRef idx="minor">
-            <a:schemeClr val="dk1"/>
-          </a:fontRef>
-        </p:style>
-        <p:txBody>
-          <a:bodyPr wrap="none" rtlCol="0" anchor="ctr"/>
-          <a:lstStyle/>
+              <a:t>login success</a:t>
+            </a:r>
+          </a:p>
           <a:p>
             <a:pPr algn="ctr"/>
             <a:r>
               <a:rPr lang="en-US" altLang="ko-KR" sz="1100" dirty="0" smtClean="0"/>
-              <a:t>ID, PASS have some input?</a:t>
-            </a:r>
-            <a:endParaRPr lang="ko-KR" altLang="en-US" sz="1100" dirty="0"/>
-          </a:p>
-        </p:txBody>
-      </p:sp>
-      <p:sp>
-        <p:nvSpPr>
-          <p:cNvPr id="63" name="순서도: 처리 62"/>
-          <p:cNvSpPr/>
-          <p:nvPr/>
-        </p:nvSpPr>
-        <p:spPr>
-          <a:xfrm>
-            <a:off x="3456171" y="3089796"/>
-            <a:ext cx="914400" cy="394129"/>
-          </a:xfrm>
-          <a:prstGeom prst="flowChartProcess">
-            <a:avLst/>
-          </a:prstGeom>
-        </p:spPr>
-        <p:style>
-          <a:lnRef idx="2">
-            <a:schemeClr val="accent1"/>
-          </a:lnRef>
-          <a:fillRef idx="1">
-            <a:schemeClr val="lt1"/>
-          </a:fillRef>
-          <a:effectRef idx="0">
-            <a:schemeClr val="accent1"/>
-          </a:effectRef>
-          <a:fontRef idx="minor">
-            <a:schemeClr val="dk1"/>
-          </a:fontRef>
-        </p:style>
-        <p:txBody>
-          <a:bodyPr wrap="none" rtlCol="0" anchor="ctr"/>
-          <a:lstStyle/>
-          <a:p>
-            <a:pPr algn="ctr"/>
-            <a:r>
-              <a:rPr lang="en-US" altLang="ko-KR" sz="1100" dirty="0" smtClean="0"/>
-              <a:t>activate </a:t>
-            </a:r>
-          </a:p>
-          <a:p>
-            <a:pPr algn="ctr"/>
-            <a:r>
-              <a:rPr lang="en-US" altLang="ko-KR" sz="1100" dirty="0" smtClean="0"/>
-              <a:t>Login button</a:t>
+              <a:t>with server</a:t>
             </a:r>
             <a:endParaRPr lang="ko-KR" altLang="en-US" sz="1100" dirty="0"/>
           </a:p>
@@ -6228,20 +5884,22 @@
       </p:sp>
       <p:cxnSp>
         <p:nvCxnSpPr>
-          <p:cNvPr id="65" name="직선 화살표 연결선 64"/>
+          <p:cNvPr id="31" name="구부러진 연결선 30"/>
           <p:cNvCxnSpPr>
-            <a:stCxn id="59" idx="2"/>
-            <a:endCxn id="63" idx="0"/>
+            <a:stCxn id="8" idx="0"/>
+            <a:endCxn id="5" idx="0"/>
           </p:cNvCxnSpPr>
           <p:nvPr/>
         </p:nvCxnSpPr>
         <p:spPr>
-          <a:xfrm flipH="1">
-            <a:off x="3913371" y="2879757"/>
-            <a:ext cx="483834" cy="210039"/>
-          </a:xfrm>
-          <a:prstGeom prst="straightConnector1">
-            <a:avLst/>
+          <a:xfrm rot="16200000" flipH="1" flipV="1">
+            <a:off x="2175130" y="941122"/>
+            <a:ext cx="1458078" cy="2098197"/>
+          </a:xfrm>
+          <a:prstGeom prst="curvedConnector3">
+            <a:avLst>
+              <a:gd name="adj1" fmla="val -456"/>
+            </a:avLst>
           </a:prstGeom>
           <a:ln>
             <a:tailEnd type="triangle"/>
@@ -6264,20 +5922,22 @@
       </p:cxnSp>
       <p:cxnSp>
         <p:nvCxnSpPr>
-          <p:cNvPr id="66" name="직선 화살표 연결선 65"/>
+          <p:cNvPr id="35" name="구부러진 연결선 34"/>
           <p:cNvCxnSpPr>
-            <a:stCxn id="58" idx="2"/>
-            <a:endCxn id="59" idx="0"/>
+            <a:stCxn id="14" idx="0"/>
+            <a:endCxn id="5" idx="0"/>
           </p:cNvCxnSpPr>
           <p:nvPr/>
         </p:nvCxnSpPr>
         <p:spPr>
-          <a:xfrm>
-            <a:off x="4397205" y="2143124"/>
-            <a:ext cx="0" cy="250947"/>
-          </a:xfrm>
-          <a:prstGeom prst="straightConnector1">
-            <a:avLst/>
+          <a:xfrm rot="16200000" flipH="1" flipV="1">
+            <a:off x="3739133" y="-622881"/>
+            <a:ext cx="1458078" cy="5226204"/>
+          </a:xfrm>
+          <a:prstGeom prst="curvedConnector3">
+            <a:avLst>
+              <a:gd name="adj1" fmla="val -53427"/>
+            </a:avLst>
           </a:prstGeom>
           <a:ln>
             <a:tailEnd type="triangle"/>
@@ -6300,14 +5960,14 @@
       </p:cxnSp>
       <p:sp>
         <p:nvSpPr>
-          <p:cNvPr id="67" name="TextBox 66"/>
+          <p:cNvPr id="38" name="TextBox 37"/>
           <p:cNvSpPr txBox="1"/>
           <p:nvPr/>
         </p:nvSpPr>
         <p:spPr>
           <a:xfrm>
-            <a:off x="3896942" y="2731537"/>
-            <a:ext cx="352982" cy="230832"/>
+            <a:off x="2837213" y="961870"/>
+            <a:ext cx="604654" cy="261610"/>
           </a:xfrm>
           <a:prstGeom prst="rect">
             <a:avLst/>
@@ -6320,226 +5980,32 @@
           </a:bodyPr>
           <a:lstStyle/>
           <a:p>
-            <a:r>
-              <a:rPr lang="en-US" altLang="ko-KR" sz="900" dirty="0" smtClean="0"/>
-              <a:t>yes</a:t>
-            </a:r>
-            <a:endParaRPr lang="ko-KR" altLang="en-US" sz="900" dirty="0"/>
+            <a:pPr algn="ctr"/>
+            <a:r>
+              <a:rPr lang="en-US" altLang="ko-KR" sz="1100" dirty="0" smtClean="0"/>
+              <a:t>logout</a:t>
+            </a:r>
+            <a:endParaRPr lang="ko-KR" altLang="en-US" sz="1100" dirty="0"/>
           </a:p>
         </p:txBody>
       </p:sp>
       <p:cxnSp>
         <p:nvCxnSpPr>
-          <p:cNvPr id="68" name="직선 화살표 연결선 67"/>
+          <p:cNvPr id="42" name="구부러진 연결선 41"/>
           <p:cNvCxnSpPr>
-            <a:stCxn id="57" idx="2"/>
-            <a:endCxn id="58" idx="0"/>
+            <a:stCxn id="9" idx="4"/>
+            <a:endCxn id="5" idx="4"/>
           </p:cNvCxnSpPr>
           <p:nvPr/>
         </p:nvCxnSpPr>
         <p:spPr>
-          <a:xfrm>
-            <a:off x="4397205" y="1720821"/>
-            <a:ext cx="0" cy="161525"/>
-          </a:xfrm>
-          <a:prstGeom prst="straightConnector1">
-            <a:avLst/>
-          </a:prstGeom>
-          <a:ln>
-            <a:tailEnd type="triangle"/>
-          </a:ln>
-        </p:spPr>
-        <p:style>
-          <a:lnRef idx="1">
-            <a:schemeClr val="accent1"/>
-          </a:lnRef>
-          <a:fillRef idx="0">
-            <a:schemeClr val="accent1"/>
-          </a:fillRef>
-          <a:effectRef idx="0">
-            <a:schemeClr val="accent1"/>
-          </a:effectRef>
-          <a:fontRef idx="minor">
-            <a:schemeClr val="tx1"/>
-          </a:fontRef>
-        </p:style>
-      </p:cxnSp>
-      <p:sp>
-        <p:nvSpPr>
-          <p:cNvPr id="91" name="순서도: 처리 90"/>
-          <p:cNvSpPr/>
-          <p:nvPr/>
-        </p:nvSpPr>
-        <p:spPr>
-          <a:xfrm>
-            <a:off x="4573696" y="3089796"/>
-            <a:ext cx="914400" cy="394129"/>
-          </a:xfrm>
-          <a:prstGeom prst="flowChartProcess">
-            <a:avLst/>
-          </a:prstGeom>
-        </p:spPr>
-        <p:style>
-          <a:lnRef idx="2">
-            <a:schemeClr val="accent1"/>
-          </a:lnRef>
-          <a:fillRef idx="1">
-            <a:schemeClr val="lt1"/>
-          </a:fillRef>
-          <a:effectRef idx="0">
-            <a:schemeClr val="accent1"/>
-          </a:effectRef>
-          <a:fontRef idx="minor">
-            <a:schemeClr val="dk1"/>
-          </a:fontRef>
-        </p:style>
-        <p:txBody>
-          <a:bodyPr wrap="none" rtlCol="0" anchor="ctr"/>
-          <a:lstStyle/>
-          <a:p>
-            <a:pPr algn="ctr"/>
-            <a:r>
-              <a:rPr lang="en-US" altLang="ko-KR" sz="1100" dirty="0" smtClean="0"/>
-              <a:t>deactivate </a:t>
-            </a:r>
-          </a:p>
-          <a:p>
-            <a:pPr algn="ctr"/>
-            <a:r>
-              <a:rPr lang="en-US" altLang="ko-KR" sz="1100" dirty="0" smtClean="0"/>
-              <a:t>Login button</a:t>
-            </a:r>
-            <a:endParaRPr lang="ko-KR" altLang="en-US" sz="1100" dirty="0"/>
-          </a:p>
-        </p:txBody>
-      </p:sp>
-      <p:cxnSp>
-        <p:nvCxnSpPr>
-          <p:cNvPr id="92" name="직선 화살표 연결선 91"/>
-          <p:cNvCxnSpPr>
-            <a:stCxn id="59" idx="2"/>
-            <a:endCxn id="91" idx="0"/>
-          </p:cNvCxnSpPr>
-          <p:nvPr/>
-        </p:nvCxnSpPr>
-        <p:spPr>
-          <a:xfrm>
-            <a:off x="4397205" y="2879757"/>
-            <a:ext cx="633691" cy="210039"/>
-          </a:xfrm>
-          <a:prstGeom prst="straightConnector1">
-            <a:avLst/>
-          </a:prstGeom>
-          <a:ln>
-            <a:tailEnd type="triangle"/>
-          </a:ln>
-        </p:spPr>
-        <p:style>
-          <a:lnRef idx="1">
-            <a:schemeClr val="accent1"/>
-          </a:lnRef>
-          <a:fillRef idx="0">
-            <a:schemeClr val="accent1"/>
-          </a:fillRef>
-          <a:effectRef idx="0">
-            <a:schemeClr val="accent1"/>
-          </a:effectRef>
-          <a:fontRef idx="minor">
-            <a:schemeClr val="tx1"/>
-          </a:fontRef>
-        </p:style>
-      </p:cxnSp>
-      <p:sp>
-        <p:nvSpPr>
-          <p:cNvPr id="95" name="TextBox 94"/>
-          <p:cNvSpPr txBox="1"/>
-          <p:nvPr/>
-        </p:nvSpPr>
-        <p:spPr>
-          <a:xfrm>
-            <a:off x="4670099" y="2722348"/>
-            <a:ext cx="320922" cy="230832"/>
-          </a:xfrm>
-          <a:prstGeom prst="rect">
-            <a:avLst/>
-          </a:prstGeom>
-          <a:noFill/>
-        </p:spPr>
-        <p:txBody>
-          <a:bodyPr wrap="none" rtlCol="0">
-            <a:spAutoFit/>
-          </a:bodyPr>
-          <a:lstStyle/>
-          <a:p>
-            <a:r>
-              <a:rPr lang="en-US" altLang="ko-KR" sz="900" dirty="0" smtClean="0"/>
-              <a:t>no</a:t>
-            </a:r>
-            <a:endParaRPr lang="ko-KR" altLang="en-US" sz="900" dirty="0"/>
-          </a:p>
-        </p:txBody>
-      </p:sp>
-      <p:sp>
-        <p:nvSpPr>
-          <p:cNvPr id="113" name="순서도: 처리 112"/>
-          <p:cNvSpPr/>
-          <p:nvPr/>
-        </p:nvSpPr>
-        <p:spPr>
-          <a:xfrm>
-            <a:off x="4312867" y="2116988"/>
-            <a:ext cx="168676" cy="196686"/>
-          </a:xfrm>
-          <a:prstGeom prst="flowChartProcess">
-            <a:avLst/>
-          </a:prstGeom>
-          <a:noFill/>
-          <a:ln>
-            <a:noFill/>
-          </a:ln>
-        </p:spPr>
-        <p:style>
-          <a:lnRef idx="2">
-            <a:schemeClr val="accent1">
-              <a:shade val="50000"/>
-            </a:schemeClr>
-          </a:lnRef>
-          <a:fillRef idx="1">
-            <a:schemeClr val="accent1"/>
-          </a:fillRef>
-          <a:effectRef idx="0">
-            <a:schemeClr val="accent1"/>
-          </a:effectRef>
-          <a:fontRef idx="minor">
-            <a:schemeClr val="lt1"/>
-          </a:fontRef>
-        </p:style>
-        <p:txBody>
-          <a:bodyPr rtlCol="0" anchor="ctr"/>
-          <a:lstStyle/>
-          <a:p>
-            <a:pPr algn="ctr"/>
-            <a:endParaRPr lang="ko-KR" altLang="en-US"/>
-          </a:p>
-        </p:txBody>
-      </p:sp>
-      <p:cxnSp>
-        <p:nvCxnSpPr>
-          <p:cNvPr id="115" name="꺾인 연결선 114"/>
-          <p:cNvCxnSpPr>
-            <a:stCxn id="91" idx="3"/>
-            <a:endCxn id="113" idx="3"/>
-          </p:cNvCxnSpPr>
-          <p:nvPr/>
-        </p:nvCxnSpPr>
-        <p:spPr>
-          <a:xfrm flipH="1" flipV="1">
-            <a:off x="4481543" y="2215331"/>
-            <a:ext cx="1006553" cy="1071530"/>
-          </a:xfrm>
-          <a:prstGeom prst="bentConnector3">
+          <a:xfrm rot="5400000" flipH="1">
+            <a:off x="2303919" y="3184812"/>
+            <a:ext cx="1200500" cy="2098197"/>
+          </a:xfrm>
+          <a:prstGeom prst="curvedConnector3">
             <a:avLst>
-              <a:gd name="adj1" fmla="val -22711"/>
+              <a:gd name="adj1" fmla="val -1294"/>
             </a:avLst>
           </a:prstGeom>
           <a:ln>
@@ -6563,21 +6029,21 @@
       </p:cxnSp>
       <p:cxnSp>
         <p:nvCxnSpPr>
-          <p:cNvPr id="116" name="꺾인 연결선 115"/>
+          <p:cNvPr id="43" name="구부러진 연결선 42"/>
           <p:cNvCxnSpPr>
-            <a:stCxn id="63" idx="1"/>
-            <a:endCxn id="113" idx="1"/>
+            <a:stCxn id="15" idx="4"/>
+            <a:endCxn id="5" idx="4"/>
           </p:cNvCxnSpPr>
           <p:nvPr/>
         </p:nvCxnSpPr>
         <p:spPr>
-          <a:xfrm rot="10800000" flipH="1">
-            <a:off x="3456171" y="2215331"/>
-            <a:ext cx="856696" cy="1071530"/>
-          </a:xfrm>
-          <a:prstGeom prst="bentConnector3">
+          <a:xfrm rot="5400000" flipH="1">
+            <a:off x="3868426" y="1620304"/>
+            <a:ext cx="1199491" cy="5226204"/>
+          </a:xfrm>
+          <a:prstGeom prst="curvedConnector3">
             <a:avLst>
-              <a:gd name="adj1" fmla="val -26684"/>
+              <a:gd name="adj1" fmla="val -55324"/>
             </a:avLst>
           </a:prstGeom>
           <a:ln>
@@ -6601,41 +6067,30 @@
       </p:cxnSp>
       <p:sp>
         <p:nvSpPr>
-          <p:cNvPr id="120" name="순서도: 판단 119"/>
-          <p:cNvSpPr/>
+          <p:cNvPr id="48" name="TextBox 47"/>
+          <p:cNvSpPr txBox="1"/>
           <p:nvPr/>
         </p:nvSpPr>
         <p:spPr>
           <a:xfrm>
-            <a:off x="7345088" y="2704565"/>
-            <a:ext cx="914400" cy="485686"/>
-          </a:xfrm>
-          <a:prstGeom prst="flowChartDecision">
+            <a:off x="2753726" y="4833151"/>
+            <a:ext cx="604654" cy="261610"/>
+          </a:xfrm>
+          <a:prstGeom prst="rect">
             <a:avLst/>
           </a:prstGeom>
-        </p:spPr>
-        <p:style>
-          <a:lnRef idx="2">
-            <a:schemeClr val="accent1"/>
-          </a:lnRef>
-          <a:fillRef idx="1">
-            <a:schemeClr val="lt1"/>
-          </a:fillRef>
-          <a:effectRef idx="0">
-            <a:schemeClr val="accent1"/>
-          </a:effectRef>
-          <a:fontRef idx="minor">
-            <a:schemeClr val="dk1"/>
-          </a:fontRef>
-        </p:style>
-        <p:txBody>
-          <a:bodyPr wrap="none" rtlCol="0" anchor="ctr"/>
+          <a:noFill/>
+        </p:spPr>
+        <p:txBody>
+          <a:bodyPr wrap="none" rtlCol="0">
+            <a:spAutoFit/>
+          </a:bodyPr>
           <a:lstStyle/>
           <a:p>
             <a:pPr algn="ctr"/>
             <a:r>
               <a:rPr lang="en-US" altLang="ko-KR" sz="1100" dirty="0" smtClean="0"/>
-              <a:t>Login success?</a:t>
+              <a:t>logout</a:t>
             </a:r>
             <a:endParaRPr lang="ko-KR" altLang="en-US" sz="1100" dirty="0"/>
           </a:p>
@@ -6643,48 +6098,44 @@
       </p:sp>
       <p:sp>
         <p:nvSpPr>
-          <p:cNvPr id="121" name="순서도: 판단 120"/>
-          <p:cNvSpPr/>
+          <p:cNvPr id="50" name="TextBox 49"/>
+          <p:cNvSpPr txBox="1"/>
           <p:nvPr/>
         </p:nvSpPr>
         <p:spPr>
           <a:xfrm>
-            <a:off x="7345088" y="2098228"/>
-            <a:ext cx="914400" cy="485686"/>
-          </a:xfrm>
-          <a:prstGeom prst="flowChartDecision">
+            <a:off x="3321304" y="2679296"/>
+            <a:ext cx="1311578" cy="600164"/>
+          </a:xfrm>
+          <a:prstGeom prst="rect">
             <a:avLst/>
           </a:prstGeom>
-        </p:spPr>
-        <p:style>
-          <a:lnRef idx="2">
-            <a:schemeClr val="accent1"/>
-          </a:lnRef>
-          <a:fillRef idx="1">
-            <a:schemeClr val="lt1"/>
-          </a:fillRef>
-          <a:effectRef idx="0">
-            <a:schemeClr val="accent1"/>
-          </a:effectRef>
-          <a:fontRef idx="minor">
-            <a:schemeClr val="dk1"/>
-          </a:fontRef>
-        </p:style>
-        <p:txBody>
-          <a:bodyPr wrap="none" rtlCol="0" anchor="ctr"/>
+          <a:noFill/>
+        </p:spPr>
+        <p:txBody>
+          <a:bodyPr wrap="none" rtlCol="0">
+            <a:spAutoFit/>
+          </a:bodyPr>
           <a:lstStyle/>
           <a:p>
             <a:pPr algn="ctr"/>
             <a:r>
               <a:rPr lang="en-US" altLang="ko-KR" sz="1100" dirty="0" smtClean="0"/>
-              <a:t>try to connect to server</a:t>
+              <a:t>change</a:t>
             </a:r>
           </a:p>
           <a:p>
             <a:pPr algn="ctr"/>
             <a:r>
               <a:rPr lang="en-US" altLang="ko-KR" sz="1100" dirty="0" smtClean="0"/>
-              <a:t>connection success?</a:t>
+              <a:t>secure &lt;&gt;</a:t>
+            </a:r>
+          </a:p>
+          <a:p>
+            <a:pPr algn="ctr"/>
+            <a:r>
+              <a:rPr lang="en-US" altLang="ko-KR" sz="1100" dirty="0" smtClean="0"/>
+              <a:t>non secure mode</a:t>
             </a:r>
             <a:endParaRPr lang="ko-KR" altLang="en-US" sz="1100" dirty="0"/>
           </a:p>
@@ -6692,132 +6143,23 @@
       </p:sp>
       <p:cxnSp>
         <p:nvCxnSpPr>
-          <p:cNvPr id="128" name="직선 화살표 연결선 127"/>
+          <p:cNvPr id="76" name="직선 화살표 연결선 75"/>
           <p:cNvCxnSpPr>
-            <a:stCxn id="54" idx="2"/>
-            <a:endCxn id="121" idx="0"/>
+            <a:stCxn id="8" idx="4"/>
+            <a:endCxn id="9" idx="0"/>
           </p:cNvCxnSpPr>
           <p:nvPr/>
         </p:nvCxnSpPr>
         <p:spPr>
           <a:xfrm>
-            <a:off x="7802288" y="1904755"/>
-            <a:ext cx="0" cy="193473"/>
+            <a:off x="3953267" y="2175582"/>
+            <a:ext cx="0" cy="1744178"/>
           </a:xfrm>
           <a:prstGeom prst="straightConnector1">
             <a:avLst/>
           </a:prstGeom>
           <a:ln>
-            <a:tailEnd type="triangle"/>
-          </a:ln>
-        </p:spPr>
-        <p:style>
-          <a:lnRef idx="1">
-            <a:schemeClr val="accent1"/>
-          </a:lnRef>
-          <a:fillRef idx="0">
-            <a:schemeClr val="accent1"/>
-          </a:fillRef>
-          <a:effectRef idx="0">
-            <a:schemeClr val="accent1"/>
-          </a:effectRef>
-          <a:fontRef idx="minor">
-            <a:schemeClr val="tx1"/>
-          </a:fontRef>
-        </p:style>
-      </p:cxnSp>
-      <p:sp>
-        <p:nvSpPr>
-          <p:cNvPr id="129" name="TextBox 128"/>
-          <p:cNvSpPr txBox="1"/>
-          <p:nvPr/>
-        </p:nvSpPr>
-        <p:spPr>
-          <a:xfrm>
-            <a:off x="7820760" y="1903134"/>
-            <a:ext cx="352982" cy="230832"/>
-          </a:xfrm>
-          <a:prstGeom prst="rect">
-            <a:avLst/>
-          </a:prstGeom>
-          <a:noFill/>
-        </p:spPr>
-        <p:txBody>
-          <a:bodyPr wrap="none" rtlCol="0">
-            <a:spAutoFit/>
-          </a:bodyPr>
-          <a:lstStyle/>
-          <a:p>
-            <a:r>
-              <a:rPr lang="en-US" altLang="ko-KR" sz="900" dirty="0" smtClean="0"/>
-              <a:t>yes</a:t>
-            </a:r>
-            <a:endParaRPr lang="ko-KR" altLang="en-US" sz="900" dirty="0"/>
-          </a:p>
-        </p:txBody>
-      </p:sp>
-      <p:sp>
-        <p:nvSpPr>
-          <p:cNvPr id="134" name="순서도: 처리 133"/>
-          <p:cNvSpPr/>
-          <p:nvPr/>
-        </p:nvSpPr>
-        <p:spPr>
-          <a:xfrm>
-            <a:off x="7684494" y="1220762"/>
-            <a:ext cx="168676" cy="196686"/>
-          </a:xfrm>
-          <a:prstGeom prst="flowChartProcess">
-            <a:avLst/>
-          </a:prstGeom>
-          <a:noFill/>
-          <a:ln>
-            <a:noFill/>
-          </a:ln>
-        </p:spPr>
-        <p:style>
-          <a:lnRef idx="2">
-            <a:schemeClr val="accent1">
-              <a:shade val="50000"/>
-            </a:schemeClr>
-          </a:lnRef>
-          <a:fillRef idx="1">
-            <a:schemeClr val="accent1"/>
-          </a:fillRef>
-          <a:effectRef idx="0">
-            <a:schemeClr val="accent1"/>
-          </a:effectRef>
-          <a:fontRef idx="minor">
-            <a:schemeClr val="lt1"/>
-          </a:fontRef>
-        </p:style>
-        <p:txBody>
-          <a:bodyPr rtlCol="0" anchor="ctr"/>
-          <a:lstStyle/>
-          <a:p>
-            <a:pPr algn="ctr"/>
-            <a:endParaRPr lang="ko-KR" altLang="en-US"/>
-          </a:p>
-        </p:txBody>
-      </p:sp>
-      <p:cxnSp>
-        <p:nvCxnSpPr>
-          <p:cNvPr id="138" name="직선 화살표 연결선 137"/>
-          <p:cNvCxnSpPr>
-            <a:stCxn id="15" idx="2"/>
-            <a:endCxn id="17" idx="0"/>
-          </p:cNvCxnSpPr>
-          <p:nvPr/>
-        </p:nvCxnSpPr>
-        <p:spPr>
-          <a:xfrm>
-            <a:off x="7802288" y="608603"/>
-            <a:ext cx="0" cy="161525"/>
-          </a:xfrm>
-          <a:prstGeom prst="straightConnector1">
-            <a:avLst/>
-          </a:prstGeom>
-          <a:ln>
+            <a:headEnd type="triangle"/>
             <a:tailEnd type="triangle"/>
           </a:ln>
         </p:spPr>
@@ -6838,24 +6180,23 @@
       </p:cxnSp>
       <p:cxnSp>
         <p:nvCxnSpPr>
-          <p:cNvPr id="141" name="꺾인 연결선 140"/>
+          <p:cNvPr id="78" name="직선 화살표 연결선 77"/>
           <p:cNvCxnSpPr>
-            <a:stCxn id="54" idx="1"/>
-            <a:endCxn id="134" idx="1"/>
+            <a:stCxn id="14" idx="4"/>
+            <a:endCxn id="15" idx="0"/>
           </p:cNvCxnSpPr>
           <p:nvPr/>
         </p:nvCxnSpPr>
         <p:spPr>
-          <a:xfrm rot="10800000" flipH="1">
-            <a:off x="7345088" y="1319106"/>
-            <a:ext cx="339406" cy="342807"/>
-          </a:xfrm>
-          <a:prstGeom prst="bentConnector3">
-            <a:avLst>
-              <a:gd name="adj1" fmla="val -67353"/>
-            </a:avLst>
+          <a:xfrm>
+            <a:off x="7081274" y="2175582"/>
+            <a:ext cx="0" cy="1743169"/>
+          </a:xfrm>
+          <a:prstGeom prst="straightConnector1">
+            <a:avLst/>
           </a:prstGeom>
           <a:ln>
+            <a:headEnd type="triangle"/>
             <a:tailEnd type="triangle"/>
           </a:ln>
         </p:spPr>
@@ -6876,14 +6217,14 @@
       </p:cxnSp>
       <p:sp>
         <p:nvSpPr>
-          <p:cNvPr id="144" name="TextBox 143"/>
+          <p:cNvPr id="82" name="TextBox 81"/>
           <p:cNvSpPr txBox="1"/>
           <p:nvPr/>
         </p:nvSpPr>
         <p:spPr>
           <a:xfrm>
-            <a:off x="6856851" y="1375093"/>
-            <a:ext cx="320922" cy="230832"/>
+            <a:off x="6465590" y="2679296"/>
+            <a:ext cx="1311578" cy="600164"/>
           </a:xfrm>
           <a:prstGeom prst="rect">
             <a:avLst/>
@@ -6896,269 +6237,136 @@
           </a:bodyPr>
           <a:lstStyle/>
           <a:p>
-            <a:r>
-              <a:rPr lang="en-US" altLang="ko-KR" sz="900" dirty="0" smtClean="0"/>
-              <a:t>no</a:t>
-            </a:r>
-            <a:endParaRPr lang="ko-KR" altLang="en-US" sz="900" dirty="0"/>
-          </a:p>
-        </p:txBody>
-      </p:sp>
-      <p:sp>
-        <p:nvSpPr>
-          <p:cNvPr id="147" name="순서도: 처리 146"/>
-          <p:cNvSpPr/>
+            <a:pPr algn="ctr"/>
+            <a:r>
+              <a:rPr lang="en-US" altLang="ko-KR" sz="1100" dirty="0" smtClean="0"/>
+              <a:t>change</a:t>
+            </a:r>
+          </a:p>
+          <a:p>
+            <a:r>
+              <a:rPr lang="en-US" altLang="ko-KR" sz="1100" dirty="0" smtClean="0"/>
+              <a:t>secure &lt;&gt;</a:t>
+            </a:r>
+          </a:p>
+          <a:p>
+            <a:r>
+              <a:rPr lang="en-US" altLang="ko-KR" sz="1100" dirty="0" smtClean="0"/>
+              <a:t>non secure mode</a:t>
+            </a:r>
+            <a:endParaRPr lang="ko-KR" altLang="en-US" sz="1100" dirty="0"/>
+          </a:p>
+        </p:txBody>
+      </p:sp>
+      <p:sp>
+        <p:nvSpPr>
+          <p:cNvPr id="83" name="TextBox 82"/>
+          <p:cNvSpPr txBox="1"/>
           <p:nvPr/>
         </p:nvSpPr>
         <p:spPr>
           <a:xfrm>
-            <a:off x="8641906" y="2405335"/>
-            <a:ext cx="2002419" cy="510467"/>
-          </a:xfrm>
-          <a:prstGeom prst="flowChartProcess">
+            <a:off x="4921594" y="1345156"/>
+            <a:ext cx="1191352" cy="600164"/>
+          </a:xfrm>
+          <a:prstGeom prst="rect">
             <a:avLst/>
           </a:prstGeom>
-        </p:spPr>
-        <p:style>
-          <a:lnRef idx="2">
-            <a:schemeClr val="accent1"/>
-          </a:lnRef>
-          <a:fillRef idx="1">
-            <a:schemeClr val="lt1"/>
-          </a:fillRef>
-          <a:effectRef idx="0">
-            <a:schemeClr val="accent1"/>
-          </a:effectRef>
-          <a:fontRef idx="minor">
-            <a:schemeClr val="dk1"/>
-          </a:fontRef>
-        </p:style>
-        <p:txBody>
-          <a:bodyPr wrap="none" rtlCol="0" anchor="ctr"/>
+          <a:noFill/>
+        </p:spPr>
+        <p:txBody>
+          <a:bodyPr wrap="none" rtlCol="0">
+            <a:spAutoFit/>
+          </a:bodyPr>
           <a:lstStyle/>
           <a:p>
             <a:pPr algn="ctr"/>
             <a:r>
               <a:rPr lang="en-US" altLang="ko-KR" sz="1100" dirty="0" smtClean="0"/>
-              <a:t>ID, PASS input makes empty</a:t>
+              <a:t>change</a:t>
             </a:r>
           </a:p>
           <a:p>
             <a:pPr algn="ctr"/>
             <a:r>
               <a:rPr lang="en-US" altLang="ko-KR" sz="1100" dirty="0" smtClean="0"/>
-              <a:t>deactivate Login button</a:t>
+              <a:t>run &lt;&gt; test run</a:t>
             </a:r>
           </a:p>
           <a:p>
             <a:pPr algn="ctr"/>
             <a:r>
               <a:rPr lang="en-US" altLang="ko-KR" sz="1100" dirty="0" smtClean="0"/>
-              <a:t>Alert</a:t>
-            </a:r>
-          </a:p>
-        </p:txBody>
-      </p:sp>
-      <p:sp>
-        <p:nvSpPr>
-          <p:cNvPr id="148" name="순서도: 처리 147"/>
-          <p:cNvSpPr/>
+              <a:t>mode</a:t>
+            </a:r>
+            <a:endParaRPr lang="ko-KR" altLang="en-US" sz="1100" dirty="0"/>
+          </a:p>
+        </p:txBody>
+      </p:sp>
+      <p:sp>
+        <p:nvSpPr>
+          <p:cNvPr id="84" name="TextBox 83"/>
+          <p:cNvSpPr txBox="1"/>
           <p:nvPr/>
         </p:nvSpPr>
         <p:spPr>
           <a:xfrm>
-            <a:off x="6648377" y="3363734"/>
-            <a:ext cx="2307822" cy="497733"/>
-          </a:xfrm>
-          <a:prstGeom prst="flowChartProcess">
+            <a:off x="4975522" y="4143329"/>
+            <a:ext cx="1191352" cy="600164"/>
+          </a:xfrm>
+          <a:prstGeom prst="rect">
             <a:avLst/>
           </a:prstGeom>
-        </p:spPr>
-        <p:style>
-          <a:lnRef idx="2">
-            <a:schemeClr val="accent1"/>
-          </a:lnRef>
-          <a:fillRef idx="1">
-            <a:schemeClr val="lt1"/>
-          </a:fillRef>
-          <a:effectRef idx="0">
-            <a:schemeClr val="accent1"/>
-          </a:effectRef>
-          <a:fontRef idx="minor">
-            <a:schemeClr val="dk1"/>
-          </a:fontRef>
-        </p:style>
-        <p:txBody>
-          <a:bodyPr wrap="none" rtlCol="0" anchor="ctr"/>
+          <a:noFill/>
+        </p:spPr>
+        <p:txBody>
+          <a:bodyPr wrap="none" rtlCol="0">
+            <a:spAutoFit/>
+          </a:bodyPr>
           <a:lstStyle/>
           <a:p>
             <a:pPr algn="ctr"/>
             <a:r>
               <a:rPr lang="en-US" altLang="ko-KR" sz="1100" dirty="0" smtClean="0"/>
-              <a:t>activate others except for </a:t>
+              <a:t>change</a:t>
             </a:r>
           </a:p>
           <a:p>
             <a:pPr algn="ctr"/>
             <a:r>
               <a:rPr lang="en-US" altLang="ko-KR" sz="1100" dirty="0" smtClean="0"/>
-              <a:t>ID, PASS input and Login button</a:t>
-            </a:r>
+              <a:t>run &lt;&gt; test run</a:t>
+            </a:r>
+          </a:p>
+          <a:p>
+            <a:pPr algn="ctr"/>
+            <a:r>
+              <a:rPr lang="en-US" altLang="ko-KR" sz="1100" dirty="0" smtClean="0"/>
+              <a:t>mode</a:t>
+            </a:r>
+            <a:endParaRPr lang="ko-KR" altLang="en-US" sz="1100" dirty="0"/>
           </a:p>
         </p:txBody>
       </p:sp>
       <p:cxnSp>
         <p:nvCxnSpPr>
-          <p:cNvPr id="149" name="직선 화살표 연결선 148"/>
+          <p:cNvPr id="85" name="직선 화살표 연결선 84"/>
           <p:cNvCxnSpPr>
-            <a:stCxn id="121" idx="2"/>
-            <a:endCxn id="120" idx="0"/>
+            <a:stCxn id="8" idx="6"/>
+            <a:endCxn id="14" idx="2"/>
           </p:cNvCxnSpPr>
           <p:nvPr/>
         </p:nvCxnSpPr>
         <p:spPr>
           <a:xfrm>
-            <a:off x="7802288" y="2583914"/>
-            <a:ext cx="0" cy="120651"/>
+            <a:off x="4410467" y="1718382"/>
+            <a:ext cx="2213607" cy="0"/>
           </a:xfrm>
           <a:prstGeom prst="straightConnector1">
             <a:avLst/>
           </a:prstGeom>
           <a:ln>
-            <a:tailEnd type="triangle"/>
-          </a:ln>
-        </p:spPr>
-        <p:style>
-          <a:lnRef idx="1">
-            <a:schemeClr val="accent1"/>
-          </a:lnRef>
-          <a:fillRef idx="0">
-            <a:schemeClr val="accent1"/>
-          </a:fillRef>
-          <a:effectRef idx="0">
-            <a:schemeClr val="accent1"/>
-          </a:effectRef>
-          <a:fontRef idx="minor">
-            <a:schemeClr val="tx1"/>
-          </a:fontRef>
-        </p:style>
-      </p:cxnSp>
-      <p:sp>
-        <p:nvSpPr>
-          <p:cNvPr id="150" name="TextBox 149"/>
-          <p:cNvSpPr txBox="1"/>
-          <p:nvPr/>
-        </p:nvSpPr>
-        <p:spPr>
-          <a:xfrm>
-            <a:off x="7820760" y="2589149"/>
-            <a:ext cx="352982" cy="230832"/>
-          </a:xfrm>
-          <a:prstGeom prst="rect">
-            <a:avLst/>
-          </a:prstGeom>
-          <a:noFill/>
-        </p:spPr>
-        <p:txBody>
-          <a:bodyPr wrap="none" rtlCol="0">
-            <a:spAutoFit/>
-          </a:bodyPr>
-          <a:lstStyle/>
-          <a:p>
-            <a:r>
-              <a:rPr lang="en-US" altLang="ko-KR" sz="900" dirty="0" smtClean="0"/>
-              <a:t>yes</a:t>
-            </a:r>
-            <a:endParaRPr lang="ko-KR" altLang="en-US" sz="900" dirty="0"/>
-          </a:p>
-        </p:txBody>
-      </p:sp>
-      <p:cxnSp>
-        <p:nvCxnSpPr>
-          <p:cNvPr id="151" name="직선 화살표 연결선 150"/>
-          <p:cNvCxnSpPr>
-            <a:stCxn id="120" idx="2"/>
-            <a:endCxn id="148" idx="0"/>
-          </p:cNvCxnSpPr>
-          <p:nvPr/>
-        </p:nvCxnSpPr>
-        <p:spPr>
-          <a:xfrm>
-            <a:off x="7802288" y="3190251"/>
-            <a:ext cx="0" cy="173483"/>
-          </a:xfrm>
-          <a:prstGeom prst="straightConnector1">
-            <a:avLst/>
-          </a:prstGeom>
-          <a:ln>
-            <a:tailEnd type="triangle"/>
-          </a:ln>
-        </p:spPr>
-        <p:style>
-          <a:lnRef idx="1">
-            <a:schemeClr val="accent1"/>
-          </a:lnRef>
-          <a:fillRef idx="0">
-            <a:schemeClr val="accent1"/>
-          </a:fillRef>
-          <a:effectRef idx="0">
-            <a:schemeClr val="accent1"/>
-          </a:effectRef>
-          <a:fontRef idx="minor">
-            <a:schemeClr val="tx1"/>
-          </a:fontRef>
-        </p:style>
-      </p:cxnSp>
-      <p:sp>
-        <p:nvSpPr>
-          <p:cNvPr id="152" name="TextBox 151"/>
-          <p:cNvSpPr txBox="1"/>
-          <p:nvPr/>
-        </p:nvSpPr>
-        <p:spPr>
-          <a:xfrm>
-            <a:off x="7820760" y="3169835"/>
-            <a:ext cx="352982" cy="230832"/>
-          </a:xfrm>
-          <a:prstGeom prst="rect">
-            <a:avLst/>
-          </a:prstGeom>
-          <a:noFill/>
-        </p:spPr>
-        <p:txBody>
-          <a:bodyPr wrap="none" rtlCol="0">
-            <a:spAutoFit/>
-          </a:bodyPr>
-          <a:lstStyle/>
-          <a:p>
-            <a:r>
-              <a:rPr lang="en-US" altLang="ko-KR" sz="900" dirty="0" smtClean="0"/>
-              <a:t>yes</a:t>
-            </a:r>
-            <a:endParaRPr lang="ko-KR" altLang="en-US" sz="900" dirty="0"/>
-          </a:p>
-        </p:txBody>
-      </p:sp>
-      <p:cxnSp>
-        <p:nvCxnSpPr>
-          <p:cNvPr id="158" name="꺾인 연결선 157"/>
-          <p:cNvCxnSpPr>
-            <a:stCxn id="121" idx="3"/>
-            <a:endCxn id="147" idx="1"/>
-          </p:cNvCxnSpPr>
-          <p:nvPr/>
-        </p:nvCxnSpPr>
-        <p:spPr>
-          <a:xfrm>
-            <a:off x="8259488" y="2341071"/>
-            <a:ext cx="382418" cy="319498"/>
-          </a:xfrm>
-          <a:prstGeom prst="bentConnector3">
-            <a:avLst>
-              <a:gd name="adj1" fmla="val 50000"/>
-            </a:avLst>
-          </a:prstGeom>
-          <a:ln>
+            <a:headEnd type="triangle"/>
             <a:tailEnd type="triangle"/>
           </a:ln>
         </p:spPr>
@@ -7179,438 +6387,23 @@
       </p:cxnSp>
       <p:cxnSp>
         <p:nvCxnSpPr>
-          <p:cNvPr id="161" name="꺾인 연결선 160"/>
+          <p:cNvPr id="88" name="직선 화살표 연결선 87"/>
           <p:cNvCxnSpPr>
-            <a:stCxn id="120" idx="3"/>
-            <a:endCxn id="147" idx="1"/>
+            <a:stCxn id="9" idx="6"/>
+            <a:endCxn id="15" idx="2"/>
           </p:cNvCxnSpPr>
           <p:nvPr/>
         </p:nvCxnSpPr>
         <p:spPr>
           <a:xfrm flipV="1">
-            <a:off x="8259488" y="2660569"/>
-            <a:ext cx="382418" cy="286839"/>
-          </a:xfrm>
-          <a:prstGeom prst="bentConnector3">
-            <a:avLst>
-              <a:gd name="adj1" fmla="val 50000"/>
-            </a:avLst>
-          </a:prstGeom>
-          <a:ln>
-            <a:tailEnd type="triangle"/>
-          </a:ln>
-        </p:spPr>
-        <p:style>
-          <a:lnRef idx="1">
-            <a:schemeClr val="accent1"/>
-          </a:lnRef>
-          <a:fillRef idx="0">
-            <a:schemeClr val="accent1"/>
-          </a:fillRef>
-          <a:effectRef idx="0">
-            <a:schemeClr val="accent1"/>
-          </a:effectRef>
-          <a:fontRef idx="minor">
-            <a:schemeClr val="tx1"/>
-          </a:fontRef>
-        </p:style>
-      </p:cxnSp>
-      <p:sp>
-        <p:nvSpPr>
-          <p:cNvPr id="166" name="TextBox 165"/>
-          <p:cNvSpPr txBox="1"/>
-          <p:nvPr/>
-        </p:nvSpPr>
-        <p:spPr>
-          <a:xfrm>
-            <a:off x="8286137" y="2516501"/>
-            <a:ext cx="320922" cy="230832"/>
-          </a:xfrm>
-          <a:prstGeom prst="rect">
-            <a:avLst/>
-          </a:prstGeom>
-          <a:noFill/>
-        </p:spPr>
-        <p:txBody>
-          <a:bodyPr wrap="none" rtlCol="0">
-            <a:spAutoFit/>
-          </a:bodyPr>
-          <a:lstStyle/>
-          <a:p>
-            <a:r>
-              <a:rPr lang="en-US" altLang="ko-KR" sz="900" dirty="0" smtClean="0"/>
-              <a:t>no</a:t>
-            </a:r>
-            <a:endParaRPr lang="ko-KR" altLang="en-US" sz="900" dirty="0"/>
-          </a:p>
-        </p:txBody>
-      </p:sp>
-      <p:sp>
-        <p:nvSpPr>
-          <p:cNvPr id="168" name="순서도: 수행의 시작/종료 167"/>
-          <p:cNvSpPr/>
-          <p:nvPr/>
-        </p:nvSpPr>
-        <p:spPr>
-          <a:xfrm>
-            <a:off x="3144769" y="279099"/>
-            <a:ext cx="2451603" cy="868389"/>
-          </a:xfrm>
-          <a:prstGeom prst="flowChartTerminator">
-            <a:avLst/>
-          </a:prstGeom>
-        </p:spPr>
-        <p:style>
-          <a:lnRef idx="2">
-            <a:schemeClr val="accent1"/>
-          </a:lnRef>
-          <a:fillRef idx="1">
-            <a:schemeClr val="lt1"/>
-          </a:fillRef>
-          <a:effectRef idx="0">
-            <a:schemeClr val="accent1"/>
-          </a:effectRef>
-          <a:fontRef idx="minor">
-            <a:schemeClr val="dk1"/>
-          </a:fontRef>
-        </p:style>
-        <p:txBody>
-          <a:bodyPr wrap="none" rtlCol="0" anchor="ctr"/>
-          <a:lstStyle/>
-          <a:p>
-            <a:pPr algn="ctr"/>
-            <a:r>
-              <a:rPr lang="en-US" altLang="ko-KR" sz="1100" b="1" dirty="0" smtClean="0"/>
-              <a:t>Initial state</a:t>
-            </a:r>
-          </a:p>
-          <a:p>
-            <a:pPr algn="ctr"/>
-            <a:r>
-              <a:rPr lang="en-US" altLang="ko-KR" sz="1100" dirty="0" smtClean="0"/>
-              <a:t>ID, PASS Input activated and empty</a:t>
-            </a:r>
-          </a:p>
-          <a:p>
-            <a:pPr algn="ctr"/>
-            <a:r>
-              <a:rPr lang="en-US" altLang="ko-KR" sz="1100" dirty="0" smtClean="0"/>
-              <a:t>Others deactivated</a:t>
-            </a:r>
-          </a:p>
-          <a:p>
-            <a:pPr algn="ctr"/>
-            <a:r>
-              <a:rPr lang="en-US" altLang="ko-KR" sz="1100" dirty="0" smtClean="0"/>
-              <a:t>Secure Mode checked</a:t>
-            </a:r>
-            <a:endParaRPr lang="ko-KR" altLang="en-US" sz="1100" dirty="0"/>
-          </a:p>
-        </p:txBody>
-      </p:sp>
-      <p:sp>
-        <p:nvSpPr>
-          <p:cNvPr id="171" name="순서도: 수행의 시작/종료 170"/>
-          <p:cNvSpPr/>
-          <p:nvPr/>
-        </p:nvSpPr>
-        <p:spPr>
-          <a:xfrm>
-            <a:off x="3871455" y="4167471"/>
-            <a:ext cx="1171852" cy="301752"/>
-          </a:xfrm>
-          <a:prstGeom prst="flowChartTerminator">
-            <a:avLst/>
-          </a:prstGeom>
-        </p:spPr>
-        <p:style>
-          <a:lnRef idx="2">
-            <a:schemeClr val="accent1"/>
-          </a:lnRef>
-          <a:fillRef idx="1">
-            <a:schemeClr val="lt1"/>
-          </a:fillRef>
-          <a:effectRef idx="0">
-            <a:schemeClr val="accent1"/>
-          </a:effectRef>
-          <a:fontRef idx="minor">
-            <a:schemeClr val="dk1"/>
-          </a:fontRef>
-        </p:style>
-        <p:txBody>
-          <a:bodyPr wrap="none" rtlCol="0" anchor="ctr"/>
-          <a:lstStyle/>
-          <a:p>
-            <a:pPr algn="ctr"/>
-            <a:r>
-              <a:rPr lang="en-US" altLang="ko-KR" sz="1100" dirty="0" smtClean="0"/>
-              <a:t>Logout button</a:t>
-            </a:r>
-            <a:endParaRPr lang="ko-KR" altLang="en-US" sz="1100" dirty="0"/>
-          </a:p>
-        </p:txBody>
-      </p:sp>
-      <p:sp>
-        <p:nvSpPr>
-          <p:cNvPr id="172" name="순서도: 처리 171"/>
-          <p:cNvSpPr/>
-          <p:nvPr/>
-        </p:nvSpPr>
-        <p:spPr>
-          <a:xfrm>
-            <a:off x="3871455" y="4630748"/>
-            <a:ext cx="1171852" cy="443970"/>
-          </a:xfrm>
-          <a:prstGeom prst="flowChartProcess">
-            <a:avLst/>
-          </a:prstGeom>
-        </p:spPr>
-        <p:style>
-          <a:lnRef idx="2">
-            <a:schemeClr val="accent1"/>
-          </a:lnRef>
-          <a:fillRef idx="1">
-            <a:schemeClr val="lt1"/>
-          </a:fillRef>
-          <a:effectRef idx="0">
-            <a:schemeClr val="accent1"/>
-          </a:effectRef>
-          <a:fontRef idx="minor">
-            <a:schemeClr val="dk1"/>
-          </a:fontRef>
-        </p:style>
-        <p:txBody>
-          <a:bodyPr wrap="none" rtlCol="0" anchor="ctr"/>
-          <a:lstStyle/>
-          <a:p>
-            <a:pPr algn="ctr"/>
-            <a:r>
-              <a:rPr lang="en-US" altLang="ko-KR" sz="1100" dirty="0" smtClean="0"/>
-              <a:t>activated by</a:t>
-            </a:r>
-          </a:p>
-          <a:p>
-            <a:pPr algn="ctr"/>
-            <a:r>
-              <a:rPr lang="en-US" altLang="ko-KR" sz="1100" dirty="0" smtClean="0"/>
-              <a:t>Login button</a:t>
-            </a:r>
-          </a:p>
-        </p:txBody>
-      </p:sp>
-      <p:cxnSp>
-        <p:nvCxnSpPr>
-          <p:cNvPr id="173" name="직선 화살표 연결선 172"/>
-          <p:cNvCxnSpPr>
-            <a:stCxn id="172" idx="2"/>
-            <a:endCxn id="174" idx="0"/>
-          </p:cNvCxnSpPr>
-          <p:nvPr/>
-        </p:nvCxnSpPr>
-        <p:spPr>
-          <a:xfrm>
-            <a:off x="4457381" y="5074718"/>
-            <a:ext cx="0" cy="204971"/>
+            <a:off x="4410467" y="4375951"/>
+            <a:ext cx="2213607" cy="1009"/>
           </a:xfrm>
           <a:prstGeom prst="straightConnector1">
             <a:avLst/>
           </a:prstGeom>
           <a:ln>
-            <a:tailEnd type="triangle"/>
-          </a:ln>
-        </p:spPr>
-        <p:style>
-          <a:lnRef idx="1">
-            <a:schemeClr val="accent1"/>
-          </a:lnRef>
-          <a:fillRef idx="0">
-            <a:schemeClr val="accent1"/>
-          </a:fillRef>
-          <a:effectRef idx="0">
-            <a:schemeClr val="accent1"/>
-          </a:effectRef>
-          <a:fontRef idx="minor">
-            <a:schemeClr val="tx1"/>
-          </a:fontRef>
-        </p:style>
-      </p:cxnSp>
-      <p:sp>
-        <p:nvSpPr>
-          <p:cNvPr id="174" name="순서도: 판단 173"/>
-          <p:cNvSpPr/>
-          <p:nvPr/>
-        </p:nvSpPr>
-        <p:spPr>
-          <a:xfrm>
-            <a:off x="4000181" y="5279689"/>
-            <a:ext cx="914400" cy="485686"/>
-          </a:xfrm>
-          <a:prstGeom prst="flowChartDecision">
-            <a:avLst/>
-          </a:prstGeom>
-        </p:spPr>
-        <p:style>
-          <a:lnRef idx="2">
-            <a:schemeClr val="accent1"/>
-          </a:lnRef>
-          <a:fillRef idx="1">
-            <a:schemeClr val="lt1"/>
-          </a:fillRef>
-          <a:effectRef idx="0">
-            <a:schemeClr val="accent1"/>
-          </a:effectRef>
-          <a:fontRef idx="minor">
-            <a:schemeClr val="dk1"/>
-          </a:fontRef>
-        </p:style>
-        <p:txBody>
-          <a:bodyPr wrap="none" rtlCol="0" anchor="ctr"/>
-          <a:lstStyle/>
-          <a:p>
-            <a:pPr algn="ctr"/>
-            <a:r>
-              <a:rPr lang="en-US" altLang="ko-KR" sz="1100" dirty="0" smtClean="0"/>
-              <a:t>Pushed </a:t>
-            </a:r>
-          </a:p>
-          <a:p>
-            <a:pPr algn="ctr"/>
-            <a:r>
-              <a:rPr lang="en-US" altLang="ko-KR" sz="1100" dirty="0" smtClean="0"/>
-              <a:t>Logout Button?</a:t>
-            </a:r>
-            <a:endParaRPr lang="ko-KR" altLang="en-US" sz="1100" dirty="0"/>
-          </a:p>
-        </p:txBody>
-      </p:sp>
-      <p:cxnSp>
-        <p:nvCxnSpPr>
-          <p:cNvPr id="177" name="직선 화살표 연결선 176"/>
-          <p:cNvCxnSpPr>
-            <a:stCxn id="174" idx="2"/>
-            <a:endCxn id="183" idx="0"/>
-          </p:cNvCxnSpPr>
-          <p:nvPr/>
-        </p:nvCxnSpPr>
-        <p:spPr>
-          <a:xfrm>
-            <a:off x="4457381" y="5765375"/>
-            <a:ext cx="0" cy="193473"/>
-          </a:xfrm>
-          <a:prstGeom prst="straightConnector1">
-            <a:avLst/>
-          </a:prstGeom>
-          <a:ln>
-            <a:tailEnd type="triangle"/>
-          </a:ln>
-        </p:spPr>
-        <p:style>
-          <a:lnRef idx="1">
-            <a:schemeClr val="accent1"/>
-          </a:lnRef>
-          <a:fillRef idx="0">
-            <a:schemeClr val="accent1"/>
-          </a:fillRef>
-          <a:effectRef idx="0">
-            <a:schemeClr val="accent1"/>
-          </a:effectRef>
-          <a:fontRef idx="minor">
-            <a:schemeClr val="tx1"/>
-          </a:fontRef>
-        </p:style>
-      </p:cxnSp>
-      <p:sp>
-        <p:nvSpPr>
-          <p:cNvPr id="178" name="TextBox 177"/>
-          <p:cNvSpPr txBox="1"/>
-          <p:nvPr/>
-        </p:nvSpPr>
-        <p:spPr>
-          <a:xfrm>
-            <a:off x="4475853" y="5763754"/>
-            <a:ext cx="352982" cy="230832"/>
-          </a:xfrm>
-          <a:prstGeom prst="rect">
-            <a:avLst/>
-          </a:prstGeom>
-          <a:noFill/>
-        </p:spPr>
-        <p:txBody>
-          <a:bodyPr wrap="none" rtlCol="0">
-            <a:spAutoFit/>
-          </a:bodyPr>
-          <a:lstStyle/>
-          <a:p>
-            <a:r>
-              <a:rPr lang="en-US" altLang="ko-KR" sz="900" dirty="0" smtClean="0"/>
-              <a:t>yes</a:t>
-            </a:r>
-            <a:endParaRPr lang="ko-KR" altLang="en-US" sz="900" dirty="0"/>
-          </a:p>
-        </p:txBody>
-      </p:sp>
-      <p:sp>
-        <p:nvSpPr>
-          <p:cNvPr id="179" name="순서도: 처리 178"/>
-          <p:cNvSpPr/>
-          <p:nvPr/>
-        </p:nvSpPr>
-        <p:spPr>
-          <a:xfrm>
-            <a:off x="4339587" y="5081382"/>
-            <a:ext cx="168676" cy="196686"/>
-          </a:xfrm>
-          <a:prstGeom prst="flowChartProcess">
-            <a:avLst/>
-          </a:prstGeom>
-          <a:noFill/>
-          <a:ln>
-            <a:noFill/>
-          </a:ln>
-        </p:spPr>
-        <p:style>
-          <a:lnRef idx="2">
-            <a:schemeClr val="accent1">
-              <a:shade val="50000"/>
-            </a:schemeClr>
-          </a:lnRef>
-          <a:fillRef idx="1">
-            <a:schemeClr val="accent1"/>
-          </a:fillRef>
-          <a:effectRef idx="0">
-            <a:schemeClr val="accent1"/>
-          </a:effectRef>
-          <a:fontRef idx="minor">
-            <a:schemeClr val="lt1"/>
-          </a:fontRef>
-        </p:style>
-        <p:txBody>
-          <a:bodyPr rtlCol="0" anchor="ctr"/>
-          <a:lstStyle/>
-          <a:p>
-            <a:pPr algn="ctr"/>
-            <a:endParaRPr lang="ko-KR" altLang="en-US"/>
-          </a:p>
-        </p:txBody>
-      </p:sp>
-      <p:cxnSp>
-        <p:nvCxnSpPr>
-          <p:cNvPr id="180" name="직선 화살표 연결선 179"/>
-          <p:cNvCxnSpPr>
-            <a:stCxn id="171" idx="2"/>
-            <a:endCxn id="172" idx="0"/>
-          </p:cNvCxnSpPr>
-          <p:nvPr/>
-        </p:nvCxnSpPr>
-        <p:spPr>
-          <a:xfrm>
-            <a:off x="4457381" y="4469223"/>
-            <a:ext cx="0" cy="161525"/>
-          </a:xfrm>
-          <a:prstGeom prst="straightConnector1">
-            <a:avLst/>
-          </a:prstGeom>
-          <a:ln>
+            <a:headEnd type="triangle"/>
             <a:tailEnd type="triangle"/>
           </a:ln>
         </p:spPr>
@@ -7631,22 +6424,20 @@
       </p:cxnSp>
       <p:cxnSp>
         <p:nvCxnSpPr>
-          <p:cNvPr id="181" name="꺾인 연결선 180"/>
+          <p:cNvPr id="116" name="직선 화살표 연결선 115"/>
           <p:cNvCxnSpPr>
-            <a:stCxn id="174" idx="1"/>
-            <a:endCxn id="179" idx="1"/>
+            <a:stCxn id="117" idx="1"/>
+            <a:endCxn id="6" idx="6"/>
           </p:cNvCxnSpPr>
           <p:nvPr/>
         </p:nvCxnSpPr>
         <p:spPr>
-          <a:xfrm rot="10800000" flipH="1">
-            <a:off x="4000181" y="5179726"/>
-            <a:ext cx="339406" cy="342807"/>
-          </a:xfrm>
-          <a:prstGeom prst="bentConnector3">
-            <a:avLst>
-              <a:gd name="adj1" fmla="val -67353"/>
-            </a:avLst>
+          <a:xfrm flipH="1">
+            <a:off x="1135049" y="5984311"/>
+            <a:ext cx="323290" cy="0"/>
+          </a:xfrm>
+          <a:prstGeom prst="straightConnector1">
+            <a:avLst/>
           </a:prstGeom>
           <a:ln>
             <a:tailEnd type="triangle"/>
@@ -7669,14 +6460,14 @@
       </p:cxnSp>
       <p:sp>
         <p:nvSpPr>
-          <p:cNvPr id="182" name="TextBox 181"/>
+          <p:cNvPr id="117" name="TextBox 116"/>
           <p:cNvSpPr txBox="1"/>
           <p:nvPr/>
         </p:nvSpPr>
         <p:spPr>
           <a:xfrm>
-            <a:off x="3511944" y="5235713"/>
-            <a:ext cx="320922" cy="230832"/>
+            <a:off x="1458339" y="5768867"/>
+            <a:ext cx="2326279" cy="430887"/>
           </a:xfrm>
           <a:prstGeom prst="rect">
             <a:avLst/>
@@ -7689,181 +6480,41 @@
           </a:bodyPr>
           <a:lstStyle/>
           <a:p>
-            <a:r>
-              <a:rPr lang="en-US" altLang="ko-KR" sz="900" dirty="0" smtClean="0"/>
-              <a:t>no</a:t>
-            </a:r>
-            <a:endParaRPr lang="ko-KR" altLang="en-US" sz="900" dirty="0"/>
-          </a:p>
-        </p:txBody>
-      </p:sp>
-      <p:sp>
-        <p:nvSpPr>
-          <p:cNvPr id="183" name="순서도: 처리 182"/>
-          <p:cNvSpPr/>
-          <p:nvPr/>
-        </p:nvSpPr>
-        <p:spPr>
-          <a:xfrm>
-            <a:off x="3456171" y="5958848"/>
-            <a:ext cx="2002419" cy="510467"/>
-          </a:xfrm>
-          <a:prstGeom prst="flowChartProcess">
-            <a:avLst/>
-          </a:prstGeom>
-        </p:spPr>
-        <p:style>
-          <a:lnRef idx="2">
-            <a:schemeClr val="accent1"/>
-          </a:lnRef>
-          <a:fillRef idx="1">
-            <a:schemeClr val="lt1"/>
-          </a:fillRef>
-          <a:effectRef idx="0">
-            <a:schemeClr val="accent1"/>
-          </a:effectRef>
-          <a:fontRef idx="minor">
-            <a:schemeClr val="dk1"/>
-          </a:fontRef>
-        </p:style>
-        <p:txBody>
-          <a:bodyPr wrap="none" rtlCol="0" anchor="ctr"/>
-          <a:lstStyle/>
-          <a:p>
             <a:pPr algn="ctr"/>
             <a:r>
               <a:rPr lang="en-US" altLang="ko-KR" sz="1100" dirty="0" smtClean="0"/>
-              <a:t>Request disconnect to server</a:t>
+              <a:t>The end state can be transmitted</a:t>
             </a:r>
           </a:p>
           <a:p>
             <a:pPr algn="ctr"/>
             <a:r>
-              <a:rPr lang="en-US" altLang="ko-KR" sz="1100" dirty="0" err="1" smtClean="0"/>
-              <a:t>goto</a:t>
-            </a:r>
-            <a:r>
               <a:rPr lang="en-US" altLang="ko-KR" sz="1100" dirty="0" smtClean="0"/>
-              <a:t> initial state</a:t>
-            </a:r>
-          </a:p>
-        </p:txBody>
-      </p:sp>
-      <p:sp>
-        <p:nvSpPr>
-          <p:cNvPr id="196" name="순서도: 수행의 시작/종료 195"/>
-          <p:cNvSpPr/>
-          <p:nvPr/>
-        </p:nvSpPr>
-        <p:spPr>
-          <a:xfrm>
-            <a:off x="6508183" y="4167471"/>
-            <a:ext cx="1171852" cy="301752"/>
-          </a:xfrm>
-          <a:prstGeom prst="flowChartTerminator">
-            <a:avLst/>
-          </a:prstGeom>
-        </p:spPr>
-        <p:style>
-          <a:lnRef idx="2">
-            <a:schemeClr val="accent1"/>
-          </a:lnRef>
-          <a:fillRef idx="1">
-            <a:schemeClr val="lt1"/>
-          </a:fillRef>
-          <a:effectRef idx="0">
-            <a:schemeClr val="accent1"/>
-          </a:effectRef>
-          <a:fontRef idx="minor">
-            <a:schemeClr val="dk1"/>
-          </a:fontRef>
-        </p:style>
-        <p:txBody>
-          <a:bodyPr wrap="none" rtlCol="0" anchor="ctr"/>
-          <a:lstStyle/>
-          <a:p>
-            <a:pPr algn="ctr"/>
-            <a:r>
-              <a:rPr lang="en-US" altLang="ko-KR" sz="1100" dirty="0" smtClean="0"/>
-              <a:t>Secure Mode </a:t>
-            </a:r>
-          </a:p>
-          <a:p>
-            <a:pPr algn="ctr"/>
-            <a:r>
-              <a:rPr lang="en-US" altLang="ko-KR" sz="1100" dirty="0" err="1" smtClean="0"/>
-              <a:t>checkbutton</a:t>
+              <a:t>from any state</a:t>
             </a:r>
             <a:endParaRPr lang="ko-KR" altLang="en-US" sz="1100" dirty="0"/>
-          </a:p>
-        </p:txBody>
-      </p:sp>
-      <p:sp>
-        <p:nvSpPr>
-          <p:cNvPr id="200" name="순서도: 처리 199"/>
-          <p:cNvSpPr/>
-          <p:nvPr/>
-        </p:nvSpPr>
-        <p:spPr>
-          <a:xfrm>
-            <a:off x="6508628" y="4630748"/>
-            <a:ext cx="1171852" cy="443970"/>
-          </a:xfrm>
-          <a:prstGeom prst="flowChartProcess">
-            <a:avLst/>
-          </a:prstGeom>
-        </p:spPr>
-        <p:style>
-          <a:lnRef idx="2">
-            <a:schemeClr val="accent1"/>
-          </a:lnRef>
-          <a:fillRef idx="1">
-            <a:schemeClr val="lt1"/>
-          </a:fillRef>
-          <a:effectRef idx="0">
-            <a:schemeClr val="accent1"/>
-          </a:effectRef>
-          <a:fontRef idx="minor">
-            <a:schemeClr val="dk1"/>
-          </a:fontRef>
-        </p:style>
-        <p:txBody>
-          <a:bodyPr wrap="none" rtlCol="0" anchor="ctr"/>
-          <a:lstStyle/>
-          <a:p>
-            <a:pPr algn="ctr"/>
-            <a:r>
-              <a:rPr lang="en-US" altLang="ko-KR" sz="1100" dirty="0" smtClean="0"/>
-              <a:t>activated by</a:t>
-            </a:r>
-          </a:p>
-          <a:p>
-            <a:pPr algn="ctr"/>
-            <a:r>
-              <a:rPr lang="en-US" altLang="ko-KR" sz="1100" dirty="0" smtClean="0"/>
-              <a:t>Login button</a:t>
-            </a:r>
           </a:p>
         </p:txBody>
       </p:sp>
       <p:cxnSp>
         <p:nvCxnSpPr>
-          <p:cNvPr id="201" name="직선 화살표 연결선 200"/>
+          <p:cNvPr id="119" name="직선 화살표 연결선 118"/>
           <p:cNvCxnSpPr>
-            <a:stCxn id="200" idx="2"/>
-            <a:endCxn id="202" idx="0"/>
+            <a:stCxn id="8" idx="5"/>
+            <a:endCxn id="12" idx="1"/>
           </p:cNvCxnSpPr>
           <p:nvPr/>
         </p:nvCxnSpPr>
         <p:spPr>
           <a:xfrm>
-            <a:off x="7094554" y="5074718"/>
-            <a:ext cx="0" cy="204971"/>
+            <a:off x="4276556" y="2041671"/>
+            <a:ext cx="919249" cy="736097"/>
           </a:xfrm>
           <a:prstGeom prst="straightConnector1">
             <a:avLst/>
           </a:prstGeom>
           <a:ln>
+            <a:headEnd type="triangle"/>
             <a:tailEnd type="triangle"/>
           </a:ln>
         </p:spPr>
@@ -7882,117 +6533,25 @@
           </a:fontRef>
         </p:style>
       </p:cxnSp>
-      <p:sp>
-        <p:nvSpPr>
-          <p:cNvPr id="202" name="순서도: 판단 201"/>
-          <p:cNvSpPr/>
-          <p:nvPr/>
-        </p:nvSpPr>
-        <p:spPr>
-          <a:xfrm>
-            <a:off x="6637354" y="5279689"/>
-            <a:ext cx="914400" cy="485686"/>
-          </a:xfrm>
-          <a:prstGeom prst="flowChartDecision">
-            <a:avLst/>
-          </a:prstGeom>
-        </p:spPr>
-        <p:style>
-          <a:lnRef idx="2">
-            <a:schemeClr val="accent1"/>
-          </a:lnRef>
-          <a:fillRef idx="1">
-            <a:schemeClr val="lt1"/>
-          </a:fillRef>
-          <a:effectRef idx="0">
-            <a:schemeClr val="accent1"/>
-          </a:effectRef>
-          <a:fontRef idx="minor">
-            <a:schemeClr val="dk1"/>
-          </a:fontRef>
-        </p:style>
-        <p:txBody>
-          <a:bodyPr wrap="none" rtlCol="0" anchor="ctr"/>
-          <a:lstStyle/>
-          <a:p>
-            <a:pPr algn="ctr"/>
-            <a:r>
-              <a:rPr lang="en-US" altLang="ko-KR" sz="1100" dirty="0" smtClean="0"/>
-              <a:t>changed check state.</a:t>
-            </a:r>
-          </a:p>
-          <a:p>
-            <a:pPr algn="ctr"/>
-            <a:r>
-              <a:rPr lang="en-US" altLang="ko-KR" sz="1100" dirty="0" smtClean="0"/>
-              <a:t>checked?</a:t>
-            </a:r>
-            <a:endParaRPr lang="ko-KR" altLang="en-US" sz="1100" dirty="0"/>
-          </a:p>
-        </p:txBody>
-      </p:sp>
-      <p:sp>
-        <p:nvSpPr>
-          <p:cNvPr id="205" name="순서도: 처리 204"/>
-          <p:cNvSpPr/>
-          <p:nvPr/>
-        </p:nvSpPr>
-        <p:spPr>
-          <a:xfrm>
-            <a:off x="6976760" y="5081382"/>
-            <a:ext cx="168676" cy="196686"/>
-          </a:xfrm>
-          <a:prstGeom prst="flowChartProcess">
-            <a:avLst/>
-          </a:prstGeom>
-          <a:noFill/>
-          <a:ln>
-            <a:noFill/>
-          </a:ln>
-        </p:spPr>
-        <p:style>
-          <a:lnRef idx="2">
-            <a:schemeClr val="accent1">
-              <a:shade val="50000"/>
-            </a:schemeClr>
-          </a:lnRef>
-          <a:fillRef idx="1">
-            <a:schemeClr val="accent1"/>
-          </a:fillRef>
-          <a:effectRef idx="0">
-            <a:schemeClr val="accent1"/>
-          </a:effectRef>
-          <a:fontRef idx="minor">
-            <a:schemeClr val="lt1"/>
-          </a:fontRef>
-        </p:style>
-        <p:txBody>
-          <a:bodyPr rtlCol="0" anchor="ctr"/>
-          <a:lstStyle/>
-          <a:p>
-            <a:pPr algn="ctr"/>
-            <a:endParaRPr lang="ko-KR" altLang="en-US"/>
-          </a:p>
-        </p:txBody>
-      </p:sp>
       <p:cxnSp>
         <p:nvCxnSpPr>
-          <p:cNvPr id="206" name="직선 화살표 연결선 205"/>
+          <p:cNvPr id="122" name="직선 화살표 연결선 121"/>
           <p:cNvCxnSpPr>
-            <a:stCxn id="196" idx="2"/>
-            <a:endCxn id="200" idx="0"/>
+            <a:stCxn id="9" idx="7"/>
+            <a:endCxn id="12" idx="3"/>
           </p:cNvCxnSpPr>
           <p:nvPr/>
         </p:nvCxnSpPr>
         <p:spPr>
-          <a:xfrm>
-            <a:off x="7094109" y="4469223"/>
-            <a:ext cx="445" cy="161525"/>
+          <a:xfrm flipV="1">
+            <a:off x="4276556" y="3424346"/>
+            <a:ext cx="919249" cy="629325"/>
           </a:xfrm>
           <a:prstGeom prst="straightConnector1">
             <a:avLst/>
           </a:prstGeom>
           <a:ln>
+            <a:headEnd type="triangle"/>
             <a:tailEnd type="triangle"/>
           </a:ln>
         </p:spPr>
@@ -8011,73 +6570,25 @@
           </a:fontRef>
         </p:style>
       </p:cxnSp>
-      <p:sp>
-        <p:nvSpPr>
-          <p:cNvPr id="210" name="순서도: 처리 209"/>
-          <p:cNvSpPr/>
-          <p:nvPr/>
-        </p:nvSpPr>
-        <p:spPr>
-          <a:xfrm>
-            <a:off x="5933971" y="6022755"/>
-            <a:ext cx="1087345" cy="394129"/>
-          </a:xfrm>
-          <a:prstGeom prst="flowChartProcess">
-            <a:avLst/>
-          </a:prstGeom>
-        </p:spPr>
-        <p:style>
-          <a:lnRef idx="2">
-            <a:schemeClr val="accent1"/>
-          </a:lnRef>
-          <a:fillRef idx="1">
-            <a:schemeClr val="lt1"/>
-          </a:fillRef>
-          <a:effectRef idx="0">
-            <a:schemeClr val="accent1"/>
-          </a:effectRef>
-          <a:fontRef idx="minor">
-            <a:schemeClr val="dk1"/>
-          </a:fontRef>
-        </p:style>
-        <p:txBody>
-          <a:bodyPr wrap="none" rtlCol="0" anchor="ctr"/>
-          <a:lstStyle/>
-          <a:p>
-            <a:pPr algn="ctr"/>
-            <a:r>
-              <a:rPr lang="en-US" altLang="ko-KR" sz="1100" dirty="0" smtClean="0"/>
-              <a:t>request </a:t>
-            </a:r>
-          </a:p>
-          <a:p>
-            <a:pPr algn="ctr"/>
-            <a:r>
-              <a:rPr lang="en-US" altLang="ko-KR" sz="1100" dirty="0" smtClean="0"/>
-              <a:t>secure mode</a:t>
-            </a:r>
-            <a:endParaRPr lang="ko-KR" altLang="en-US" sz="1100" dirty="0"/>
-          </a:p>
-        </p:txBody>
-      </p:sp>
       <p:cxnSp>
         <p:nvCxnSpPr>
-          <p:cNvPr id="211" name="직선 화살표 연결선 210"/>
+          <p:cNvPr id="125" name="직선 화살표 연결선 124"/>
           <p:cNvCxnSpPr>
-            <a:stCxn id="202" idx="2"/>
-            <a:endCxn id="210" idx="0"/>
+            <a:stCxn id="15" idx="1"/>
+            <a:endCxn id="12" idx="5"/>
           </p:cNvCxnSpPr>
           <p:nvPr/>
         </p:nvCxnSpPr>
         <p:spPr>
-          <a:xfrm flipH="1">
-            <a:off x="6477644" y="5765375"/>
-            <a:ext cx="616910" cy="257380"/>
+          <a:xfrm flipH="1" flipV="1">
+            <a:off x="5842383" y="3424346"/>
+            <a:ext cx="915602" cy="628316"/>
           </a:xfrm>
           <a:prstGeom prst="straightConnector1">
             <a:avLst/>
           </a:prstGeom>
           <a:ln>
+            <a:headEnd type="triangle"/>
             <a:tailEnd type="triangle"/>
           </a:ln>
         </p:spPr>
@@ -8096,103 +6607,25 @@
           </a:fontRef>
         </p:style>
       </p:cxnSp>
-      <p:sp>
-        <p:nvSpPr>
-          <p:cNvPr id="212" name="TextBox 211"/>
-          <p:cNvSpPr txBox="1"/>
-          <p:nvPr/>
-        </p:nvSpPr>
-        <p:spPr>
-          <a:xfrm>
-            <a:off x="6460863" y="5661065"/>
-            <a:ext cx="352982" cy="230832"/>
-          </a:xfrm>
-          <a:prstGeom prst="rect">
-            <a:avLst/>
-          </a:prstGeom>
-          <a:noFill/>
-        </p:spPr>
-        <p:txBody>
-          <a:bodyPr wrap="none" rtlCol="0">
-            <a:spAutoFit/>
-          </a:bodyPr>
-          <a:lstStyle/>
-          <a:p>
-            <a:r>
-              <a:rPr lang="en-US" altLang="ko-KR" sz="900" dirty="0" smtClean="0"/>
-              <a:t>yes</a:t>
-            </a:r>
-            <a:endParaRPr lang="ko-KR" altLang="en-US" sz="900" dirty="0"/>
-          </a:p>
-        </p:txBody>
-      </p:sp>
-      <p:sp>
-        <p:nvSpPr>
-          <p:cNvPr id="213" name="순서도: 처리 212"/>
-          <p:cNvSpPr/>
-          <p:nvPr/>
-        </p:nvSpPr>
-        <p:spPr>
-          <a:xfrm>
-            <a:off x="7141942" y="6022755"/>
-            <a:ext cx="1144195" cy="394129"/>
-          </a:xfrm>
-          <a:prstGeom prst="flowChartProcess">
-            <a:avLst/>
-          </a:prstGeom>
-        </p:spPr>
-        <p:style>
-          <a:lnRef idx="2">
-            <a:schemeClr val="accent1"/>
-          </a:lnRef>
-          <a:fillRef idx="1">
-            <a:schemeClr val="lt1"/>
-          </a:fillRef>
-          <a:effectRef idx="0">
-            <a:schemeClr val="accent1"/>
-          </a:effectRef>
-          <a:fontRef idx="minor">
-            <a:schemeClr val="dk1"/>
-          </a:fontRef>
-        </p:style>
-        <p:txBody>
-          <a:bodyPr wrap="none" rtlCol="0" anchor="ctr"/>
-          <a:lstStyle/>
-          <a:p>
-            <a:pPr algn="ctr"/>
-            <a:r>
-              <a:rPr lang="en-US" altLang="ko-KR" sz="1100" dirty="0" smtClean="0"/>
-              <a:t>request</a:t>
-            </a:r>
-          </a:p>
-          <a:p>
-            <a:pPr algn="ctr"/>
-            <a:r>
-              <a:rPr lang="en-US" altLang="ko-KR" sz="1100" dirty="0" smtClean="0"/>
-              <a:t>non-secure mode</a:t>
-            </a:r>
-            <a:endParaRPr lang="ko-KR" altLang="en-US" sz="1100" dirty="0"/>
-          </a:p>
-        </p:txBody>
-      </p:sp>
       <p:cxnSp>
         <p:nvCxnSpPr>
-          <p:cNvPr id="214" name="직선 화살표 연결선 213"/>
+          <p:cNvPr id="128" name="직선 화살표 연결선 127"/>
           <p:cNvCxnSpPr>
-            <a:stCxn id="202" idx="2"/>
-            <a:endCxn id="213" idx="0"/>
+            <a:stCxn id="14" idx="3"/>
+            <a:endCxn id="12" idx="7"/>
           </p:cNvCxnSpPr>
           <p:nvPr/>
         </p:nvCxnSpPr>
         <p:spPr>
-          <a:xfrm>
-            <a:off x="7094554" y="5765375"/>
-            <a:ext cx="619486" cy="257380"/>
+          <a:xfrm flipH="1">
+            <a:off x="5842383" y="2041671"/>
+            <a:ext cx="915602" cy="736097"/>
           </a:xfrm>
           <a:prstGeom prst="straightConnector1">
             <a:avLst/>
           </a:prstGeom>
           <a:ln>
+            <a:headEnd type="triangle"/>
             <a:tailEnd type="triangle"/>
           </a:ln>
         </p:spPr>
@@ -8213,14 +6646,14 @@
       </p:cxnSp>
       <p:sp>
         <p:nvSpPr>
-          <p:cNvPr id="215" name="TextBox 214"/>
+          <p:cNvPr id="142" name="TextBox 141"/>
           <p:cNvSpPr txBox="1"/>
           <p:nvPr/>
         </p:nvSpPr>
         <p:spPr>
           <a:xfrm>
-            <a:off x="7234020" y="5651876"/>
-            <a:ext cx="320922" cy="230832"/>
+            <a:off x="4697173" y="2285777"/>
+            <a:ext cx="1640193" cy="600164"/>
           </a:xfrm>
           <a:prstGeom prst="rect">
             <a:avLst/>
@@ -8233,58 +6666,24 @@
           </a:bodyPr>
           <a:lstStyle/>
           <a:p>
-            <a:r>
-              <a:rPr lang="en-US" altLang="ko-KR" sz="900" dirty="0" smtClean="0"/>
-              <a:t>no</a:t>
-            </a:r>
-            <a:endParaRPr lang="ko-KR" altLang="en-US" sz="900" dirty="0"/>
-          </a:p>
-        </p:txBody>
-      </p:sp>
-      <p:sp>
-        <p:nvSpPr>
-          <p:cNvPr id="224" name="순서도: 수행의 시작/종료 223"/>
-          <p:cNvSpPr/>
-          <p:nvPr/>
-        </p:nvSpPr>
-        <p:spPr>
-          <a:xfrm>
-            <a:off x="9195792" y="4167471"/>
-            <a:ext cx="1171852" cy="301752"/>
-          </a:xfrm>
-          <a:prstGeom prst="flowChartTerminator">
-            <a:avLst/>
-          </a:prstGeom>
-        </p:spPr>
-        <p:style>
-          <a:lnRef idx="2">
-            <a:schemeClr val="accent1"/>
-          </a:lnRef>
-          <a:fillRef idx="1">
-            <a:schemeClr val="lt1"/>
-          </a:fillRef>
-          <a:effectRef idx="0">
-            <a:schemeClr val="accent1"/>
-          </a:effectRef>
-          <a:fontRef idx="minor">
-            <a:schemeClr val="dk1"/>
-          </a:fontRef>
-        </p:style>
-        <p:txBody>
-          <a:bodyPr wrap="none" rtlCol="0" anchor="ctr"/>
-          <a:lstStyle/>
-          <a:p>
             <a:pPr algn="ctr"/>
             <a:r>
               <a:rPr lang="en-US" altLang="ko-KR" sz="1100" dirty="0" smtClean="0"/>
-              <a:t>Test Mode </a:t>
+              <a:t>change</a:t>
             </a:r>
           </a:p>
           <a:p>
             <a:pPr algn="ctr"/>
             <a:r>
-              <a:rPr lang="en-US" altLang="ko-KR" sz="1100" dirty="0" err="1" smtClean="0"/>
-              <a:t>checkbutton</a:t>
+              <a:rPr lang="en-US" altLang="ko-KR" sz="1100" dirty="0" smtClean="0"/>
+              <a:t>learn &lt;&gt; *run *secure </a:t>
+            </a:r>
+          </a:p>
+          <a:p>
+            <a:pPr algn="ctr"/>
+            <a:r>
+              <a:rPr lang="en-US" altLang="ko-KR" sz="1100" dirty="0" smtClean="0"/>
+              <a:t>mode</a:t>
             </a:r>
             <a:endParaRPr lang="ko-KR" altLang="en-US" sz="1100" dirty="0"/>
           </a:p>
@@ -8292,312 +6691,14 @@
       </p:sp>
       <p:sp>
         <p:nvSpPr>
-          <p:cNvPr id="225" name="순서도: 처리 224"/>
-          <p:cNvSpPr/>
-          <p:nvPr/>
-        </p:nvSpPr>
-        <p:spPr>
-          <a:xfrm>
-            <a:off x="9196237" y="4630748"/>
-            <a:ext cx="1171852" cy="443970"/>
-          </a:xfrm>
-          <a:prstGeom prst="flowChartProcess">
-            <a:avLst/>
-          </a:prstGeom>
-        </p:spPr>
-        <p:style>
-          <a:lnRef idx="2">
-            <a:schemeClr val="accent1"/>
-          </a:lnRef>
-          <a:fillRef idx="1">
-            <a:schemeClr val="lt1"/>
-          </a:fillRef>
-          <a:effectRef idx="0">
-            <a:schemeClr val="accent1"/>
-          </a:effectRef>
-          <a:fontRef idx="minor">
-            <a:schemeClr val="dk1"/>
-          </a:fontRef>
-        </p:style>
-        <p:txBody>
-          <a:bodyPr wrap="none" rtlCol="0" anchor="ctr"/>
-          <a:lstStyle/>
-          <a:p>
-            <a:pPr algn="ctr"/>
-            <a:r>
-              <a:rPr lang="en-US" altLang="ko-KR" sz="1100" dirty="0" smtClean="0"/>
-              <a:t>activated by</a:t>
-            </a:r>
-          </a:p>
-          <a:p>
-            <a:pPr algn="ctr"/>
-            <a:r>
-              <a:rPr lang="en-US" altLang="ko-KR" sz="1100" dirty="0" smtClean="0"/>
-              <a:t>Login button</a:t>
-            </a:r>
-          </a:p>
-        </p:txBody>
-      </p:sp>
-      <p:cxnSp>
-        <p:nvCxnSpPr>
-          <p:cNvPr id="226" name="직선 화살표 연결선 225"/>
-          <p:cNvCxnSpPr>
-            <a:stCxn id="225" idx="2"/>
-            <a:endCxn id="227" idx="0"/>
-          </p:cNvCxnSpPr>
-          <p:nvPr/>
-        </p:nvCxnSpPr>
-        <p:spPr>
-          <a:xfrm>
-            <a:off x="9782163" y="5074718"/>
-            <a:ext cx="0" cy="204971"/>
-          </a:xfrm>
-          <a:prstGeom prst="straightConnector1">
-            <a:avLst/>
-          </a:prstGeom>
-          <a:ln>
-            <a:tailEnd type="triangle"/>
-          </a:ln>
-        </p:spPr>
-        <p:style>
-          <a:lnRef idx="1">
-            <a:schemeClr val="accent1"/>
-          </a:lnRef>
-          <a:fillRef idx="0">
-            <a:schemeClr val="accent1"/>
-          </a:fillRef>
-          <a:effectRef idx="0">
-            <a:schemeClr val="accent1"/>
-          </a:effectRef>
-          <a:fontRef idx="minor">
-            <a:schemeClr val="tx1"/>
-          </a:fontRef>
-        </p:style>
-      </p:cxnSp>
-      <p:sp>
-        <p:nvSpPr>
-          <p:cNvPr id="227" name="순서도: 판단 226"/>
-          <p:cNvSpPr/>
-          <p:nvPr/>
-        </p:nvSpPr>
-        <p:spPr>
-          <a:xfrm>
-            <a:off x="9324963" y="5279689"/>
-            <a:ext cx="914400" cy="485686"/>
-          </a:xfrm>
-          <a:prstGeom prst="flowChartDecision">
-            <a:avLst/>
-          </a:prstGeom>
-        </p:spPr>
-        <p:style>
-          <a:lnRef idx="2">
-            <a:schemeClr val="accent1"/>
-          </a:lnRef>
-          <a:fillRef idx="1">
-            <a:schemeClr val="lt1"/>
-          </a:fillRef>
-          <a:effectRef idx="0">
-            <a:schemeClr val="accent1"/>
-          </a:effectRef>
-          <a:fontRef idx="minor">
-            <a:schemeClr val="dk1"/>
-          </a:fontRef>
-        </p:style>
-        <p:txBody>
-          <a:bodyPr wrap="none" rtlCol="0" anchor="ctr"/>
-          <a:lstStyle/>
-          <a:p>
-            <a:pPr algn="ctr"/>
-            <a:r>
-              <a:rPr lang="en-US" altLang="ko-KR" sz="1100" dirty="0" smtClean="0"/>
-              <a:t>changed check state.</a:t>
-            </a:r>
-          </a:p>
-          <a:p>
-            <a:pPr algn="ctr"/>
-            <a:r>
-              <a:rPr lang="en-US" altLang="ko-KR" sz="1100" dirty="0" smtClean="0"/>
-              <a:t>checked?</a:t>
-            </a:r>
-            <a:endParaRPr lang="ko-KR" altLang="en-US" sz="1100" dirty="0"/>
-          </a:p>
-        </p:txBody>
-      </p:sp>
-      <p:sp>
-        <p:nvSpPr>
-          <p:cNvPr id="228" name="순서도: 처리 227"/>
-          <p:cNvSpPr/>
-          <p:nvPr/>
-        </p:nvSpPr>
-        <p:spPr>
-          <a:xfrm>
-            <a:off x="9664369" y="5081382"/>
-            <a:ext cx="168676" cy="196686"/>
-          </a:xfrm>
-          <a:prstGeom prst="flowChartProcess">
-            <a:avLst/>
-          </a:prstGeom>
-          <a:noFill/>
-          <a:ln>
-            <a:noFill/>
-          </a:ln>
-        </p:spPr>
-        <p:style>
-          <a:lnRef idx="2">
-            <a:schemeClr val="accent1">
-              <a:shade val="50000"/>
-            </a:schemeClr>
-          </a:lnRef>
-          <a:fillRef idx="1">
-            <a:schemeClr val="accent1"/>
-          </a:fillRef>
-          <a:effectRef idx="0">
-            <a:schemeClr val="accent1"/>
-          </a:effectRef>
-          <a:fontRef idx="minor">
-            <a:schemeClr val="lt1"/>
-          </a:fontRef>
-        </p:style>
-        <p:txBody>
-          <a:bodyPr rtlCol="0" anchor="ctr"/>
-          <a:lstStyle/>
-          <a:p>
-            <a:pPr algn="ctr"/>
-            <a:endParaRPr lang="ko-KR" altLang="en-US"/>
-          </a:p>
-        </p:txBody>
-      </p:sp>
-      <p:cxnSp>
-        <p:nvCxnSpPr>
-          <p:cNvPr id="229" name="직선 화살표 연결선 228"/>
-          <p:cNvCxnSpPr>
-            <a:stCxn id="224" idx="2"/>
-            <a:endCxn id="225" idx="0"/>
-          </p:cNvCxnSpPr>
-          <p:nvPr/>
-        </p:nvCxnSpPr>
-        <p:spPr>
-          <a:xfrm>
-            <a:off x="9781718" y="4469223"/>
-            <a:ext cx="445" cy="161525"/>
-          </a:xfrm>
-          <a:prstGeom prst="straightConnector1">
-            <a:avLst/>
-          </a:prstGeom>
-          <a:ln>
-            <a:tailEnd type="triangle"/>
-          </a:ln>
-        </p:spPr>
-        <p:style>
-          <a:lnRef idx="1">
-            <a:schemeClr val="accent1"/>
-          </a:lnRef>
-          <a:fillRef idx="0">
-            <a:schemeClr val="accent1"/>
-          </a:fillRef>
-          <a:effectRef idx="0">
-            <a:schemeClr val="accent1"/>
-          </a:effectRef>
-          <a:fontRef idx="minor">
-            <a:schemeClr val="tx1"/>
-          </a:fontRef>
-        </p:style>
-      </p:cxnSp>
-      <p:sp>
-        <p:nvSpPr>
-          <p:cNvPr id="230" name="순서도: 처리 229"/>
-          <p:cNvSpPr/>
-          <p:nvPr/>
-        </p:nvSpPr>
-        <p:spPr>
-          <a:xfrm>
-            <a:off x="8621580" y="6022755"/>
-            <a:ext cx="1087345" cy="394129"/>
-          </a:xfrm>
-          <a:prstGeom prst="flowChartProcess">
-            <a:avLst/>
-          </a:prstGeom>
-        </p:spPr>
-        <p:style>
-          <a:lnRef idx="2">
-            <a:schemeClr val="accent1"/>
-          </a:lnRef>
-          <a:fillRef idx="1">
-            <a:schemeClr val="lt1"/>
-          </a:fillRef>
-          <a:effectRef idx="0">
-            <a:schemeClr val="accent1"/>
-          </a:effectRef>
-          <a:fontRef idx="minor">
-            <a:schemeClr val="dk1"/>
-          </a:fontRef>
-        </p:style>
-        <p:txBody>
-          <a:bodyPr wrap="none" rtlCol="0" anchor="ctr"/>
-          <a:lstStyle/>
-          <a:p>
-            <a:pPr algn="ctr"/>
-            <a:r>
-              <a:rPr lang="en-US" altLang="ko-KR" sz="1100" dirty="0" smtClean="0"/>
-              <a:t>request </a:t>
-            </a:r>
-          </a:p>
-          <a:p>
-            <a:pPr algn="ctr"/>
-            <a:r>
-              <a:rPr lang="en-US" altLang="ko-KR" sz="1100" dirty="0" smtClean="0"/>
-              <a:t>Test Run mode</a:t>
-            </a:r>
-            <a:endParaRPr lang="ko-KR" altLang="en-US" sz="1100" dirty="0"/>
-          </a:p>
-        </p:txBody>
-      </p:sp>
-      <p:cxnSp>
-        <p:nvCxnSpPr>
-          <p:cNvPr id="231" name="직선 화살표 연결선 230"/>
-          <p:cNvCxnSpPr>
-            <a:stCxn id="227" idx="2"/>
-            <a:endCxn id="230" idx="0"/>
-          </p:cNvCxnSpPr>
-          <p:nvPr/>
-        </p:nvCxnSpPr>
-        <p:spPr>
-          <a:xfrm flipH="1">
-            <a:off x="9165253" y="5765375"/>
-            <a:ext cx="616910" cy="257380"/>
-          </a:xfrm>
-          <a:prstGeom prst="straightConnector1">
-            <a:avLst/>
-          </a:prstGeom>
-          <a:ln>
-            <a:tailEnd type="triangle"/>
-          </a:ln>
-        </p:spPr>
-        <p:style>
-          <a:lnRef idx="1">
-            <a:schemeClr val="accent1"/>
-          </a:lnRef>
-          <a:fillRef idx="0">
-            <a:schemeClr val="accent1"/>
-          </a:fillRef>
-          <a:effectRef idx="0">
-            <a:schemeClr val="accent1"/>
-          </a:effectRef>
-          <a:fontRef idx="minor">
-            <a:schemeClr val="tx1"/>
-          </a:fontRef>
-        </p:style>
-      </p:cxnSp>
-      <p:sp>
-        <p:nvSpPr>
-          <p:cNvPr id="232" name="TextBox 231"/>
+          <p:cNvPr id="144" name="TextBox 143"/>
           <p:cNvSpPr txBox="1"/>
           <p:nvPr/>
         </p:nvSpPr>
         <p:spPr>
           <a:xfrm>
-            <a:off x="9148472" y="5661065"/>
-            <a:ext cx="352982" cy="230832"/>
+            <a:off x="8049602" y="1718382"/>
+            <a:ext cx="3969356" cy="3139321"/>
           </a:xfrm>
           <a:prstGeom prst="rect">
             <a:avLst/>
@@ -8610,190 +6711,170 @@
           </a:bodyPr>
           <a:lstStyle/>
           <a:p>
-            <a:r>
-              <a:rPr lang="en-US" altLang="ko-KR" sz="900" dirty="0" smtClean="0"/>
-              <a:t>yes</a:t>
-            </a:r>
-            <a:endParaRPr lang="ko-KR" altLang="en-US" sz="900" dirty="0"/>
-          </a:p>
-        </p:txBody>
-      </p:sp>
-      <p:sp>
-        <p:nvSpPr>
-          <p:cNvPr id="233" name="순서도: 처리 232"/>
+            <a:pPr marL="171450" indent="-171450">
+              <a:buFont typeface="Arial" panose="020B0604020202020204" pitchFamily="34" charset="0"/>
+              <a:buChar char="•"/>
+            </a:pPr>
+            <a:r>
+              <a:rPr lang="en-US" altLang="ko-KR" sz="1100" dirty="0" smtClean="0"/>
+              <a:t>logout: sever and client are disconnected. </a:t>
+            </a:r>
+          </a:p>
+          <a:p>
+            <a:r>
+              <a:rPr lang="en-US" altLang="ko-KR" sz="1100" dirty="0"/>
+              <a:t>	</a:t>
+            </a:r>
+            <a:r>
+              <a:rPr lang="en-US" altLang="ko-KR" sz="1100" dirty="0" smtClean="0"/>
+              <a:t>client can try to connect to server, </a:t>
+            </a:r>
+            <a:br>
+              <a:rPr lang="en-US" altLang="ko-KR" sz="1100" dirty="0" smtClean="0"/>
+            </a:br>
+            <a:r>
+              <a:rPr lang="en-US" altLang="ko-KR" sz="1100" dirty="0" smtClean="0"/>
+              <a:t>	and to send login request</a:t>
+            </a:r>
+          </a:p>
+          <a:p>
+            <a:endParaRPr lang="en-US" altLang="ko-KR" sz="1100" dirty="0" smtClean="0"/>
+          </a:p>
+          <a:p>
+            <a:pPr marL="171450" indent="-171450">
+              <a:buFont typeface="Arial" panose="020B0604020202020204" pitchFamily="34" charset="0"/>
+              <a:buChar char="•"/>
+            </a:pPr>
+            <a:r>
+              <a:rPr lang="en-US" altLang="ko-KR" sz="1100" dirty="0" smtClean="0"/>
+              <a:t>secure run: can securely receive the image data </a:t>
+            </a:r>
+          </a:p>
+          <a:p>
+            <a:r>
+              <a:rPr lang="en-US" altLang="ko-KR" sz="1100" dirty="0"/>
+              <a:t>	</a:t>
+            </a:r>
+            <a:r>
+              <a:rPr lang="en-US" altLang="ko-KR" sz="1100" dirty="0" smtClean="0"/>
+              <a:t>generated from server camera</a:t>
+            </a:r>
+          </a:p>
+          <a:p>
+            <a:endParaRPr lang="en-US" altLang="ko-KR" sz="1100" dirty="0" smtClean="0"/>
+          </a:p>
+          <a:p>
+            <a:pPr marL="171450" indent="-171450">
+              <a:buFont typeface="Arial" panose="020B0604020202020204" pitchFamily="34" charset="0"/>
+              <a:buChar char="•"/>
+            </a:pPr>
+            <a:r>
+              <a:rPr lang="en-US" altLang="ko-KR" sz="1100" dirty="0" smtClean="0"/>
+              <a:t>secure test run: can securely receive the image data</a:t>
+            </a:r>
+          </a:p>
+          <a:p>
+            <a:r>
+              <a:rPr lang="en-US" altLang="ko-KR" sz="1100" dirty="0"/>
+              <a:t>	</a:t>
+            </a:r>
+            <a:r>
+              <a:rPr lang="en-US" altLang="ko-KR" sz="1100" dirty="0" smtClean="0"/>
+              <a:t>generated from server media file</a:t>
+            </a:r>
+          </a:p>
+          <a:p>
+            <a:endParaRPr lang="en-US" altLang="ko-KR" sz="1100" dirty="0" smtClean="0"/>
+          </a:p>
+          <a:p>
+            <a:pPr marL="171450" indent="-171450">
+              <a:buFont typeface="Arial" panose="020B0604020202020204" pitchFamily="34" charset="0"/>
+              <a:buChar char="•"/>
+            </a:pPr>
+            <a:r>
+              <a:rPr lang="en-US" altLang="ko-KR" sz="1100" dirty="0" smtClean="0"/>
+              <a:t>non secure run: can receive the image data </a:t>
+            </a:r>
+          </a:p>
+          <a:p>
+            <a:r>
+              <a:rPr lang="en-US" altLang="ko-KR" sz="1100" dirty="0" smtClean="0"/>
+              <a:t>	generated from server camera</a:t>
+            </a:r>
+          </a:p>
+          <a:p>
+            <a:endParaRPr lang="en-US" altLang="ko-KR" sz="1100" dirty="0" smtClean="0"/>
+          </a:p>
+          <a:p>
+            <a:pPr marL="171450" indent="-171450">
+              <a:buFont typeface="Arial" panose="020B0604020202020204" pitchFamily="34" charset="0"/>
+              <a:buChar char="•"/>
+            </a:pPr>
+            <a:r>
+              <a:rPr lang="en-US" altLang="ko-KR" sz="1100" dirty="0" smtClean="0"/>
+              <a:t>non secure test run: can receive the image data</a:t>
+            </a:r>
+          </a:p>
+          <a:p>
+            <a:r>
+              <a:rPr lang="en-US" altLang="ko-KR" sz="1100" dirty="0" smtClean="0"/>
+              <a:t>	generated from server media file</a:t>
+            </a:r>
+          </a:p>
+          <a:p>
+            <a:endParaRPr lang="en-US" altLang="ko-KR" sz="1100" dirty="0" smtClean="0"/>
+          </a:p>
+          <a:p>
+            <a:pPr marL="171450" indent="-171450">
+              <a:buFont typeface="Arial" panose="020B0604020202020204" pitchFamily="34" charset="0"/>
+              <a:buChar char="•"/>
+            </a:pPr>
+            <a:r>
+              <a:rPr lang="en-US" altLang="ko-KR" sz="1100" dirty="0" smtClean="0"/>
+              <a:t>learn: can request for saving the current received image</a:t>
+            </a:r>
+          </a:p>
+          <a:p>
+            <a:r>
+              <a:rPr lang="en-US" altLang="ko-KR" sz="1100" dirty="0"/>
+              <a:t>	</a:t>
+            </a:r>
+            <a:r>
+              <a:rPr lang="en-US" altLang="ko-KR" sz="1100" dirty="0" smtClean="0"/>
+              <a:t>with name to the server</a:t>
+            </a:r>
+          </a:p>
+        </p:txBody>
+      </p:sp>
+      <p:sp>
+        <p:nvSpPr>
+          <p:cNvPr id="36" name="직사각형 35"/>
           <p:cNvSpPr/>
           <p:nvPr/>
         </p:nvSpPr>
         <p:spPr>
           <a:xfrm>
-            <a:off x="9829551" y="6022755"/>
-            <a:ext cx="1144195" cy="394129"/>
-          </a:xfrm>
-          <a:prstGeom prst="flowChartProcess">
-            <a:avLst/>
-          </a:prstGeom>
-        </p:spPr>
-        <p:style>
-          <a:lnRef idx="2">
-            <a:schemeClr val="accent1"/>
-          </a:lnRef>
-          <a:fillRef idx="1">
-            <a:schemeClr val="lt1"/>
-          </a:fillRef>
-          <a:effectRef idx="0">
-            <a:schemeClr val="accent1"/>
-          </a:effectRef>
-          <a:fontRef idx="minor">
-            <a:schemeClr val="dk1"/>
-          </a:fontRef>
-        </p:style>
-        <p:txBody>
-          <a:bodyPr wrap="none" rtlCol="0" anchor="ctr"/>
-          <a:lstStyle/>
-          <a:p>
-            <a:pPr algn="ctr"/>
-            <a:r>
-              <a:rPr lang="en-US" altLang="ko-KR" sz="1100" dirty="0" smtClean="0"/>
-              <a:t>request</a:t>
-            </a:r>
-          </a:p>
-          <a:p>
-            <a:pPr algn="ctr"/>
-            <a:r>
-              <a:rPr lang="en-US" altLang="ko-KR" sz="1100" dirty="0" smtClean="0"/>
-              <a:t>Run mode</a:t>
-            </a:r>
-            <a:endParaRPr lang="ko-KR" altLang="en-US" sz="1100" dirty="0"/>
-          </a:p>
-        </p:txBody>
-      </p:sp>
-      <p:cxnSp>
-        <p:nvCxnSpPr>
-          <p:cNvPr id="234" name="직선 화살표 연결선 233"/>
-          <p:cNvCxnSpPr>
-            <a:stCxn id="227" idx="2"/>
-            <a:endCxn id="233" idx="0"/>
-          </p:cNvCxnSpPr>
-          <p:nvPr/>
-        </p:nvCxnSpPr>
-        <p:spPr>
-          <a:xfrm>
-            <a:off x="9782163" y="5765375"/>
-            <a:ext cx="619486" cy="257380"/>
-          </a:xfrm>
-          <a:prstGeom prst="straightConnector1">
-            <a:avLst/>
-          </a:prstGeom>
-          <a:ln>
-            <a:tailEnd type="triangle"/>
-          </a:ln>
-        </p:spPr>
-        <p:style>
-          <a:lnRef idx="1">
-            <a:schemeClr val="accent1"/>
-          </a:lnRef>
-          <a:fillRef idx="0">
-            <a:schemeClr val="accent1"/>
-          </a:fillRef>
-          <a:effectRef idx="0">
-            <a:schemeClr val="accent1"/>
-          </a:effectRef>
-          <a:fontRef idx="minor">
-            <a:schemeClr val="tx1"/>
-          </a:fontRef>
-        </p:style>
-      </p:cxnSp>
-      <p:sp>
-        <p:nvSpPr>
-          <p:cNvPr id="235" name="TextBox 234"/>
-          <p:cNvSpPr txBox="1"/>
-          <p:nvPr/>
-        </p:nvSpPr>
-        <p:spPr>
-          <a:xfrm>
-            <a:off x="9921629" y="5651876"/>
-            <a:ext cx="320922" cy="230832"/>
+            <a:off x="374403" y="162108"/>
+            <a:ext cx="10285731" cy="233397"/>
           </a:xfrm>
           <a:prstGeom prst="rect">
             <a:avLst/>
           </a:prstGeom>
-          <a:noFill/>
-        </p:spPr>
-        <p:txBody>
-          <a:bodyPr wrap="none" rtlCol="0">
+        </p:spPr>
+        <p:txBody>
+          <a:bodyPr wrap="square">
             <a:spAutoFit/>
           </a:bodyPr>
           <a:lstStyle/>
           <a:p>
-            <a:r>
-              <a:rPr lang="en-US" altLang="ko-KR" sz="900" dirty="0" smtClean="0"/>
-              <a:t>no</a:t>
-            </a:r>
-            <a:endParaRPr lang="ko-KR" altLang="en-US" sz="900" dirty="0"/>
-          </a:p>
-        </p:txBody>
-      </p:sp>
-      <p:pic>
-        <p:nvPicPr>
-          <p:cNvPr id="236" name="그림 235"/>
-          <p:cNvPicPr>
-            <a:picLocks noChangeAspect="1"/>
-          </p:cNvPicPr>
-          <p:nvPr/>
-        </p:nvPicPr>
-        <p:blipFill>
-          <a:blip r:embed="rId2"/>
-          <a:stretch>
-            <a:fillRect/>
-          </a:stretch>
-        </p:blipFill>
-        <p:spPr>
-          <a:xfrm>
-            <a:off x="-9383" y="0"/>
-            <a:ext cx="3070880" cy="6858000"/>
-          </a:xfrm>
-          <a:prstGeom prst="rect">
-            <a:avLst/>
-          </a:prstGeom>
-        </p:spPr>
-      </p:pic>
-      <p:sp>
-        <p:nvSpPr>
-          <p:cNvPr id="238" name="순서도: 수행의 시작/종료 237"/>
-          <p:cNvSpPr/>
-          <p:nvPr/>
-        </p:nvSpPr>
-        <p:spPr>
-          <a:xfrm>
-            <a:off x="10973746" y="3333049"/>
-            <a:ext cx="1171852" cy="301752"/>
-          </a:xfrm>
-          <a:prstGeom prst="flowChartTerminator">
-            <a:avLst/>
-          </a:prstGeom>
-        </p:spPr>
-        <p:style>
-          <a:lnRef idx="2">
-            <a:schemeClr val="accent1"/>
-          </a:lnRef>
-          <a:fillRef idx="1">
-            <a:schemeClr val="lt1"/>
-          </a:fillRef>
-          <a:effectRef idx="0">
-            <a:schemeClr val="accent1"/>
-          </a:effectRef>
-          <a:fontRef idx="minor">
-            <a:schemeClr val="dk1"/>
-          </a:fontRef>
-        </p:style>
-        <p:txBody>
-          <a:bodyPr wrap="none" rtlCol="0" anchor="ctr"/>
-          <a:lstStyle/>
-          <a:p>
-            <a:pPr algn="ctr"/>
+            <a:pPr>
+              <a:lnSpc>
+                <a:spcPts val="1100"/>
+              </a:lnSpc>
+            </a:pPr>
             <a:r>
               <a:rPr lang="en-US" altLang="ko-KR" sz="1100" dirty="0" smtClean="0"/>
-              <a:t>TODO Learn Mode</a:t>
+              <a:t>Client State Diagram</a:t>
             </a:r>
             <a:endParaRPr lang="ko-KR" altLang="en-US" sz="1100" dirty="0"/>
           </a:p>
@@ -8802,7 +6883,7 @@
     </p:spTree>
     <p:extLst>
       <p:ext uri="{BB962C8B-B14F-4D97-AF65-F5344CB8AC3E}">
-        <p14:creationId xmlns:p14="http://schemas.microsoft.com/office/powerpoint/2010/main" val="2088093242"/>
+        <p14:creationId xmlns:p14="http://schemas.microsoft.com/office/powerpoint/2010/main" val="4226745596"/>
       </p:ext>
     </p:extLst>
   </p:cSld>

--- a/docs/10_implementation/architecture.pptx
+++ b/docs/10_implementation/architecture.pptx
@@ -8,6 +8,8 @@
     <p:sldId id="256" r:id="rId2"/>
     <p:sldId id="259" r:id="rId3"/>
     <p:sldId id="257" r:id="rId4"/>
+    <p:sldId id="260" r:id="rId5"/>
+    <p:sldId id="261" r:id="rId6"/>
   </p:sldIdLst>
   <p:sldSz cx="12192000" cy="6858000"/>
   <p:notesSz cx="6858000" cy="9144000"/>
@@ -245,7 +247,7 @@
           <a:p>
             <a:fld id="{CE992262-0062-4EDD-B0C3-8606D6178BEB}" type="datetimeFigureOut">
               <a:rPr lang="ko-KR" altLang="en-US" smtClean="0"/>
-              <a:t>2021-06-15</a:t>
+              <a:t>2021-06-17</a:t>
             </a:fld>
             <a:endParaRPr lang="ko-KR" altLang="en-US"/>
           </a:p>
@@ -415,7 +417,7 @@
           <a:p>
             <a:fld id="{CE992262-0062-4EDD-B0C3-8606D6178BEB}" type="datetimeFigureOut">
               <a:rPr lang="ko-KR" altLang="en-US" smtClean="0"/>
-              <a:t>2021-06-15</a:t>
+              <a:t>2021-06-17</a:t>
             </a:fld>
             <a:endParaRPr lang="ko-KR" altLang="en-US"/>
           </a:p>
@@ -595,7 +597,7 @@
           <a:p>
             <a:fld id="{CE992262-0062-4EDD-B0C3-8606D6178BEB}" type="datetimeFigureOut">
               <a:rPr lang="ko-KR" altLang="en-US" smtClean="0"/>
-              <a:t>2021-06-15</a:t>
+              <a:t>2021-06-17</a:t>
             </a:fld>
             <a:endParaRPr lang="ko-KR" altLang="en-US"/>
           </a:p>
@@ -765,7 +767,7 @@
           <a:p>
             <a:fld id="{CE992262-0062-4EDD-B0C3-8606D6178BEB}" type="datetimeFigureOut">
               <a:rPr lang="ko-KR" altLang="en-US" smtClean="0"/>
-              <a:t>2021-06-15</a:t>
+              <a:t>2021-06-17</a:t>
             </a:fld>
             <a:endParaRPr lang="ko-KR" altLang="en-US"/>
           </a:p>
@@ -1011,7 +1013,7 @@
           <a:p>
             <a:fld id="{CE992262-0062-4EDD-B0C3-8606D6178BEB}" type="datetimeFigureOut">
               <a:rPr lang="ko-KR" altLang="en-US" smtClean="0"/>
-              <a:t>2021-06-15</a:t>
+              <a:t>2021-06-17</a:t>
             </a:fld>
             <a:endParaRPr lang="ko-KR" altLang="en-US"/>
           </a:p>
@@ -1243,7 +1245,7 @@
           <a:p>
             <a:fld id="{CE992262-0062-4EDD-B0C3-8606D6178BEB}" type="datetimeFigureOut">
               <a:rPr lang="ko-KR" altLang="en-US" smtClean="0"/>
-              <a:t>2021-06-15</a:t>
+              <a:t>2021-06-17</a:t>
             </a:fld>
             <a:endParaRPr lang="ko-KR" altLang="en-US"/>
           </a:p>
@@ -1610,7 +1612,7 @@
           <a:p>
             <a:fld id="{CE992262-0062-4EDD-B0C3-8606D6178BEB}" type="datetimeFigureOut">
               <a:rPr lang="ko-KR" altLang="en-US" smtClean="0"/>
-              <a:t>2021-06-15</a:t>
+              <a:t>2021-06-17</a:t>
             </a:fld>
             <a:endParaRPr lang="ko-KR" altLang="en-US"/>
           </a:p>
@@ -1728,7 +1730,7 @@
           <a:p>
             <a:fld id="{CE992262-0062-4EDD-B0C3-8606D6178BEB}" type="datetimeFigureOut">
               <a:rPr lang="ko-KR" altLang="en-US" smtClean="0"/>
-              <a:t>2021-06-15</a:t>
+              <a:t>2021-06-17</a:t>
             </a:fld>
             <a:endParaRPr lang="ko-KR" altLang="en-US"/>
           </a:p>
@@ -1823,7 +1825,7 @@
           <a:p>
             <a:fld id="{CE992262-0062-4EDD-B0C3-8606D6178BEB}" type="datetimeFigureOut">
               <a:rPr lang="ko-KR" altLang="en-US" smtClean="0"/>
-              <a:t>2021-06-15</a:t>
+              <a:t>2021-06-17</a:t>
             </a:fld>
             <a:endParaRPr lang="ko-KR" altLang="en-US"/>
           </a:p>
@@ -2100,7 +2102,7 @@
           <a:p>
             <a:fld id="{CE992262-0062-4EDD-B0C3-8606D6178BEB}" type="datetimeFigureOut">
               <a:rPr lang="ko-KR" altLang="en-US" smtClean="0"/>
-              <a:t>2021-06-15</a:t>
+              <a:t>2021-06-17</a:t>
             </a:fld>
             <a:endParaRPr lang="ko-KR" altLang="en-US"/>
           </a:p>
@@ -2353,7 +2355,7 @@
           <a:p>
             <a:fld id="{CE992262-0062-4EDD-B0C3-8606D6178BEB}" type="datetimeFigureOut">
               <a:rPr lang="ko-KR" altLang="en-US" smtClean="0"/>
-              <a:t>2021-06-15</a:t>
+              <a:t>2021-06-17</a:t>
             </a:fld>
             <a:endParaRPr lang="ko-KR" altLang="en-US"/>
           </a:p>
@@ -2566,7 +2568,7 @@
           <a:p>
             <a:fld id="{CE992262-0062-4EDD-B0C3-8606D6178BEB}" type="datetimeFigureOut">
               <a:rPr lang="ko-KR" altLang="en-US" smtClean="0"/>
-              <a:t>2021-06-15</a:t>
+              <a:t>2021-06-17</a:t>
             </a:fld>
             <a:endParaRPr lang="ko-KR" altLang="en-US"/>
           </a:p>
@@ -3652,11 +3654,7 @@
               <a:pPr algn="ctr"/>
               <a:r>
                 <a:rPr lang="en-US" altLang="ko-KR" sz="1000" dirty="0" smtClean="0"/>
-                <a:t>[TLS] secure </a:t>
-              </a:r>
-              <a:r>
-                <a:rPr lang="en-US" altLang="ko-KR" sz="1000" dirty="0" smtClean="0"/>
-                <a:t>channel for control data</a:t>
+                <a:t>[TLS] secure channel for control data</a:t>
               </a:r>
               <a:endParaRPr lang="ko-KR" altLang="en-US" sz="1000" dirty="0"/>
             </a:p>
@@ -3860,7 +3858,6 @@
                 <a:rPr lang="en-US" altLang="ko-KR" sz="1000" b="1" dirty="0" smtClean="0"/>
                 <a:t>192.168.0.228:5000</a:t>
               </a:r>
-              <a:endParaRPr lang="en-US" altLang="ko-KR" sz="1000" b="1" dirty="0" smtClean="0"/>
             </a:p>
           </p:txBody>
         </p:sp>
@@ -5287,7 +5284,6 @@
               <a:rPr lang="en-US" altLang="ko-KR" sz="1100" dirty="0" smtClean="0"/>
               <a:t>photo, resume and pause again.</a:t>
             </a:r>
-            <a:endParaRPr lang="en-US" altLang="ko-KR" sz="1100" dirty="0" smtClean="0"/>
           </a:p>
           <a:p>
             <a:pPr marL="171450" indent="-171450">
@@ -5316,7 +5312,6 @@
               <a:rPr lang="en-US" altLang="ko-KR" sz="1100" dirty="0" smtClean="0"/>
               <a:t>: Request the saving of photo to the server</a:t>
             </a:r>
-            <a:endParaRPr lang="en-US" altLang="ko-KR" sz="1100" dirty="0" smtClean="0"/>
           </a:p>
         </p:txBody>
       </p:sp>
@@ -6884,6 +6879,336 @@
     <p:extLst>
       <p:ext uri="{BB962C8B-B14F-4D97-AF65-F5344CB8AC3E}">
         <p14:creationId xmlns:p14="http://schemas.microsoft.com/office/powerpoint/2010/main" val="4226745596"/>
+      </p:ext>
+    </p:extLst>
+  </p:cSld>
+  <p:clrMapOvr>
+    <a:masterClrMapping/>
+  </p:clrMapOvr>
+</p:sld>
+</file>
+
+<file path=ppt/slides/slide4.xml><?xml version="1.0" encoding="utf-8"?>
+<p:sld xmlns:a="http://schemas.openxmlformats.org/drawingml/2006/main" xmlns:r="http://schemas.openxmlformats.org/officeDocument/2006/relationships" xmlns:p="http://schemas.openxmlformats.org/presentationml/2006/main">
+  <p:cSld>
+    <p:spTree>
+      <p:nvGrpSpPr>
+        <p:cNvPr id="1" name=""/>
+        <p:cNvGrpSpPr/>
+        <p:nvPr/>
+      </p:nvGrpSpPr>
+      <p:grpSpPr>
+        <a:xfrm>
+          <a:off x="0" y="0"/>
+          <a:ext cx="0" cy="0"/>
+          <a:chOff x="0" y="0"/>
+          <a:chExt cx="0" cy="0"/>
+        </a:xfrm>
+      </p:grpSpPr>
+      <p:pic>
+        <p:nvPicPr>
+          <p:cNvPr id="15" name="그림 14"/>
+          <p:cNvPicPr>
+            <a:picLocks noChangeAspect="1"/>
+          </p:cNvPicPr>
+          <p:nvPr/>
+        </p:nvPicPr>
+        <p:blipFill>
+          <a:blip r:embed="rId2">
+            <a:extLst>
+              <a:ext uri="{28A0092B-C50C-407E-A947-70E740481C1C}">
+                <a14:useLocalDpi xmlns:a14="http://schemas.microsoft.com/office/drawing/2010/main" val="0"/>
+              </a:ext>
+            </a:extLst>
+          </a:blip>
+          <a:stretch>
+            <a:fillRect/>
+          </a:stretch>
+        </p:blipFill>
+        <p:spPr>
+          <a:xfrm>
+            <a:off x="164994" y="2910998"/>
+            <a:ext cx="4352400" cy="2619549"/>
+          </a:xfrm>
+          <a:prstGeom prst="rect">
+            <a:avLst/>
+          </a:prstGeom>
+        </p:spPr>
+      </p:pic>
+      <p:pic>
+        <p:nvPicPr>
+          <p:cNvPr id="4" name="그림 3"/>
+          <p:cNvPicPr>
+            <a:picLocks noChangeAspect="1"/>
+          </p:cNvPicPr>
+          <p:nvPr/>
+        </p:nvPicPr>
+        <p:blipFill>
+          <a:blip r:embed="rId3">
+            <a:extLst>
+              <a:ext uri="{28A0092B-C50C-407E-A947-70E740481C1C}">
+                <a14:useLocalDpi xmlns:a14="http://schemas.microsoft.com/office/drawing/2010/main" val="0"/>
+              </a:ext>
+            </a:extLst>
+          </a:blip>
+          <a:stretch>
+            <a:fillRect/>
+          </a:stretch>
+        </p:blipFill>
+        <p:spPr>
+          <a:xfrm>
+            <a:off x="164994" y="132110"/>
+            <a:ext cx="4352400" cy="2625577"/>
+          </a:xfrm>
+          <a:prstGeom prst="rect">
+            <a:avLst/>
+          </a:prstGeom>
+        </p:spPr>
+      </p:pic>
+      <p:pic>
+        <p:nvPicPr>
+          <p:cNvPr id="5" name="그림 4"/>
+          <p:cNvPicPr>
+            <a:picLocks noChangeAspect="1"/>
+          </p:cNvPicPr>
+          <p:nvPr/>
+        </p:nvPicPr>
+        <p:blipFill>
+          <a:blip r:embed="rId4">
+            <a:extLst>
+              <a:ext uri="{28A0092B-C50C-407E-A947-70E740481C1C}">
+                <a14:useLocalDpi xmlns:a14="http://schemas.microsoft.com/office/drawing/2010/main" val="0"/>
+              </a:ext>
+            </a:extLst>
+          </a:blip>
+          <a:stretch>
+            <a:fillRect/>
+          </a:stretch>
+        </p:blipFill>
+        <p:spPr>
+          <a:xfrm>
+            <a:off x="6891081" y="132110"/>
+            <a:ext cx="4352400" cy="2625577"/>
+          </a:xfrm>
+          <a:prstGeom prst="rect">
+            <a:avLst/>
+          </a:prstGeom>
+        </p:spPr>
+      </p:pic>
+      <p:pic>
+        <p:nvPicPr>
+          <p:cNvPr id="7" name="그림 6"/>
+          <p:cNvPicPr>
+            <a:picLocks noChangeAspect="1"/>
+          </p:cNvPicPr>
+          <p:nvPr/>
+        </p:nvPicPr>
+        <p:blipFill>
+          <a:blip r:embed="rId5">
+            <a:extLst>
+              <a:ext uri="{28A0092B-C50C-407E-A947-70E740481C1C}">
+                <a14:useLocalDpi xmlns:a14="http://schemas.microsoft.com/office/drawing/2010/main" val="0"/>
+              </a:ext>
+            </a:extLst>
+          </a:blip>
+          <a:stretch>
+            <a:fillRect/>
+          </a:stretch>
+        </p:blipFill>
+        <p:spPr>
+          <a:xfrm>
+            <a:off x="1564902" y="4220772"/>
+            <a:ext cx="4352400" cy="2619549"/>
+          </a:xfrm>
+          <a:prstGeom prst="rect">
+            <a:avLst/>
+          </a:prstGeom>
+        </p:spPr>
+      </p:pic>
+      <p:pic>
+        <p:nvPicPr>
+          <p:cNvPr id="14" name="그림 13"/>
+          <p:cNvPicPr>
+            <a:picLocks noChangeAspect="1"/>
+          </p:cNvPicPr>
+          <p:nvPr/>
+        </p:nvPicPr>
+        <p:blipFill>
+          <a:blip r:embed="rId6">
+            <a:extLst>
+              <a:ext uri="{28A0092B-C50C-407E-A947-70E740481C1C}">
+                <a14:useLocalDpi xmlns:a14="http://schemas.microsoft.com/office/drawing/2010/main" val="0"/>
+              </a:ext>
+            </a:extLst>
+          </a:blip>
+          <a:stretch>
+            <a:fillRect/>
+          </a:stretch>
+        </p:blipFill>
+        <p:spPr>
+          <a:xfrm>
+            <a:off x="6891081" y="3132761"/>
+            <a:ext cx="4352400" cy="2619549"/>
+          </a:xfrm>
+          <a:prstGeom prst="rect">
+            <a:avLst/>
+          </a:prstGeom>
+        </p:spPr>
+      </p:pic>
+    </p:spTree>
+    <p:extLst>
+      <p:ext uri="{BB962C8B-B14F-4D97-AF65-F5344CB8AC3E}">
+        <p14:creationId xmlns:p14="http://schemas.microsoft.com/office/powerpoint/2010/main" val="771528724"/>
+      </p:ext>
+    </p:extLst>
+  </p:cSld>
+  <p:clrMapOvr>
+    <a:masterClrMapping/>
+  </p:clrMapOvr>
+</p:sld>
+</file>
+
+<file path=ppt/slides/slide5.xml><?xml version="1.0" encoding="utf-8"?>
+<p:sld xmlns:a="http://schemas.openxmlformats.org/drawingml/2006/main" xmlns:r="http://schemas.openxmlformats.org/officeDocument/2006/relationships" xmlns:p="http://schemas.openxmlformats.org/presentationml/2006/main">
+  <p:cSld>
+    <p:spTree>
+      <p:nvGrpSpPr>
+        <p:cNvPr id="1" name=""/>
+        <p:cNvGrpSpPr/>
+        <p:nvPr/>
+      </p:nvGrpSpPr>
+      <p:grpSpPr>
+        <a:xfrm>
+          <a:off x="0" y="0"/>
+          <a:ext cx="0" cy="0"/>
+          <a:chOff x="0" y="0"/>
+          <a:chExt cx="0" cy="0"/>
+        </a:xfrm>
+      </p:grpSpPr>
+      <p:pic>
+        <p:nvPicPr>
+          <p:cNvPr id="6" name="그림 5"/>
+          <p:cNvPicPr>
+            <a:picLocks noChangeAspect="1"/>
+          </p:cNvPicPr>
+          <p:nvPr/>
+        </p:nvPicPr>
+        <p:blipFill>
+          <a:blip r:embed="rId2">
+            <a:extLst>
+              <a:ext uri="{28A0092B-C50C-407E-A947-70E740481C1C}">
+                <a14:useLocalDpi xmlns:a14="http://schemas.microsoft.com/office/drawing/2010/main" val="0"/>
+              </a:ext>
+            </a:extLst>
+          </a:blip>
+          <a:stretch>
+            <a:fillRect/>
+          </a:stretch>
+        </p:blipFill>
+        <p:spPr>
+          <a:xfrm>
+            <a:off x="521772" y="3532191"/>
+            <a:ext cx="4352400" cy="2619549"/>
+          </a:xfrm>
+          <a:prstGeom prst="rect">
+            <a:avLst/>
+          </a:prstGeom>
+        </p:spPr>
+      </p:pic>
+      <p:pic>
+        <p:nvPicPr>
+          <p:cNvPr id="7" name="그림 6"/>
+          <p:cNvPicPr>
+            <a:picLocks noChangeAspect="1"/>
+          </p:cNvPicPr>
+          <p:nvPr/>
+        </p:nvPicPr>
+        <p:blipFill>
+          <a:blip r:embed="rId3">
+            <a:extLst>
+              <a:ext uri="{28A0092B-C50C-407E-A947-70E740481C1C}">
+                <a14:useLocalDpi xmlns:a14="http://schemas.microsoft.com/office/drawing/2010/main" val="0"/>
+              </a:ext>
+            </a:extLst>
+          </a:blip>
+          <a:stretch>
+            <a:fillRect/>
+          </a:stretch>
+        </p:blipFill>
+        <p:spPr>
+          <a:xfrm>
+            <a:off x="5317554" y="167621"/>
+            <a:ext cx="4352400" cy="2619549"/>
+          </a:xfrm>
+          <a:prstGeom prst="rect">
+            <a:avLst/>
+          </a:prstGeom>
+        </p:spPr>
+      </p:pic>
+      <p:pic>
+        <p:nvPicPr>
+          <p:cNvPr id="8" name="그림 7"/>
+          <p:cNvPicPr>
+            <a:picLocks noChangeAspect="1"/>
+          </p:cNvPicPr>
+          <p:nvPr/>
+        </p:nvPicPr>
+        <p:blipFill>
+          <a:blip r:embed="rId4">
+            <a:extLst>
+              <a:ext uri="{28A0092B-C50C-407E-A947-70E740481C1C}">
+                <a14:useLocalDpi xmlns:a14="http://schemas.microsoft.com/office/drawing/2010/main" val="0"/>
+              </a:ext>
+            </a:extLst>
+          </a:blip>
+          <a:stretch>
+            <a:fillRect/>
+          </a:stretch>
+        </p:blipFill>
+        <p:spPr>
+          <a:xfrm>
+            <a:off x="5317554" y="3532191"/>
+            <a:ext cx="4352400" cy="2619549"/>
+          </a:xfrm>
+          <a:prstGeom prst="rect">
+            <a:avLst/>
+          </a:prstGeom>
+        </p:spPr>
+      </p:pic>
+      <p:pic>
+        <p:nvPicPr>
+          <p:cNvPr id="9" name="그림 8"/>
+          <p:cNvPicPr>
+            <a:picLocks noChangeAspect="1"/>
+          </p:cNvPicPr>
+          <p:nvPr/>
+        </p:nvPicPr>
+        <p:blipFill>
+          <a:blip r:embed="rId5">
+            <a:extLst>
+              <a:ext uri="{28A0092B-C50C-407E-A947-70E740481C1C}">
+                <a14:useLocalDpi xmlns:a14="http://schemas.microsoft.com/office/drawing/2010/main" val="0"/>
+              </a:ext>
+            </a:extLst>
+          </a:blip>
+          <a:stretch>
+            <a:fillRect/>
+          </a:stretch>
+        </p:blipFill>
+        <p:spPr>
+          <a:xfrm>
+            <a:off x="497310" y="167621"/>
+            <a:ext cx="4352400" cy="2619549"/>
+          </a:xfrm>
+          <a:prstGeom prst="rect">
+            <a:avLst/>
+          </a:prstGeom>
+        </p:spPr>
+      </p:pic>
+    </p:spTree>
+    <p:extLst>
+      <p:ext uri="{BB962C8B-B14F-4D97-AF65-F5344CB8AC3E}">
+        <p14:creationId xmlns:p14="http://schemas.microsoft.com/office/powerpoint/2010/main" val="1409392731"/>
       </p:ext>
     </p:extLst>
   </p:cSld>
